--- a/Journee-ARC6/benani-vargas-ghedira-musicante.pptx
+++ b/Journee-ARC6/benani-vargas-ghedira-musicante.pptx
@@ -5,10 +5,10 @@
     <p:sldMasterId id="2147483819" r:id="rId1"/>
   </p:sldMasterIdLst>
   <p:notesMasterIdLst>
-    <p:notesMasterId r:id="rId16"/>
+    <p:notesMasterId r:id="rId18"/>
   </p:notesMasterIdLst>
   <p:handoutMasterIdLst>
-    <p:handoutMasterId r:id="rId17"/>
+    <p:handoutMasterId r:id="rId19"/>
   </p:handoutMasterIdLst>
   <p:sldIdLst>
     <p:sldId id="256" r:id="rId2"/>
@@ -16,15 +16,17 @@
     <p:sldId id="387" r:id="rId4"/>
     <p:sldId id="390" r:id="rId5"/>
     <p:sldId id="388" r:id="rId6"/>
-    <p:sldId id="351" r:id="rId7"/>
-    <p:sldId id="383" r:id="rId8"/>
-    <p:sldId id="392" r:id="rId9"/>
-    <p:sldId id="385" r:id="rId10"/>
-    <p:sldId id="393" r:id="rId11"/>
-    <p:sldId id="380" r:id="rId12"/>
-    <p:sldId id="384" r:id="rId13"/>
-    <p:sldId id="386" r:id="rId14"/>
-    <p:sldId id="376" r:id="rId15"/>
+    <p:sldId id="394" r:id="rId7"/>
+    <p:sldId id="395" r:id="rId8"/>
+    <p:sldId id="351" r:id="rId9"/>
+    <p:sldId id="383" r:id="rId10"/>
+    <p:sldId id="392" r:id="rId11"/>
+    <p:sldId id="385" r:id="rId12"/>
+    <p:sldId id="393" r:id="rId13"/>
+    <p:sldId id="380" r:id="rId14"/>
+    <p:sldId id="384" r:id="rId15"/>
+    <p:sldId id="386" r:id="rId16"/>
+    <p:sldId id="376" r:id="rId17"/>
   </p:sldIdLst>
   <p:sldSz cx="9144000" cy="5143500" type="screen16x9"/>
   <p:notesSz cx="6858000" cy="9144000"/>
@@ -125,7 +127,7 @@
   </p:defaultTextStyle>
   <p:extLst>
     <p:ext uri="{EFAFB233-063F-42B5-8137-9DF3F51BA10A}">
-      <p15:sldGuideLst xmlns:p15="http://schemas.microsoft.com/office/powerpoint/2012/main" xmlns="">
+      <p15:sldGuideLst xmlns="" xmlns:p15="http://schemas.microsoft.com/office/powerpoint/2012/main">
         <p15:guide id="1" orient="horz" pos="1620">
           <p15:clr>
             <a:srgbClr val="A4A3A4"/>
@@ -224,7 +226,7 @@
           <a:p>
             <a:fld id="{A77E57C5-5813-5747-A65D-14904BC3B28A}" type="datetimeFigureOut">
               <a:rPr lang="fr-FR" smtClean="0"/>
-              <a:t>12/03/2014</a:t>
+              <a:t>24/03/2014</a:t>
             </a:fld>
             <a:endParaRPr lang="es-ES_tradnl"/>
           </a:p>
@@ -390,7 +392,7 @@
           <a:p>
             <a:fld id="{80840C0A-9A0E-6F48-97E1-1968C32D5906}" type="datetimeFigureOut">
               <a:rPr lang="fr-FR" smtClean="0"/>
-              <a:t>12/03/2014</a:t>
+              <a:t>24/03/2014</a:t>
             </a:fld>
             <a:endParaRPr lang="es-ES_tradnl"/>
           </a:p>
@@ -1342,7 +1344,7 @@
           <a:p>
             <a:fld id="{52815A4C-9E08-41AA-A5B8-2AF14C109CD3}" type="slidenum">
               <a:rPr lang="es-MX" smtClean="0"/>
-              <a:t>6</a:t>
+              <a:t>8</a:t>
             </a:fld>
             <a:endParaRPr lang="es-MX"/>
           </a:p>
@@ -1426,7 +1428,7 @@
           <a:p>
             <a:fld id="{57E0BC2A-8237-8C45-84CA-A7F136E6A562}" type="slidenum">
               <a:rPr lang="es-ES_tradnl" smtClean="0"/>
-              <a:t>11</a:t>
+              <a:t>13</a:t>
             </a:fld>
             <a:endParaRPr lang="es-ES_tradnl"/>
           </a:p>
@@ -1510,7 +1512,7 @@
           <a:p>
             <a:fld id="{57E0BC2A-8237-8C45-84CA-A7F136E6A562}" type="slidenum">
               <a:rPr lang="es-ES_tradnl" smtClean="0"/>
-              <a:t>14</a:t>
+              <a:t>16</a:t>
             </a:fld>
             <a:endParaRPr lang="es-ES_tradnl"/>
           </a:p>
@@ -1774,7 +1776,7 @@
           <a:p>
             <a:fld id="{08173A4C-CE70-0842-955E-7836C9977CD0}" type="datetime1">
               <a:rPr lang="fr-FR" smtClean="0"/>
-              <a:t>12/03/2014</a:t>
+              <a:t>24/03/2014</a:t>
             </a:fld>
             <a:endParaRPr lang="en-GB"/>
           </a:p>
@@ -2036,7 +2038,7 @@
           <a:p>
             <a:fld id="{FFCC69C8-B675-1649-A9BD-41EBD27C87D2}" type="datetime1">
               <a:rPr lang="fr-FR" smtClean="0"/>
-              <a:t>12/03/2014</a:t>
+              <a:t>24/03/2014</a:t>
             </a:fld>
             <a:endParaRPr lang="en-GB"/>
           </a:p>
@@ -2271,7 +2273,7 @@
           <a:p>
             <a:fld id="{4BAE475C-31E1-764F-AEF6-3694F06675D0}" type="datetime1">
               <a:rPr lang="fr-FR" smtClean="0"/>
-              <a:t>12/03/2014</a:t>
+              <a:t>24/03/2014</a:t>
             </a:fld>
             <a:endParaRPr lang="en-GB"/>
           </a:p>
@@ -2736,7 +2738,7 @@
             </a:pPr>
             <a:fld id="{D302CF7C-A13E-A345-84DA-F5AB6E7DF0E9}" type="datetime1">
               <a:rPr lang="fr-FR" smtClean="0"/>
-              <a:t>12/03/2014</a:t>
+              <a:t>24/03/2014</a:t>
             </a:fld>
             <a:endParaRPr lang="en-GB"/>
           </a:p>
@@ -2953,7 +2955,7 @@
           <a:p>
             <a:fld id="{825AAD87-5DB6-FD45-9B91-4F6BC3D3F595}" type="datetime1">
               <a:rPr lang="fr-FR" smtClean="0"/>
-              <a:t>12/03/2014</a:t>
+              <a:t>24/03/2014</a:t>
             </a:fld>
             <a:endParaRPr lang="en-US"/>
           </a:p>
@@ -3331,7 +3333,7 @@
           <a:p>
             <a:fld id="{A730A38C-46F8-1741-9A21-08C25CCF77B8}" type="datetime1">
               <a:rPr lang="fr-FR" smtClean="0"/>
-              <a:t>12/03/2014</a:t>
+              <a:t>24/03/2014</a:t>
             </a:fld>
             <a:endParaRPr lang="en-US"/>
           </a:p>
@@ -3914,7 +3916,7 @@
           <a:p>
             <a:fld id="{07A11159-4733-984B-82E6-F506241142AC}" type="datetime1">
               <a:rPr lang="fr-FR" smtClean="0"/>
-              <a:t>12/03/2014</a:t>
+              <a:t>24/03/2014</a:t>
             </a:fld>
             <a:endParaRPr lang="en-US"/>
           </a:p>
@@ -4133,7 +4135,7 @@
           <a:p>
             <a:fld id="{EDA3E0B9-CC88-8645-9C27-FEB189175B0D}" type="datetime1">
               <a:rPr lang="fr-FR" smtClean="0"/>
-              <a:t>12/03/2014</a:t>
+              <a:t>24/03/2014</a:t>
             </a:fld>
             <a:endParaRPr lang="en-GB"/>
           </a:p>
@@ -4440,7 +4442,7 @@
           <a:p>
             <a:fld id="{7DE04ABD-EA59-D340-8A4B-D382B3BF6F0B}" type="datetime1">
               <a:rPr lang="fr-FR" smtClean="0"/>
-              <a:t>12/03/2014</a:t>
+              <a:t>24/03/2014</a:t>
             </a:fld>
             <a:endParaRPr lang="en-GB"/>
           </a:p>
@@ -4742,7 +4744,7 @@
           <a:p>
             <a:fld id="{D5501940-797B-154C-B283-2D29903CC2BA}" type="datetime1">
               <a:rPr lang="fr-FR" smtClean="0"/>
-              <a:t>12/03/2014</a:t>
+              <a:t>24/03/2014</a:t>
             </a:fld>
             <a:endParaRPr lang="en-GB"/>
           </a:p>
@@ -5164,7 +5166,7 @@
           <a:p>
             <a:fld id="{2D40B61E-7161-8349-B1B0-1706419BC512}" type="datetime1">
               <a:rPr lang="fr-FR" smtClean="0"/>
-              <a:t>12/03/2014</a:t>
+              <a:t>24/03/2014</a:t>
             </a:fld>
             <a:endParaRPr lang="en-GB"/>
           </a:p>
@@ -5326,7 +5328,7 @@
           <a:p>
             <a:fld id="{F1F996EE-AEA5-7247-84F6-5653F10EA78E}" type="datetime1">
               <a:rPr lang="fr-FR" smtClean="0"/>
-              <a:t>12/03/2014</a:t>
+              <a:t>24/03/2014</a:t>
             </a:fld>
             <a:endParaRPr lang="en-GB"/>
           </a:p>
@@ -5421,7 +5423,7 @@
           <a:p>
             <a:fld id="{970A5426-907C-B84D-976B-85288A8ADDB1}" type="datetime1">
               <a:rPr lang="fr-FR" smtClean="0"/>
-              <a:t>12/03/2014</a:t>
+              <a:t>24/03/2014</a:t>
             </a:fld>
             <a:endParaRPr lang="en-GB"/>
           </a:p>
@@ -5799,7 +5801,7 @@
           <a:p>
             <a:fld id="{7C8B3765-6DE2-FF46-A407-C716D7CC1B8C}" type="datetime1">
               <a:rPr lang="fr-FR" smtClean="0"/>
-              <a:t>12/03/2014</a:t>
+              <a:t>24/03/2014</a:t>
             </a:fld>
             <a:endParaRPr lang="en-GB"/>
           </a:p>
@@ -6088,7 +6090,7 @@
           <a:p>
             <a:fld id="{44F34D2A-E81D-7F49-85D1-AFDCEF49289D}" type="datetime1">
               <a:rPr lang="fr-FR" smtClean="0"/>
-              <a:t>12/03/2014</a:t>
+              <a:t>24/03/2014</a:t>
             </a:fld>
             <a:endParaRPr lang="en-GB"/>
           </a:p>
@@ -6299,7 +6301,7 @@
           <a:p>
             <a:fld id="{A4430339-9F7B-9E4D-B5EF-3BC3BAD6E4FA}" type="datetime1">
               <a:rPr lang="fr-FR" smtClean="0"/>
-              <a:t>12/03/2014</a:t>
+              <a:t>24/03/2014</a:t>
             </a:fld>
             <a:endParaRPr lang="en-GB"/>
           </a:p>
@@ -7139,6 +7141,2911 @@
           <a:lstStyle/>
           <a:p>
             <a:r>
+              <a:rPr lang="fr-FR" dirty="0" smtClean="0"/>
+              <a:t>General </a:t>
+            </a:r>
+            <a:r>
+              <a:rPr lang="fr-FR" dirty="0" err="1" smtClean="0"/>
+              <a:t>approach</a:t>
+            </a:r>
+            <a:endParaRPr lang="fr-FR" dirty="0"/>
+          </a:p>
+        </p:txBody>
+      </p:sp>
+      <p:sp>
+        <p:nvSpPr>
+          <p:cNvPr id="3" name="Espace réservé du numéro de diapositive 2"/>
+          <p:cNvSpPr>
+            <a:spLocks noGrp="1"/>
+          </p:cNvSpPr>
+          <p:nvPr>
+            <p:ph type="sldNum" sz="quarter" idx="12"/>
+          </p:nvPr>
+        </p:nvSpPr>
+        <p:spPr/>
+        <p:txBody>
+          <a:bodyPr/>
+          <a:lstStyle/>
+          <a:p>
+            <a:fld id="{503914D5-4C05-48A0-975C-C97C98535A04}" type="slidenum">
+              <a:rPr lang="en-GB" smtClean="0"/>
+              <a:t>10</a:t>
+            </a:fld>
+            <a:endParaRPr lang="en-GB"/>
+          </a:p>
+        </p:txBody>
+      </p:sp>
+      <p:sp>
+        <p:nvSpPr>
+          <p:cNvPr id="4" name="Signalisation droite 3"/>
+          <p:cNvSpPr/>
+          <p:nvPr/>
+        </p:nvSpPr>
+        <p:spPr>
+          <a:xfrm>
+            <a:off x="1230931" y="1905000"/>
+            <a:ext cx="1423370" cy="419100"/>
+          </a:xfrm>
+          <a:prstGeom prst="homePlate">
+            <a:avLst/>
+          </a:prstGeom>
+        </p:spPr>
+        <p:style>
+          <a:lnRef idx="1">
+            <a:schemeClr val="accent1"/>
+          </a:lnRef>
+          <a:fillRef idx="3">
+            <a:schemeClr val="accent1"/>
+          </a:fillRef>
+          <a:effectRef idx="2">
+            <a:schemeClr val="accent1"/>
+          </a:effectRef>
+          <a:fontRef idx="minor">
+            <a:schemeClr val="lt1"/>
+          </a:fontRef>
+        </p:style>
+        <p:txBody>
+          <a:bodyPr rtlCol="0" anchor="ctr"/>
+          <a:lstStyle/>
+          <a:p>
+            <a:pPr algn="ctr"/>
+            <a:r>
+              <a:rPr lang="fr-FR" dirty="0" smtClean="0">
+                <a:latin typeface="Consolas"/>
+                <a:cs typeface="Consolas"/>
+              </a:rPr>
+              <a:t>SLA </a:t>
+            </a:r>
+            <a:r>
+              <a:rPr lang="fr-FR" dirty="0" err="1" smtClean="0">
+                <a:latin typeface="Consolas"/>
+                <a:cs typeface="Consolas"/>
+              </a:rPr>
+              <a:t>derivation</a:t>
+            </a:r>
+            <a:endParaRPr lang="fr-FR" dirty="0">
+              <a:latin typeface="Consolas"/>
+              <a:cs typeface="Consolas"/>
+            </a:endParaRPr>
+          </a:p>
+        </p:txBody>
+      </p:sp>
+      <p:sp>
+        <p:nvSpPr>
+          <p:cNvPr id="5" name="Signalisation droite 4"/>
+          <p:cNvSpPr/>
+          <p:nvPr/>
+        </p:nvSpPr>
+        <p:spPr>
+          <a:xfrm>
+            <a:off x="3513612" y="1917700"/>
+            <a:ext cx="1718788" cy="419100"/>
+          </a:xfrm>
+          <a:prstGeom prst="homePlate">
+            <a:avLst/>
+          </a:prstGeom>
+        </p:spPr>
+        <p:style>
+          <a:lnRef idx="1">
+            <a:schemeClr val="accent1"/>
+          </a:lnRef>
+          <a:fillRef idx="3">
+            <a:schemeClr val="accent1"/>
+          </a:fillRef>
+          <a:effectRef idx="2">
+            <a:schemeClr val="accent1"/>
+          </a:effectRef>
+          <a:fontRef idx="minor">
+            <a:schemeClr val="lt1"/>
+          </a:fontRef>
+        </p:style>
+        <p:txBody>
+          <a:bodyPr rtlCol="0" anchor="ctr"/>
+          <a:lstStyle/>
+          <a:p>
+            <a:pPr algn="ctr"/>
+            <a:r>
+              <a:rPr lang="fr-FR" dirty="0" smtClean="0">
+                <a:latin typeface="Consolas"/>
+                <a:cs typeface="Consolas"/>
+              </a:rPr>
+              <a:t>Service composition</a:t>
+            </a:r>
+            <a:endParaRPr lang="fr-FR" dirty="0">
+              <a:latin typeface="Consolas"/>
+              <a:cs typeface="Consolas"/>
+            </a:endParaRPr>
+          </a:p>
+        </p:txBody>
+      </p:sp>
+      <p:sp>
+        <p:nvSpPr>
+          <p:cNvPr id="6" name="Signalisation droite 5"/>
+          <p:cNvSpPr/>
+          <p:nvPr/>
+        </p:nvSpPr>
+        <p:spPr>
+          <a:xfrm>
+            <a:off x="5964712" y="1930400"/>
+            <a:ext cx="1718788" cy="419100"/>
+          </a:xfrm>
+          <a:prstGeom prst="homePlate">
+            <a:avLst/>
+          </a:prstGeom>
+        </p:spPr>
+        <p:style>
+          <a:lnRef idx="1">
+            <a:schemeClr val="accent1"/>
+          </a:lnRef>
+          <a:fillRef idx="3">
+            <a:schemeClr val="accent1"/>
+          </a:fillRef>
+          <a:effectRef idx="2">
+            <a:schemeClr val="accent1"/>
+          </a:effectRef>
+          <a:fontRef idx="minor">
+            <a:schemeClr val="lt1"/>
+          </a:fontRef>
+        </p:style>
+        <p:txBody>
+          <a:bodyPr rtlCol="0" anchor="ctr"/>
+          <a:lstStyle/>
+          <a:p>
+            <a:pPr algn="ctr"/>
+            <a:r>
+              <a:rPr lang="fr-FR" dirty="0" err="1" smtClean="0">
+                <a:latin typeface="Consolas"/>
+                <a:cs typeface="Consolas"/>
+              </a:rPr>
+              <a:t>Query</a:t>
+            </a:r>
+            <a:r>
+              <a:rPr lang="fr-FR" dirty="0" smtClean="0">
+                <a:latin typeface="Consolas"/>
+                <a:cs typeface="Consolas"/>
+              </a:rPr>
+              <a:t> </a:t>
+            </a:r>
+            <a:r>
+              <a:rPr lang="fr-FR" dirty="0" err="1" smtClean="0">
+                <a:latin typeface="Consolas"/>
+                <a:cs typeface="Consolas"/>
+              </a:rPr>
+              <a:t>evaluation</a:t>
+            </a:r>
+            <a:endParaRPr lang="fr-FR" dirty="0">
+              <a:latin typeface="Consolas"/>
+              <a:cs typeface="Consolas"/>
+            </a:endParaRPr>
+          </a:p>
+        </p:txBody>
+      </p:sp>
+      <p:sp>
+        <p:nvSpPr>
+          <p:cNvPr id="7" name="Signalisation droite 6"/>
+          <p:cNvSpPr/>
+          <p:nvPr/>
+        </p:nvSpPr>
+        <p:spPr>
+          <a:xfrm>
+            <a:off x="2008137" y="2692400"/>
+            <a:ext cx="1611363" cy="584200"/>
+          </a:xfrm>
+          <a:prstGeom prst="homePlate">
+            <a:avLst/>
+          </a:prstGeom>
+          <a:solidFill>
+            <a:schemeClr val="bg2">
+              <a:lumMod val="90000"/>
+            </a:schemeClr>
+          </a:solidFill>
+        </p:spPr>
+        <p:style>
+          <a:lnRef idx="1">
+            <a:schemeClr val="accent1"/>
+          </a:lnRef>
+          <a:fillRef idx="3">
+            <a:schemeClr val="accent1"/>
+          </a:fillRef>
+          <a:effectRef idx="2">
+            <a:schemeClr val="accent1"/>
+          </a:effectRef>
+          <a:fontRef idx="minor">
+            <a:schemeClr val="lt1"/>
+          </a:fontRef>
+        </p:style>
+        <p:txBody>
+          <a:bodyPr rtlCol="0" anchor="ctr"/>
+          <a:lstStyle/>
+          <a:p>
+            <a:pPr algn="ctr"/>
+            <a:r>
+              <a:rPr lang="fr-FR" sz="1200" dirty="0" err="1" smtClean="0">
+                <a:solidFill>
+                  <a:srgbClr val="000000"/>
+                </a:solidFill>
+                <a:latin typeface="Consolas"/>
+                <a:cs typeface="Consolas"/>
+              </a:rPr>
+              <a:t>Lookup</a:t>
+            </a:r>
+            <a:endParaRPr lang="fr-FR" sz="1200" dirty="0" smtClean="0">
+              <a:solidFill>
+                <a:srgbClr val="000000"/>
+              </a:solidFill>
+              <a:latin typeface="Consolas"/>
+              <a:cs typeface="Consolas"/>
+            </a:endParaRPr>
+          </a:p>
+          <a:p>
+            <a:pPr algn="ctr"/>
+            <a:r>
+              <a:rPr lang="fr-FR" sz="1200" dirty="0" err="1">
+                <a:solidFill>
+                  <a:srgbClr val="000000"/>
+                </a:solidFill>
+                <a:latin typeface="Consolas"/>
+                <a:cs typeface="Consolas"/>
+              </a:rPr>
+              <a:t>p</a:t>
+            </a:r>
+            <a:r>
+              <a:rPr lang="fr-FR" sz="1200" dirty="0" err="1" smtClean="0">
+                <a:solidFill>
+                  <a:srgbClr val="000000"/>
+                </a:solidFill>
+                <a:latin typeface="Consolas"/>
+                <a:cs typeface="Consolas"/>
+              </a:rPr>
+              <a:t>rederived</a:t>
+            </a:r>
+            <a:r>
+              <a:rPr lang="fr-FR" sz="1200" dirty="0" smtClean="0">
+                <a:solidFill>
+                  <a:srgbClr val="000000"/>
+                </a:solidFill>
+                <a:latin typeface="Consolas"/>
+                <a:cs typeface="Consolas"/>
+              </a:rPr>
+              <a:t> SLA</a:t>
+            </a:r>
+            <a:endParaRPr lang="fr-FR" sz="1200" dirty="0">
+              <a:solidFill>
+                <a:srgbClr val="000000"/>
+              </a:solidFill>
+              <a:latin typeface="Consolas"/>
+              <a:cs typeface="Consolas"/>
+            </a:endParaRPr>
+          </a:p>
+        </p:txBody>
+      </p:sp>
+      <p:sp>
+        <p:nvSpPr>
+          <p:cNvPr id="8" name="Signalisation droite 7"/>
+          <p:cNvSpPr/>
+          <p:nvPr/>
+        </p:nvSpPr>
+        <p:spPr>
+          <a:xfrm>
+            <a:off x="3138923" y="1549400"/>
+            <a:ext cx="4976377" cy="952500"/>
+          </a:xfrm>
+          <a:prstGeom prst="homePlate">
+            <a:avLst/>
+          </a:prstGeom>
+          <a:noFill/>
+          <a:ln>
+            <a:solidFill>
+              <a:schemeClr val="tx2">
+                <a:lumMod val="75000"/>
+                <a:lumOff val="25000"/>
+              </a:schemeClr>
+            </a:solidFill>
+            <a:prstDash val="sysDash"/>
+          </a:ln>
+        </p:spPr>
+        <p:style>
+          <a:lnRef idx="1">
+            <a:schemeClr val="accent1"/>
+          </a:lnRef>
+          <a:fillRef idx="3">
+            <a:schemeClr val="accent1"/>
+          </a:fillRef>
+          <a:effectRef idx="2">
+            <a:schemeClr val="accent1"/>
+          </a:effectRef>
+          <a:fontRef idx="minor">
+            <a:schemeClr val="lt1"/>
+          </a:fontRef>
+        </p:style>
+        <p:txBody>
+          <a:bodyPr rtlCol="0" anchor="ctr"/>
+          <a:lstStyle/>
+          <a:p>
+            <a:pPr algn="ctr"/>
+            <a:endParaRPr lang="fr-FR" dirty="0">
+              <a:latin typeface="Consolas"/>
+              <a:cs typeface="Consolas"/>
+            </a:endParaRPr>
+          </a:p>
+        </p:txBody>
+      </p:sp>
+      <p:sp>
+        <p:nvSpPr>
+          <p:cNvPr id="9" name="Signalisation droite 8"/>
+          <p:cNvSpPr/>
+          <p:nvPr/>
+        </p:nvSpPr>
+        <p:spPr>
+          <a:xfrm>
+            <a:off x="1982737" y="3517900"/>
+            <a:ext cx="1611363" cy="584200"/>
+          </a:xfrm>
+          <a:prstGeom prst="homePlate">
+            <a:avLst/>
+          </a:prstGeom>
+          <a:solidFill>
+            <a:schemeClr val="bg2">
+              <a:lumMod val="90000"/>
+            </a:schemeClr>
+          </a:solidFill>
+        </p:spPr>
+        <p:style>
+          <a:lnRef idx="1">
+            <a:schemeClr val="accent1"/>
+          </a:lnRef>
+          <a:fillRef idx="3">
+            <a:schemeClr val="accent1"/>
+          </a:fillRef>
+          <a:effectRef idx="2">
+            <a:schemeClr val="accent1"/>
+          </a:effectRef>
+          <a:fontRef idx="minor">
+            <a:schemeClr val="lt1"/>
+          </a:fontRef>
+        </p:style>
+        <p:txBody>
+          <a:bodyPr rtlCol="0" anchor="ctr"/>
+          <a:lstStyle/>
+          <a:p>
+            <a:pPr algn="ctr"/>
+            <a:r>
+              <a:rPr lang="fr-FR" sz="1200" dirty="0" err="1" smtClean="0">
+                <a:solidFill>
+                  <a:srgbClr val="000000"/>
+                </a:solidFill>
+                <a:latin typeface="Consolas"/>
+                <a:cs typeface="Consolas"/>
+              </a:rPr>
+              <a:t>Integrate</a:t>
+            </a:r>
+            <a:endParaRPr lang="fr-FR" sz="1200" dirty="0" smtClean="0">
+              <a:solidFill>
+                <a:srgbClr val="000000"/>
+              </a:solidFill>
+              <a:latin typeface="Consolas"/>
+              <a:cs typeface="Consolas"/>
+            </a:endParaRPr>
+          </a:p>
+          <a:p>
+            <a:pPr algn="ctr"/>
+            <a:r>
+              <a:rPr lang="fr-FR" sz="1200" dirty="0" smtClean="0">
+                <a:solidFill>
+                  <a:srgbClr val="000000"/>
+                </a:solidFill>
+                <a:latin typeface="Consolas"/>
+                <a:cs typeface="Consolas"/>
+              </a:rPr>
+              <a:t>SLA</a:t>
+            </a:r>
+            <a:endParaRPr lang="fr-FR" sz="1200" dirty="0">
+              <a:solidFill>
+                <a:srgbClr val="000000"/>
+              </a:solidFill>
+              <a:latin typeface="Consolas"/>
+              <a:cs typeface="Consolas"/>
+            </a:endParaRPr>
+          </a:p>
+        </p:txBody>
+      </p:sp>
+      <p:cxnSp>
+        <p:nvCxnSpPr>
+          <p:cNvPr id="11" name="Connecteur en angle 10"/>
+          <p:cNvCxnSpPr>
+            <a:stCxn id="4" idx="2"/>
+            <a:endCxn id="7" idx="1"/>
+          </p:cNvCxnSpPr>
+          <p:nvPr/>
+        </p:nvCxnSpPr>
+        <p:spPr>
+          <a:xfrm rot="16200000" flipH="1">
+            <a:off x="1592789" y="2569152"/>
+            <a:ext cx="660400" cy="170296"/>
+          </a:xfrm>
+          <a:prstGeom prst="bentConnector2">
+            <a:avLst/>
+          </a:prstGeom>
+          <a:ln>
+            <a:tailEnd type="arrow"/>
+          </a:ln>
+        </p:spPr>
+        <p:style>
+          <a:lnRef idx="2">
+            <a:schemeClr val="accent1"/>
+          </a:lnRef>
+          <a:fillRef idx="0">
+            <a:schemeClr val="accent1"/>
+          </a:fillRef>
+          <a:effectRef idx="1">
+            <a:schemeClr val="accent1"/>
+          </a:effectRef>
+          <a:fontRef idx="minor">
+            <a:schemeClr val="tx1"/>
+          </a:fontRef>
+        </p:style>
+      </p:cxnSp>
+      <p:cxnSp>
+        <p:nvCxnSpPr>
+          <p:cNvPr id="13" name="Connecteur en angle 12"/>
+          <p:cNvCxnSpPr>
+            <a:stCxn id="4" idx="2"/>
+            <a:endCxn id="9" idx="1"/>
+          </p:cNvCxnSpPr>
+          <p:nvPr/>
+        </p:nvCxnSpPr>
+        <p:spPr>
+          <a:xfrm rot="16200000" flipH="1">
+            <a:off x="1167339" y="2994602"/>
+            <a:ext cx="1485900" cy="144896"/>
+          </a:xfrm>
+          <a:prstGeom prst="bentConnector2">
+            <a:avLst/>
+          </a:prstGeom>
+          <a:ln>
+            <a:tailEnd type="arrow"/>
+          </a:ln>
+        </p:spPr>
+        <p:style>
+          <a:lnRef idx="2">
+            <a:schemeClr val="accent1"/>
+          </a:lnRef>
+          <a:fillRef idx="0">
+            <a:schemeClr val="accent1"/>
+          </a:fillRef>
+          <a:effectRef idx="1">
+            <a:schemeClr val="accent1"/>
+          </a:effectRef>
+          <a:fontRef idx="minor">
+            <a:schemeClr val="tx1"/>
+          </a:fontRef>
+        </p:style>
+      </p:cxnSp>
+      <p:sp>
+        <p:nvSpPr>
+          <p:cNvPr id="15" name="ZoneTexte 14"/>
+          <p:cNvSpPr txBox="1"/>
+          <p:nvPr/>
+        </p:nvSpPr>
+        <p:spPr>
+          <a:xfrm>
+            <a:off x="1349697" y="3073400"/>
+            <a:ext cx="403989" cy="276999"/>
+          </a:xfrm>
+          <a:prstGeom prst="rect">
+            <a:avLst/>
+          </a:prstGeom>
+          <a:noFill/>
+          <a:ln>
+            <a:solidFill>
+              <a:srgbClr val="18579B"/>
+            </a:solidFill>
+          </a:ln>
+        </p:spPr>
+        <p:txBody>
+          <a:bodyPr wrap="square" rtlCol="0">
+            <a:spAutoFit/>
+          </a:bodyPr>
+          <a:lstStyle/>
+          <a:p>
+            <a:r>
+              <a:rPr lang="fr-FR" sz="1200" dirty="0" smtClean="0">
+                <a:latin typeface="Consolas"/>
+                <a:cs typeface="Consolas"/>
+              </a:rPr>
+              <a:t>OR</a:t>
+            </a:r>
+            <a:endParaRPr lang="fr-FR" sz="1200" dirty="0">
+              <a:latin typeface="Consolas"/>
+              <a:cs typeface="Consolas"/>
+            </a:endParaRPr>
+          </a:p>
+        </p:txBody>
+      </p:sp>
+      <p:sp>
+        <p:nvSpPr>
+          <p:cNvPr id="16" name="Signalisation droite 15"/>
+          <p:cNvSpPr/>
+          <p:nvPr/>
+        </p:nvSpPr>
+        <p:spPr>
+          <a:xfrm>
+            <a:off x="4408437" y="2667000"/>
+            <a:ext cx="1611363" cy="584200"/>
+          </a:xfrm>
+          <a:prstGeom prst="homePlate">
+            <a:avLst/>
+          </a:prstGeom>
+          <a:solidFill>
+            <a:schemeClr val="bg2">
+              <a:lumMod val="90000"/>
+            </a:schemeClr>
+          </a:solidFill>
+        </p:spPr>
+        <p:style>
+          <a:lnRef idx="1">
+            <a:schemeClr val="accent1"/>
+          </a:lnRef>
+          <a:fillRef idx="3">
+            <a:schemeClr val="accent1"/>
+          </a:fillRef>
+          <a:effectRef idx="2">
+            <a:schemeClr val="accent1"/>
+          </a:effectRef>
+          <a:fontRef idx="minor">
+            <a:schemeClr val="lt1"/>
+          </a:fontRef>
+        </p:style>
+        <p:txBody>
+          <a:bodyPr rtlCol="0" anchor="ctr"/>
+          <a:lstStyle/>
+          <a:p>
+            <a:pPr algn="ctr"/>
+            <a:r>
+              <a:rPr lang="fr-FR" sz="1200" dirty="0" smtClean="0">
+                <a:solidFill>
+                  <a:srgbClr val="000000"/>
+                </a:solidFill>
+                <a:latin typeface="Consolas"/>
+                <a:cs typeface="Consolas"/>
+              </a:rPr>
+              <a:t>Rewrite </a:t>
+            </a:r>
+            <a:r>
+              <a:rPr lang="fr-FR" sz="1200" dirty="0" err="1" smtClean="0">
+                <a:solidFill>
+                  <a:srgbClr val="000000"/>
+                </a:solidFill>
+                <a:latin typeface="Consolas"/>
+                <a:cs typeface="Consolas"/>
+              </a:rPr>
+              <a:t>query</a:t>
+            </a:r>
+            <a:r>
+              <a:rPr lang="fr-FR" sz="1200" dirty="0" smtClean="0">
+                <a:solidFill>
+                  <a:srgbClr val="000000"/>
+                </a:solidFill>
+                <a:latin typeface="Consolas"/>
+                <a:cs typeface="Consolas"/>
+              </a:rPr>
+              <a:t> </a:t>
+            </a:r>
+            <a:r>
+              <a:rPr lang="fr-FR" sz="1200" dirty="0" err="1" smtClean="0">
+                <a:solidFill>
+                  <a:srgbClr val="000000"/>
+                </a:solidFill>
+                <a:latin typeface="Consolas"/>
+                <a:cs typeface="Consolas"/>
+              </a:rPr>
+              <a:t>with</a:t>
+            </a:r>
+            <a:r>
+              <a:rPr lang="fr-FR" sz="1200" dirty="0" smtClean="0">
+                <a:solidFill>
+                  <a:srgbClr val="000000"/>
+                </a:solidFill>
+                <a:latin typeface="Consolas"/>
+                <a:cs typeface="Consolas"/>
+              </a:rPr>
+              <a:t> SLA </a:t>
+            </a:r>
+            <a:r>
+              <a:rPr lang="fr-FR" sz="1200" dirty="0" err="1" smtClean="0">
+                <a:solidFill>
+                  <a:srgbClr val="000000"/>
+                </a:solidFill>
+                <a:latin typeface="Consolas"/>
+                <a:cs typeface="Consolas"/>
+              </a:rPr>
+              <a:t>constraints</a:t>
+            </a:r>
+            <a:endParaRPr lang="fr-FR" sz="1200" dirty="0">
+              <a:solidFill>
+                <a:srgbClr val="000000"/>
+              </a:solidFill>
+              <a:latin typeface="Consolas"/>
+              <a:cs typeface="Consolas"/>
+            </a:endParaRPr>
+          </a:p>
+        </p:txBody>
+      </p:sp>
+      <p:cxnSp>
+        <p:nvCxnSpPr>
+          <p:cNvPr id="20" name="Connecteur en angle 19"/>
+          <p:cNvCxnSpPr>
+            <a:stCxn id="5" idx="2"/>
+            <a:endCxn id="16" idx="1"/>
+          </p:cNvCxnSpPr>
+          <p:nvPr/>
+        </p:nvCxnSpPr>
+        <p:spPr>
+          <a:xfrm rot="16200000" flipH="1">
+            <a:off x="4027184" y="2577847"/>
+            <a:ext cx="622300" cy="140206"/>
+          </a:xfrm>
+          <a:prstGeom prst="bentConnector2">
+            <a:avLst/>
+          </a:prstGeom>
+          <a:ln>
+            <a:tailEnd type="arrow"/>
+          </a:ln>
+        </p:spPr>
+        <p:style>
+          <a:lnRef idx="2">
+            <a:schemeClr val="accent1"/>
+          </a:lnRef>
+          <a:fillRef idx="0">
+            <a:schemeClr val="accent1"/>
+          </a:fillRef>
+          <a:effectRef idx="1">
+            <a:schemeClr val="accent1"/>
+          </a:effectRef>
+          <a:fontRef idx="minor">
+            <a:schemeClr val="tx1"/>
+          </a:fontRef>
+        </p:style>
+      </p:cxnSp>
+      <p:sp>
+        <p:nvSpPr>
+          <p:cNvPr id="21" name="Signalisation droite 20"/>
+          <p:cNvSpPr/>
+          <p:nvPr/>
+        </p:nvSpPr>
+        <p:spPr>
+          <a:xfrm>
+            <a:off x="4421137" y="3479800"/>
+            <a:ext cx="1611363" cy="584200"/>
+          </a:xfrm>
+          <a:prstGeom prst="homePlate">
+            <a:avLst/>
+          </a:prstGeom>
+          <a:solidFill>
+            <a:schemeClr val="bg2">
+              <a:lumMod val="90000"/>
+            </a:schemeClr>
+          </a:solidFill>
+        </p:spPr>
+        <p:style>
+          <a:lnRef idx="1">
+            <a:schemeClr val="accent1"/>
+          </a:lnRef>
+          <a:fillRef idx="3">
+            <a:schemeClr val="accent1"/>
+          </a:fillRef>
+          <a:effectRef idx="2">
+            <a:schemeClr val="accent1"/>
+          </a:effectRef>
+          <a:fontRef idx="minor">
+            <a:schemeClr val="lt1"/>
+          </a:fontRef>
+        </p:style>
+        <p:txBody>
+          <a:bodyPr rtlCol="0" anchor="ctr"/>
+          <a:lstStyle/>
+          <a:p>
+            <a:pPr algn="ctr"/>
+            <a:r>
+              <a:rPr lang="fr-FR" sz="1200" dirty="0" smtClean="0">
+                <a:solidFill>
+                  <a:srgbClr val="000000"/>
+                </a:solidFill>
+                <a:latin typeface="Consolas"/>
+                <a:cs typeface="Consolas"/>
+              </a:rPr>
+              <a:t>Store </a:t>
+            </a:r>
+            <a:r>
+              <a:rPr lang="fr-FR" sz="1200" dirty="0" err="1" smtClean="0">
+                <a:solidFill>
+                  <a:srgbClr val="000000"/>
+                </a:solidFill>
+                <a:latin typeface="Consolas"/>
+                <a:cs typeface="Consolas"/>
+              </a:rPr>
+              <a:t>rewriten</a:t>
+            </a:r>
+            <a:r>
+              <a:rPr lang="fr-FR" sz="1200" dirty="0" smtClean="0">
+                <a:solidFill>
+                  <a:srgbClr val="000000"/>
+                </a:solidFill>
+                <a:latin typeface="Consolas"/>
+                <a:cs typeface="Consolas"/>
+              </a:rPr>
+              <a:t> </a:t>
+            </a:r>
+            <a:r>
+              <a:rPr lang="fr-FR" sz="1200" dirty="0" err="1" smtClean="0">
+                <a:solidFill>
+                  <a:srgbClr val="000000"/>
+                </a:solidFill>
+                <a:latin typeface="Consolas"/>
+                <a:cs typeface="Consolas"/>
+              </a:rPr>
+              <a:t>queries</a:t>
+            </a:r>
+            <a:endParaRPr lang="fr-FR" sz="1200" dirty="0">
+              <a:solidFill>
+                <a:srgbClr val="000000"/>
+              </a:solidFill>
+              <a:latin typeface="Consolas"/>
+              <a:cs typeface="Consolas"/>
+            </a:endParaRPr>
+          </a:p>
+        </p:txBody>
+      </p:sp>
+      <p:sp>
+        <p:nvSpPr>
+          <p:cNvPr id="22" name="ZoneTexte 21"/>
+          <p:cNvSpPr txBox="1"/>
+          <p:nvPr/>
+        </p:nvSpPr>
+        <p:spPr>
+          <a:xfrm>
+            <a:off x="3181138" y="1524000"/>
+            <a:ext cx="1760778" cy="307777"/>
+          </a:xfrm>
+          <a:prstGeom prst="rect">
+            <a:avLst/>
+          </a:prstGeom>
+          <a:noFill/>
+        </p:spPr>
+        <p:txBody>
+          <a:bodyPr wrap="square" rtlCol="0">
+            <a:spAutoFit/>
+          </a:bodyPr>
+          <a:lstStyle/>
+          <a:p>
+            <a:r>
+              <a:rPr lang="fr-FR" dirty="0" err="1" smtClean="0">
+                <a:latin typeface="Consolas"/>
+                <a:cs typeface="Consolas"/>
+              </a:rPr>
+              <a:t>Query</a:t>
+            </a:r>
+            <a:r>
+              <a:rPr lang="fr-FR" dirty="0" smtClean="0">
+                <a:latin typeface="Consolas"/>
+                <a:cs typeface="Consolas"/>
+              </a:rPr>
+              <a:t> rewriting</a:t>
+            </a:r>
+            <a:endParaRPr lang="fr-FR" dirty="0">
+              <a:latin typeface="Consolas"/>
+              <a:cs typeface="Consolas"/>
+            </a:endParaRPr>
+          </a:p>
+        </p:txBody>
+      </p:sp>
+      <p:cxnSp>
+        <p:nvCxnSpPr>
+          <p:cNvPr id="23" name="Connecteur en angle 22"/>
+          <p:cNvCxnSpPr>
+            <a:stCxn id="5" idx="2"/>
+            <a:endCxn id="21" idx="1"/>
+          </p:cNvCxnSpPr>
+          <p:nvPr/>
+        </p:nvCxnSpPr>
+        <p:spPr>
+          <a:xfrm rot="16200000" flipH="1">
+            <a:off x="3627134" y="2977897"/>
+            <a:ext cx="1435100" cy="152906"/>
+          </a:xfrm>
+          <a:prstGeom prst="bentConnector2">
+            <a:avLst/>
+          </a:prstGeom>
+          <a:ln>
+            <a:tailEnd type="arrow"/>
+          </a:ln>
+        </p:spPr>
+        <p:style>
+          <a:lnRef idx="2">
+            <a:schemeClr val="accent1"/>
+          </a:lnRef>
+          <a:fillRef idx="0">
+            <a:schemeClr val="accent1"/>
+          </a:fillRef>
+          <a:effectRef idx="1">
+            <a:schemeClr val="accent1"/>
+          </a:effectRef>
+          <a:fontRef idx="minor">
+            <a:schemeClr val="tx1"/>
+          </a:fontRef>
+        </p:style>
+      </p:cxnSp>
+      <p:sp>
+        <p:nvSpPr>
+          <p:cNvPr id="26" name="ZoneTexte 25"/>
+          <p:cNvSpPr txBox="1"/>
+          <p:nvPr/>
+        </p:nvSpPr>
+        <p:spPr>
+          <a:xfrm>
+            <a:off x="3693539" y="3048000"/>
+            <a:ext cx="508357" cy="276999"/>
+          </a:xfrm>
+          <a:prstGeom prst="rect">
+            <a:avLst/>
+          </a:prstGeom>
+          <a:noFill/>
+          <a:ln>
+            <a:solidFill>
+              <a:srgbClr val="18579B"/>
+            </a:solidFill>
+          </a:ln>
+        </p:spPr>
+        <p:txBody>
+          <a:bodyPr wrap="square" rtlCol="0">
+            <a:spAutoFit/>
+          </a:bodyPr>
+          <a:lstStyle/>
+          <a:p>
+            <a:r>
+              <a:rPr lang="fr-FR" sz="1200" dirty="0" smtClean="0">
+                <a:latin typeface="Consolas"/>
+                <a:cs typeface="Consolas"/>
+              </a:rPr>
+              <a:t>SEQ</a:t>
+            </a:r>
+            <a:endParaRPr lang="fr-FR" sz="1200" dirty="0">
+              <a:latin typeface="Consolas"/>
+              <a:cs typeface="Consolas"/>
+            </a:endParaRPr>
+          </a:p>
+        </p:txBody>
+      </p:sp>
+      <p:sp>
+        <p:nvSpPr>
+          <p:cNvPr id="27" name="Signalisation droite 26"/>
+          <p:cNvSpPr/>
+          <p:nvPr/>
+        </p:nvSpPr>
+        <p:spPr>
+          <a:xfrm>
+            <a:off x="6808737" y="2692400"/>
+            <a:ext cx="1611363" cy="584200"/>
+          </a:xfrm>
+          <a:prstGeom prst="homePlate">
+            <a:avLst/>
+          </a:prstGeom>
+          <a:solidFill>
+            <a:schemeClr val="bg2">
+              <a:lumMod val="90000"/>
+            </a:schemeClr>
+          </a:solidFill>
+        </p:spPr>
+        <p:style>
+          <a:lnRef idx="1">
+            <a:schemeClr val="accent1"/>
+          </a:lnRef>
+          <a:fillRef idx="3">
+            <a:schemeClr val="accent1"/>
+          </a:fillRef>
+          <a:effectRef idx="2">
+            <a:schemeClr val="accent1"/>
+          </a:effectRef>
+          <a:fontRef idx="minor">
+            <a:schemeClr val="lt1"/>
+          </a:fontRef>
+        </p:style>
+        <p:txBody>
+          <a:bodyPr rtlCol="0" anchor="ctr"/>
+          <a:lstStyle/>
+          <a:p>
+            <a:pPr algn="ctr"/>
+            <a:r>
+              <a:rPr lang="fr-FR" sz="1200" dirty="0" smtClean="0">
+                <a:solidFill>
+                  <a:srgbClr val="000000"/>
+                </a:solidFill>
+                <a:latin typeface="Consolas"/>
+                <a:cs typeface="Consolas"/>
+              </a:rPr>
+              <a:t>SLA </a:t>
+            </a:r>
+            <a:r>
+              <a:rPr lang="fr-FR" sz="1200" dirty="0" err="1" smtClean="0">
+                <a:solidFill>
+                  <a:srgbClr val="000000"/>
+                </a:solidFill>
+                <a:latin typeface="Consolas"/>
+                <a:cs typeface="Consolas"/>
+              </a:rPr>
+              <a:t>guided</a:t>
+            </a:r>
+            <a:endParaRPr lang="fr-FR" sz="1200" dirty="0" smtClean="0">
+              <a:solidFill>
+                <a:srgbClr val="000000"/>
+              </a:solidFill>
+              <a:latin typeface="Consolas"/>
+              <a:cs typeface="Consolas"/>
+            </a:endParaRPr>
+          </a:p>
+          <a:p>
+            <a:pPr algn="ctr"/>
+            <a:r>
+              <a:rPr lang="fr-FR" sz="1200" dirty="0" err="1">
+                <a:solidFill>
+                  <a:srgbClr val="000000"/>
+                </a:solidFill>
+                <a:latin typeface="Consolas"/>
+                <a:cs typeface="Consolas"/>
+              </a:rPr>
+              <a:t>o</a:t>
+            </a:r>
+            <a:r>
+              <a:rPr lang="fr-FR" sz="1200" dirty="0" err="1" smtClean="0">
+                <a:solidFill>
+                  <a:srgbClr val="000000"/>
+                </a:solidFill>
+                <a:latin typeface="Consolas"/>
+                <a:cs typeface="Consolas"/>
+              </a:rPr>
+              <a:t>ptimization</a:t>
+            </a:r>
+            <a:endParaRPr lang="fr-FR" sz="1200" dirty="0">
+              <a:solidFill>
+                <a:srgbClr val="000000"/>
+              </a:solidFill>
+              <a:latin typeface="Consolas"/>
+              <a:cs typeface="Consolas"/>
+            </a:endParaRPr>
+          </a:p>
+        </p:txBody>
+      </p:sp>
+      <p:sp>
+        <p:nvSpPr>
+          <p:cNvPr id="28" name="Signalisation droite 27"/>
+          <p:cNvSpPr/>
+          <p:nvPr/>
+        </p:nvSpPr>
+        <p:spPr>
+          <a:xfrm>
+            <a:off x="6846837" y="3505200"/>
+            <a:ext cx="1611363" cy="584200"/>
+          </a:xfrm>
+          <a:prstGeom prst="homePlate">
+            <a:avLst/>
+          </a:prstGeom>
+          <a:solidFill>
+            <a:schemeClr val="bg2">
+              <a:lumMod val="90000"/>
+            </a:schemeClr>
+          </a:solidFill>
+        </p:spPr>
+        <p:style>
+          <a:lnRef idx="1">
+            <a:schemeClr val="accent1"/>
+          </a:lnRef>
+          <a:fillRef idx="3">
+            <a:schemeClr val="accent1"/>
+          </a:fillRef>
+          <a:effectRef idx="2">
+            <a:schemeClr val="accent1"/>
+          </a:effectRef>
+          <a:fontRef idx="minor">
+            <a:schemeClr val="lt1"/>
+          </a:fontRef>
+        </p:style>
+        <p:txBody>
+          <a:bodyPr rtlCol="0" anchor="ctr"/>
+          <a:lstStyle/>
+          <a:p>
+            <a:pPr algn="ctr"/>
+            <a:r>
+              <a:rPr lang="fr-FR" sz="1200" dirty="0" err="1" smtClean="0">
+                <a:solidFill>
+                  <a:srgbClr val="000000"/>
+                </a:solidFill>
+                <a:latin typeface="Consolas"/>
+                <a:cs typeface="Consolas"/>
+              </a:rPr>
+              <a:t>Execution</a:t>
+            </a:r>
+            <a:endParaRPr lang="fr-FR" sz="1200" dirty="0">
+              <a:solidFill>
+                <a:srgbClr val="000000"/>
+              </a:solidFill>
+              <a:latin typeface="Consolas"/>
+              <a:cs typeface="Consolas"/>
+            </a:endParaRPr>
+          </a:p>
+        </p:txBody>
+      </p:sp>
+      <p:cxnSp>
+        <p:nvCxnSpPr>
+          <p:cNvPr id="29" name="Connecteur en angle 28"/>
+          <p:cNvCxnSpPr>
+            <a:stCxn id="6" idx="2"/>
+            <a:endCxn id="27" idx="1"/>
+          </p:cNvCxnSpPr>
+          <p:nvPr/>
+        </p:nvCxnSpPr>
+        <p:spPr>
+          <a:xfrm rot="16200000" flipH="1">
+            <a:off x="6446534" y="2622297"/>
+            <a:ext cx="635000" cy="89406"/>
+          </a:xfrm>
+          <a:prstGeom prst="bentConnector2">
+            <a:avLst/>
+          </a:prstGeom>
+          <a:ln>
+            <a:tailEnd type="arrow"/>
+          </a:ln>
+        </p:spPr>
+        <p:style>
+          <a:lnRef idx="2">
+            <a:schemeClr val="accent1"/>
+          </a:lnRef>
+          <a:fillRef idx="0">
+            <a:schemeClr val="accent1"/>
+          </a:fillRef>
+          <a:effectRef idx="1">
+            <a:schemeClr val="accent1"/>
+          </a:effectRef>
+          <a:fontRef idx="minor">
+            <a:schemeClr val="tx1"/>
+          </a:fontRef>
+        </p:style>
+      </p:cxnSp>
+      <p:cxnSp>
+        <p:nvCxnSpPr>
+          <p:cNvPr id="33" name="Connecteur en angle 32"/>
+          <p:cNvCxnSpPr>
+            <a:stCxn id="6" idx="2"/>
+            <a:endCxn id="28" idx="1"/>
+          </p:cNvCxnSpPr>
+          <p:nvPr/>
+        </p:nvCxnSpPr>
+        <p:spPr>
+          <a:xfrm rot="16200000" flipH="1">
+            <a:off x="6059184" y="3009647"/>
+            <a:ext cx="1447800" cy="127506"/>
+          </a:xfrm>
+          <a:prstGeom prst="bentConnector2">
+            <a:avLst/>
+          </a:prstGeom>
+          <a:ln>
+            <a:tailEnd type="arrow"/>
+          </a:ln>
+        </p:spPr>
+        <p:style>
+          <a:lnRef idx="2">
+            <a:schemeClr val="accent1"/>
+          </a:lnRef>
+          <a:fillRef idx="0">
+            <a:schemeClr val="accent1"/>
+          </a:fillRef>
+          <a:effectRef idx="1">
+            <a:schemeClr val="accent1"/>
+          </a:effectRef>
+          <a:fontRef idx="minor">
+            <a:schemeClr val="tx1"/>
+          </a:fontRef>
+        </p:style>
+      </p:cxnSp>
+      <p:sp>
+        <p:nvSpPr>
+          <p:cNvPr id="36" name="ZoneTexte 35"/>
+          <p:cNvSpPr txBox="1"/>
+          <p:nvPr/>
+        </p:nvSpPr>
+        <p:spPr>
+          <a:xfrm>
+            <a:off x="6157339" y="3048000"/>
+            <a:ext cx="508357" cy="276999"/>
+          </a:xfrm>
+          <a:prstGeom prst="rect">
+            <a:avLst/>
+          </a:prstGeom>
+          <a:noFill/>
+          <a:ln>
+            <a:solidFill>
+              <a:srgbClr val="18579B"/>
+            </a:solidFill>
+          </a:ln>
+        </p:spPr>
+        <p:txBody>
+          <a:bodyPr wrap="square" rtlCol="0">
+            <a:spAutoFit/>
+          </a:bodyPr>
+          <a:lstStyle/>
+          <a:p>
+            <a:r>
+              <a:rPr lang="fr-FR" sz="1200" dirty="0" smtClean="0">
+                <a:latin typeface="Consolas"/>
+                <a:cs typeface="Consolas"/>
+              </a:rPr>
+              <a:t>SEQ</a:t>
+            </a:r>
+            <a:endParaRPr lang="fr-FR" sz="1200" dirty="0">
+              <a:latin typeface="Consolas"/>
+              <a:cs typeface="Consolas"/>
+            </a:endParaRPr>
+          </a:p>
+        </p:txBody>
+      </p:sp>
+      <p:sp>
+        <p:nvSpPr>
+          <p:cNvPr id="37" name="Signalisation droite 36"/>
+          <p:cNvSpPr/>
+          <p:nvPr/>
+        </p:nvSpPr>
+        <p:spPr>
+          <a:xfrm>
+            <a:off x="330200" y="4445000"/>
+            <a:ext cx="8432800" cy="444500"/>
+          </a:xfrm>
+          <a:prstGeom prst="homePlate">
+            <a:avLst/>
+          </a:prstGeom>
+          <a:noFill/>
+          <a:ln>
+            <a:solidFill>
+              <a:schemeClr val="tx1">
+                <a:lumMod val="65000"/>
+                <a:lumOff val="35000"/>
+              </a:schemeClr>
+            </a:solidFill>
+            <a:prstDash val="solid"/>
+          </a:ln>
+          <a:effectLst/>
+        </p:spPr>
+        <p:style>
+          <a:lnRef idx="1">
+            <a:schemeClr val="accent1"/>
+          </a:lnRef>
+          <a:fillRef idx="3">
+            <a:schemeClr val="accent1"/>
+          </a:fillRef>
+          <a:effectRef idx="2">
+            <a:schemeClr val="accent1"/>
+          </a:effectRef>
+          <a:fontRef idx="minor">
+            <a:schemeClr val="lt1"/>
+          </a:fontRef>
+        </p:style>
+        <p:txBody>
+          <a:bodyPr rtlCol="0" anchor="ctr"/>
+          <a:lstStyle/>
+          <a:p>
+            <a:pPr algn="ctr"/>
+            <a:r>
+              <a:rPr lang="fr-FR" dirty="0" smtClean="0">
+                <a:solidFill>
+                  <a:srgbClr val="000000"/>
+                </a:solidFill>
+                <a:latin typeface="Consolas"/>
+                <a:cs typeface="Consolas"/>
+              </a:rPr>
+              <a:t>Monitoring</a:t>
+            </a:r>
+            <a:endParaRPr lang="fr-FR" dirty="0">
+              <a:solidFill>
+                <a:srgbClr val="000000"/>
+              </a:solidFill>
+              <a:latin typeface="Consolas"/>
+              <a:cs typeface="Consolas"/>
+            </a:endParaRPr>
+          </a:p>
+        </p:txBody>
+      </p:sp>
+      <p:sp>
+        <p:nvSpPr>
+          <p:cNvPr id="38" name="Signalisation droite 37"/>
+          <p:cNvSpPr/>
+          <p:nvPr/>
+        </p:nvSpPr>
+        <p:spPr>
+          <a:xfrm>
+            <a:off x="325912" y="3949700"/>
+            <a:ext cx="1401288" cy="419100"/>
+          </a:xfrm>
+          <a:prstGeom prst="homePlate">
+            <a:avLst/>
+          </a:prstGeom>
+          <a:solidFill>
+            <a:schemeClr val="bg1">
+              <a:lumMod val="85000"/>
+            </a:schemeClr>
+          </a:solidFill>
+          <a:ln>
+            <a:solidFill>
+              <a:schemeClr val="bg1">
+                <a:lumMod val="75000"/>
+              </a:schemeClr>
+            </a:solidFill>
+          </a:ln>
+        </p:spPr>
+        <p:style>
+          <a:lnRef idx="1">
+            <a:schemeClr val="accent1"/>
+          </a:lnRef>
+          <a:fillRef idx="3">
+            <a:schemeClr val="accent1"/>
+          </a:fillRef>
+          <a:effectRef idx="2">
+            <a:schemeClr val="accent1"/>
+          </a:effectRef>
+          <a:fontRef idx="minor">
+            <a:schemeClr val="lt1"/>
+          </a:fontRef>
+        </p:style>
+        <p:txBody>
+          <a:bodyPr rtlCol="0" anchor="ctr"/>
+          <a:lstStyle/>
+          <a:p>
+            <a:pPr algn="ctr"/>
+            <a:r>
+              <a:rPr lang="fr-FR" dirty="0" smtClean="0">
+                <a:solidFill>
+                  <a:srgbClr val="000000"/>
+                </a:solidFill>
+                <a:latin typeface="Consolas"/>
+                <a:cs typeface="Consolas"/>
+              </a:rPr>
+              <a:t>SLA</a:t>
+            </a:r>
+          </a:p>
+          <a:p>
+            <a:pPr algn="ctr"/>
+            <a:r>
+              <a:rPr lang="fr-FR" dirty="0" smtClean="0">
+                <a:solidFill>
+                  <a:srgbClr val="000000"/>
+                </a:solidFill>
+                <a:latin typeface="Consolas"/>
+                <a:cs typeface="Consolas"/>
+              </a:rPr>
+              <a:t>management</a:t>
+            </a:r>
+          </a:p>
+        </p:txBody>
+      </p:sp>
+    </p:spTree>
+    <p:extLst>
+      <p:ext uri="{BB962C8B-B14F-4D97-AF65-F5344CB8AC3E}">
+        <p14:creationId xmlns:p14="http://schemas.microsoft.com/office/powerpoint/2010/main" val="107349690"/>
+      </p:ext>
+    </p:extLst>
+  </p:cSld>
+  <p:clrMapOvr>
+    <a:masterClrMapping/>
+  </p:clrMapOvr>
+  <p:timing>
+    <p:tnLst>
+      <p:par>
+        <p:cTn xmlns:p14="http://schemas.microsoft.com/office/powerpoint/2010/main" id="1" dur="indefinite" restart="never" nodeType="tmRoot"/>
+      </p:par>
+    </p:tnLst>
+  </p:timing>
+</p:sld>
+</file>
+
+<file path=ppt/slides/slide11.xml><?xml version="1.0" encoding="utf-8"?>
+<p:sld xmlns:a="http://schemas.openxmlformats.org/drawingml/2006/main" xmlns:r="http://schemas.openxmlformats.org/officeDocument/2006/relationships" xmlns:p="http://schemas.openxmlformats.org/presentationml/2006/main">
+  <p:cSld>
+    <p:spTree>
+      <p:nvGrpSpPr>
+        <p:cNvPr id="1" name=""/>
+        <p:cNvGrpSpPr/>
+        <p:nvPr/>
+      </p:nvGrpSpPr>
+      <p:grpSpPr>
+        <a:xfrm>
+          <a:off x="0" y="0"/>
+          <a:ext cx="0" cy="0"/>
+          <a:chOff x="0" y="0"/>
+          <a:chExt cx="0" cy="0"/>
+        </a:xfrm>
+      </p:grpSpPr>
+      <p:sp>
+        <p:nvSpPr>
+          <p:cNvPr id="5" name="Document 4"/>
+          <p:cNvSpPr/>
+          <p:nvPr/>
+        </p:nvSpPr>
+        <p:spPr>
+          <a:xfrm>
+            <a:off x="330199" y="1696164"/>
+            <a:ext cx="3111500" cy="1133831"/>
+          </a:xfrm>
+          <a:prstGeom prst="flowChartDocument">
+            <a:avLst/>
+          </a:prstGeom>
+          <a:ln w="38100" cmpd="sng">
+            <a:solidFill>
+              <a:schemeClr val="accent5">
+                <a:lumMod val="75000"/>
+              </a:schemeClr>
+            </a:solidFill>
+          </a:ln>
+        </p:spPr>
+        <p:txBody>
+          <a:bodyPr wrap="square">
+            <a:spAutoFit/>
+          </a:bodyPr>
+          <a:lstStyle/>
+          <a:p>
+            <a:pPr marL="285750" indent="-285750">
+              <a:buFont typeface="Arial"/>
+              <a:buChar char="•"/>
+            </a:pPr>
+            <a:r>
+              <a:rPr lang="fr-FR" sz="1600" baseline="30000" dirty="0" err="1">
+                <a:latin typeface="Consolas"/>
+                <a:cs typeface="Consolas"/>
+              </a:rPr>
+              <a:t>C</a:t>
+            </a:r>
+            <a:r>
+              <a:rPr lang="fr-FR" sz="1600" baseline="30000" dirty="0" err="1" smtClean="0">
+                <a:latin typeface="Consolas"/>
+                <a:cs typeface="Consolas"/>
+              </a:rPr>
+              <a:t>ost</a:t>
+            </a:r>
+            <a:r>
+              <a:rPr lang="fr-FR" sz="1600" baseline="30000" dirty="0" smtClean="0">
+                <a:latin typeface="Consolas"/>
+                <a:cs typeface="Consolas"/>
+              </a:rPr>
+              <a:t> </a:t>
+            </a:r>
+            <a:r>
+              <a:rPr lang="fr-FR" sz="1600" baseline="30000" dirty="0">
+                <a:latin typeface="Consolas"/>
+                <a:cs typeface="Consolas"/>
+              </a:rPr>
+              <a:t>of $0,05 cents per </a:t>
+            </a:r>
+            <a:r>
+              <a:rPr lang="fr-FR" sz="1600" baseline="30000" dirty="0" smtClean="0">
+                <a:latin typeface="Consolas"/>
+                <a:cs typeface="Consolas"/>
+              </a:rPr>
+              <a:t>call </a:t>
+            </a:r>
+          </a:p>
+          <a:p>
+            <a:pPr marL="285750" indent="-285750">
+              <a:buFont typeface="Arial"/>
+              <a:buChar char="•"/>
+            </a:pPr>
+            <a:r>
+              <a:rPr lang="fr-FR" sz="1600" baseline="30000" dirty="0" smtClean="0">
+                <a:latin typeface="Consolas"/>
+                <a:cs typeface="Consolas"/>
+              </a:rPr>
+              <a:t>8 </a:t>
+            </a:r>
+            <a:r>
+              <a:rPr lang="fr-FR" sz="1600" baseline="30000" dirty="0">
+                <a:latin typeface="Consolas"/>
+                <a:cs typeface="Consolas"/>
+              </a:rPr>
+              <a:t>GB of I/O volume/</a:t>
+            </a:r>
+            <a:r>
+              <a:rPr lang="fr-FR" sz="1600" baseline="30000" dirty="0" err="1" smtClean="0">
+                <a:latin typeface="Consolas"/>
+                <a:cs typeface="Consolas"/>
+              </a:rPr>
+              <a:t>month</a:t>
+            </a:r>
+            <a:endParaRPr lang="fr-FR" sz="1600" baseline="30000" dirty="0" smtClean="0">
+              <a:latin typeface="Consolas"/>
+              <a:cs typeface="Consolas"/>
+            </a:endParaRPr>
+          </a:p>
+          <a:p>
+            <a:pPr marL="285750" indent="-285750">
+              <a:buFont typeface="Arial"/>
+              <a:buChar char="•"/>
+            </a:pPr>
+            <a:r>
+              <a:rPr lang="fr-FR" sz="1600" baseline="30000" dirty="0">
+                <a:latin typeface="Consolas"/>
+                <a:cs typeface="Consolas"/>
+              </a:rPr>
+              <a:t>F</a:t>
+            </a:r>
+            <a:r>
+              <a:rPr lang="fr-FR" sz="1600" baseline="30000" dirty="0" smtClean="0">
+                <a:latin typeface="Consolas"/>
+                <a:cs typeface="Consolas"/>
+              </a:rPr>
+              <a:t>ree </a:t>
+            </a:r>
+            <a:r>
+              <a:rPr lang="fr-FR" sz="1600" baseline="30000" dirty="0">
+                <a:latin typeface="Consolas"/>
+                <a:cs typeface="Consolas"/>
+              </a:rPr>
+              <a:t>data </a:t>
+            </a:r>
+            <a:r>
+              <a:rPr lang="fr-FR" sz="1600" baseline="30000" dirty="0" err="1">
+                <a:latin typeface="Consolas"/>
+                <a:cs typeface="Consolas"/>
+              </a:rPr>
+              <a:t>transfer</a:t>
+            </a:r>
+            <a:r>
+              <a:rPr lang="fr-FR" sz="1600" baseline="30000" dirty="0">
+                <a:latin typeface="Consolas"/>
+                <a:cs typeface="Consolas"/>
+              </a:rPr>
+              <a:t> </a:t>
+            </a:r>
+            <a:r>
+              <a:rPr lang="fr-FR" sz="1600" baseline="30000" dirty="0" err="1">
+                <a:latin typeface="Consolas"/>
+                <a:cs typeface="Consolas"/>
+              </a:rPr>
+              <a:t>cost</a:t>
+            </a:r>
+            <a:r>
+              <a:rPr lang="fr-FR" sz="1600" baseline="30000" dirty="0">
+                <a:latin typeface="Consolas"/>
+                <a:cs typeface="Consolas"/>
+              </a:rPr>
+              <a:t> </a:t>
+            </a:r>
+            <a:r>
+              <a:rPr lang="fr-FR" sz="1600" baseline="30000" dirty="0" err="1">
+                <a:latin typeface="Consolas"/>
+                <a:cs typeface="Consolas"/>
+              </a:rPr>
+              <a:t>within</a:t>
+            </a:r>
+            <a:r>
+              <a:rPr lang="fr-FR" sz="1600" baseline="30000" dirty="0">
+                <a:latin typeface="Consolas"/>
+                <a:cs typeface="Consolas"/>
+              </a:rPr>
+              <a:t> the </a:t>
+            </a:r>
+            <a:r>
+              <a:rPr lang="fr-FR" sz="1600" baseline="30000" dirty="0" err="1">
+                <a:latin typeface="Consolas"/>
+                <a:cs typeface="Consolas"/>
+              </a:rPr>
+              <a:t>same</a:t>
+            </a:r>
+            <a:r>
+              <a:rPr lang="fr-FR" sz="1600" baseline="30000" dirty="0">
+                <a:latin typeface="Consolas"/>
+                <a:cs typeface="Consolas"/>
+              </a:rPr>
+              <a:t> </a:t>
+            </a:r>
+            <a:r>
+              <a:rPr lang="fr-FR" sz="1600" baseline="30000" dirty="0" err="1" smtClean="0">
+                <a:latin typeface="Consolas"/>
+                <a:cs typeface="Consolas"/>
+              </a:rPr>
+              <a:t>region</a:t>
+            </a:r>
+            <a:endParaRPr lang="fr-FR" sz="1600" baseline="30000" dirty="0" smtClean="0">
+              <a:latin typeface="Consolas"/>
+              <a:cs typeface="Consolas"/>
+            </a:endParaRPr>
+          </a:p>
+          <a:p>
+            <a:pPr marL="285750" indent="-285750">
+              <a:buFont typeface="Arial"/>
+              <a:buChar char="•"/>
+            </a:pPr>
+            <a:r>
+              <a:rPr lang="fr-FR" sz="1600" baseline="30000" dirty="0" smtClean="0">
+                <a:latin typeface="Consolas"/>
+                <a:cs typeface="Consolas"/>
+              </a:rPr>
+              <a:t>1 </a:t>
+            </a:r>
+            <a:r>
+              <a:rPr lang="fr-FR" sz="1600" baseline="30000" dirty="0">
+                <a:latin typeface="Consolas"/>
+                <a:cs typeface="Consolas"/>
+              </a:rPr>
+              <a:t>GB of </a:t>
+            </a:r>
+            <a:r>
+              <a:rPr lang="fr-FR" sz="1600" baseline="30000" dirty="0" err="1">
+                <a:latin typeface="Consolas"/>
+                <a:cs typeface="Consolas"/>
+              </a:rPr>
+              <a:t>storage</a:t>
+            </a:r>
+            <a:endParaRPr lang="fr-FR" sz="1600" dirty="0">
+              <a:latin typeface="Consolas"/>
+              <a:cs typeface="Consolas"/>
+            </a:endParaRPr>
+          </a:p>
+        </p:txBody>
+      </p:sp>
+      <p:pic>
+        <p:nvPicPr>
+          <p:cNvPr id="6" name="Image 5"/>
+          <p:cNvPicPr>
+            <a:picLocks noChangeAspect="1"/>
+          </p:cNvPicPr>
+          <p:nvPr/>
+        </p:nvPicPr>
+        <p:blipFill>
+          <a:blip r:embed="rId2"/>
+          <a:stretch>
+            <a:fillRect/>
+          </a:stretch>
+        </p:blipFill>
+        <p:spPr>
+          <a:xfrm>
+            <a:off x="2548462" y="2357972"/>
+            <a:ext cx="1051885" cy="463701"/>
+          </a:xfrm>
+          <a:prstGeom prst="rect">
+            <a:avLst/>
+          </a:prstGeom>
+        </p:spPr>
+      </p:pic>
+      <p:sp>
+        <p:nvSpPr>
+          <p:cNvPr id="2" name="Titre 1"/>
+          <p:cNvSpPr>
+            <a:spLocks noGrp="1"/>
+          </p:cNvSpPr>
+          <p:nvPr>
+            <p:ph type="title"/>
+          </p:nvPr>
+        </p:nvSpPr>
+        <p:spPr/>
+        <p:txBody>
+          <a:bodyPr/>
+          <a:lstStyle/>
+          <a:p>
+            <a:r>
+              <a:rPr lang="fr-FR" dirty="0" smtClean="0"/>
+              <a:t>SLA </a:t>
+            </a:r>
+            <a:r>
+              <a:rPr lang="fr-FR" dirty="0" err="1" smtClean="0"/>
+              <a:t>Integration</a:t>
+            </a:r>
+            <a:endParaRPr lang="fr-FR" dirty="0"/>
+          </a:p>
+        </p:txBody>
+      </p:sp>
+      <p:sp>
+        <p:nvSpPr>
+          <p:cNvPr id="3" name="Espace réservé du numéro de diapositive 2"/>
+          <p:cNvSpPr>
+            <a:spLocks noGrp="1"/>
+          </p:cNvSpPr>
+          <p:nvPr>
+            <p:ph type="sldNum" sz="quarter" idx="12"/>
+          </p:nvPr>
+        </p:nvSpPr>
+        <p:spPr/>
+        <p:txBody>
+          <a:bodyPr/>
+          <a:lstStyle/>
+          <a:p>
+            <a:fld id="{503914D5-4C05-48A0-975C-C97C98535A04}" type="slidenum">
+              <a:rPr lang="en-GB" smtClean="0"/>
+              <a:t>11</a:t>
+            </a:fld>
+            <a:endParaRPr lang="en-GB"/>
+          </a:p>
+        </p:txBody>
+      </p:sp>
+      <p:pic>
+        <p:nvPicPr>
+          <p:cNvPr id="4" name="Image 3" descr="SLAextension.jpg"/>
+          <p:cNvPicPr>
+            <a:picLocks noChangeAspect="1"/>
+          </p:cNvPicPr>
+          <p:nvPr/>
+        </p:nvPicPr>
+        <p:blipFill>
+          <a:blip r:embed="rId3">
+            <a:extLst>
+              <a:ext uri="{28A0092B-C50C-407E-A947-70E740481C1C}">
+                <a14:useLocalDpi xmlns:a14="http://schemas.microsoft.com/office/drawing/2010/main" val="0"/>
+              </a:ext>
+            </a:extLst>
+          </a:blip>
+          <a:stretch>
+            <a:fillRect/>
+          </a:stretch>
+        </p:blipFill>
+        <p:spPr>
+          <a:xfrm>
+            <a:off x="4749815" y="1079501"/>
+            <a:ext cx="4064000" cy="2380986"/>
+          </a:xfrm>
+          <a:prstGeom prst="rect">
+            <a:avLst/>
+          </a:prstGeom>
+        </p:spPr>
+      </p:pic>
+      <p:grpSp>
+        <p:nvGrpSpPr>
+          <p:cNvPr id="7" name="Grouper 6"/>
+          <p:cNvGrpSpPr/>
+          <p:nvPr/>
+        </p:nvGrpSpPr>
+        <p:grpSpPr>
+          <a:xfrm>
+            <a:off x="2424437" y="2216012"/>
+            <a:ext cx="1199213" cy="772726"/>
+            <a:chOff x="1857254" y="1775741"/>
+            <a:chExt cx="2985679" cy="1700064"/>
+          </a:xfrm>
+        </p:grpSpPr>
+        <p:sp>
+          <p:nvSpPr>
+            <p:cNvPr id="8" name="Arc 7"/>
+            <p:cNvSpPr/>
+            <p:nvPr/>
+          </p:nvSpPr>
+          <p:spPr>
+            <a:xfrm rot="16492063">
+              <a:off x="2064987" y="2209791"/>
+              <a:ext cx="919931" cy="1335398"/>
+            </a:xfrm>
+            <a:prstGeom prst="arc">
+              <a:avLst>
+                <a:gd name="adj1" fmla="val 10488337"/>
+                <a:gd name="adj2" fmla="val 984161"/>
+              </a:avLst>
+            </a:prstGeom>
+            <a:ln w="28575" cmpd="sng"/>
+          </p:spPr>
+          <p:style>
+            <a:lnRef idx="2">
+              <a:schemeClr val="accent1"/>
+            </a:lnRef>
+            <a:fillRef idx="0">
+              <a:schemeClr val="accent1"/>
+            </a:fillRef>
+            <a:effectRef idx="1">
+              <a:schemeClr val="accent1"/>
+            </a:effectRef>
+            <a:fontRef idx="minor">
+              <a:schemeClr val="tx1"/>
+            </a:fontRef>
+          </p:style>
+          <p:txBody>
+            <a:bodyPr rtlCol="0" anchor="ctr"/>
+            <a:lstStyle/>
+            <a:p>
+              <a:pPr algn="ctr"/>
+              <a:endParaRPr lang="fr-FR"/>
+            </a:p>
+          </p:txBody>
+        </p:sp>
+        <p:sp>
+          <p:nvSpPr>
+            <p:cNvPr id="9" name="Arc 8"/>
+            <p:cNvSpPr/>
+            <p:nvPr/>
+          </p:nvSpPr>
+          <p:spPr>
+            <a:xfrm rot="656295">
+              <a:off x="2698111" y="1775741"/>
+              <a:ext cx="1571555" cy="1700064"/>
+            </a:xfrm>
+            <a:prstGeom prst="arc">
+              <a:avLst>
+                <a:gd name="adj1" fmla="val 10430236"/>
+                <a:gd name="adj2" fmla="val 20928275"/>
+              </a:avLst>
+            </a:prstGeom>
+            <a:ln w="28575" cmpd="sng"/>
+          </p:spPr>
+          <p:style>
+            <a:lnRef idx="2">
+              <a:schemeClr val="accent1"/>
+            </a:lnRef>
+            <a:fillRef idx="0">
+              <a:schemeClr val="accent1"/>
+            </a:fillRef>
+            <a:effectRef idx="1">
+              <a:schemeClr val="accent1"/>
+            </a:effectRef>
+            <a:fontRef idx="minor">
+              <a:schemeClr val="tx1"/>
+            </a:fontRef>
+          </p:style>
+          <p:txBody>
+            <a:bodyPr rtlCol="0" anchor="ctr"/>
+            <a:lstStyle/>
+            <a:p>
+              <a:pPr algn="ctr"/>
+              <a:endParaRPr lang="fr-FR"/>
+            </a:p>
+          </p:txBody>
+        </p:sp>
+        <p:sp>
+          <p:nvSpPr>
+            <p:cNvPr id="10" name="Arc 9"/>
+            <p:cNvSpPr/>
+            <p:nvPr/>
+          </p:nvSpPr>
+          <p:spPr>
+            <a:xfrm rot="5400000">
+              <a:off x="3907366" y="2374901"/>
+              <a:ext cx="905933" cy="965200"/>
+            </a:xfrm>
+            <a:prstGeom prst="arc">
+              <a:avLst>
+                <a:gd name="adj1" fmla="val 9926378"/>
+                <a:gd name="adj2" fmla="val 0"/>
+              </a:avLst>
+            </a:prstGeom>
+            <a:ln w="28575" cmpd="sng"/>
+          </p:spPr>
+          <p:style>
+            <a:lnRef idx="2">
+              <a:schemeClr val="accent1"/>
+            </a:lnRef>
+            <a:fillRef idx="0">
+              <a:schemeClr val="accent1"/>
+            </a:fillRef>
+            <a:effectRef idx="1">
+              <a:schemeClr val="accent1"/>
+            </a:effectRef>
+            <a:fontRef idx="minor">
+              <a:schemeClr val="tx1"/>
+            </a:fontRef>
+          </p:style>
+          <p:txBody>
+            <a:bodyPr rtlCol="0" anchor="ctr"/>
+            <a:lstStyle/>
+            <a:p>
+              <a:pPr algn="ctr"/>
+              <a:endParaRPr lang="fr-FR"/>
+            </a:p>
+          </p:txBody>
+        </p:sp>
+        <p:cxnSp>
+          <p:nvCxnSpPr>
+            <p:cNvPr id="11" name="Connecteur droit 10"/>
+            <p:cNvCxnSpPr>
+              <a:stCxn id="8" idx="0"/>
+              <a:endCxn id="10" idx="2"/>
+            </p:cNvCxnSpPr>
+            <p:nvPr/>
+          </p:nvCxnSpPr>
+          <p:spPr>
+            <a:xfrm flipV="1">
+              <a:off x="2527581" y="3310468"/>
+              <a:ext cx="1832752" cy="27974"/>
+            </a:xfrm>
+            <a:prstGeom prst="line">
+              <a:avLst/>
+            </a:prstGeom>
+            <a:ln w="28575" cmpd="sng"/>
+          </p:spPr>
+          <p:style>
+            <a:lnRef idx="2">
+              <a:schemeClr val="accent1"/>
+            </a:lnRef>
+            <a:fillRef idx="0">
+              <a:schemeClr val="accent1"/>
+            </a:fillRef>
+            <a:effectRef idx="1">
+              <a:schemeClr val="accent1"/>
+            </a:effectRef>
+            <a:fontRef idx="minor">
+              <a:schemeClr val="tx1"/>
+            </a:fontRef>
+          </p:style>
+        </p:cxnSp>
+      </p:grpSp>
+      <p:sp>
+        <p:nvSpPr>
+          <p:cNvPr id="12" name="Document 11"/>
+          <p:cNvSpPr/>
+          <p:nvPr/>
+        </p:nvSpPr>
+        <p:spPr>
+          <a:xfrm>
+            <a:off x="5118099" y="3427741"/>
+            <a:ext cx="3352800" cy="1643418"/>
+          </a:xfrm>
+          <a:prstGeom prst="flowChartDocument">
+            <a:avLst/>
+          </a:prstGeom>
+          <a:ln w="28575" cmpd="sng">
+            <a:solidFill>
+              <a:srgbClr val="091E24"/>
+            </a:solidFill>
+          </a:ln>
+        </p:spPr>
+        <p:txBody>
+          <a:bodyPr wrap="square">
+            <a:spAutoFit/>
+          </a:bodyPr>
+          <a:lstStyle/>
+          <a:p>
+            <a:pPr marL="285750" indent="-285750">
+              <a:buFont typeface="Arial"/>
+              <a:buChar char="•"/>
+            </a:pPr>
+            <a:r>
+              <a:rPr lang="fr-FR" sz="1600" baseline="30000" dirty="0" smtClean="0">
+                <a:latin typeface="Consolas"/>
+                <a:cs typeface="Consolas"/>
+              </a:rPr>
+              <a:t>Maximum </a:t>
+            </a:r>
+            <a:r>
+              <a:rPr lang="fr-FR" sz="1600" baseline="30000" dirty="0">
+                <a:latin typeface="Consolas"/>
+                <a:cs typeface="Consolas"/>
+              </a:rPr>
+              <a:t>of $5 as total </a:t>
+            </a:r>
+            <a:r>
+              <a:rPr lang="fr-FR" sz="1600" baseline="30000" dirty="0" err="1">
+                <a:latin typeface="Consolas"/>
+                <a:cs typeface="Consolas"/>
+              </a:rPr>
+              <a:t>query</a:t>
+            </a:r>
+            <a:r>
+              <a:rPr lang="fr-FR" sz="1600" baseline="30000" dirty="0">
+                <a:latin typeface="Consolas"/>
+                <a:cs typeface="Consolas"/>
+              </a:rPr>
+              <a:t> </a:t>
+            </a:r>
+            <a:r>
+              <a:rPr lang="fr-FR" sz="1600" baseline="30000" dirty="0" err="1" smtClean="0">
+                <a:latin typeface="Consolas"/>
+                <a:cs typeface="Consolas"/>
+              </a:rPr>
+              <a:t>cost</a:t>
+            </a:r>
+            <a:endParaRPr lang="fr-FR" sz="1600" baseline="30000" dirty="0" smtClean="0">
+              <a:latin typeface="Consolas"/>
+              <a:cs typeface="Consolas"/>
+            </a:endParaRPr>
+          </a:p>
+          <a:p>
+            <a:pPr marL="285750" indent="-285750">
+              <a:buFont typeface="Arial"/>
+              <a:buChar char="•"/>
+            </a:pPr>
+            <a:r>
+              <a:rPr lang="fr-FR" sz="1600" baseline="30000" dirty="0" err="1">
+                <a:latin typeface="Consolas"/>
+                <a:cs typeface="Consolas"/>
+              </a:rPr>
+              <a:t>O</a:t>
+            </a:r>
+            <a:r>
+              <a:rPr lang="fr-FR" sz="1600" baseline="30000" dirty="0" err="1" smtClean="0">
+                <a:latin typeface="Consolas"/>
+                <a:cs typeface="Consolas"/>
+              </a:rPr>
+              <a:t>nly</a:t>
+            </a:r>
+            <a:r>
+              <a:rPr lang="fr-FR" sz="1600" baseline="30000" dirty="0" smtClean="0">
+                <a:latin typeface="Consolas"/>
+                <a:cs typeface="Consolas"/>
+              </a:rPr>
+              <a:t> </a:t>
+            </a:r>
+            <a:r>
+              <a:rPr lang="fr-FR" sz="1600" baseline="30000" dirty="0">
+                <a:latin typeface="Consolas"/>
+                <a:cs typeface="Consolas"/>
+              </a:rPr>
+              <a:t>green </a:t>
+            </a:r>
+            <a:r>
+              <a:rPr lang="fr-FR" sz="1600" baseline="30000" dirty="0" err="1">
+                <a:latin typeface="Consolas"/>
+                <a:cs typeface="Consolas"/>
+              </a:rPr>
+              <a:t>energy</a:t>
+            </a:r>
+            <a:r>
+              <a:rPr lang="fr-FR" sz="1600" baseline="30000" dirty="0">
+                <a:latin typeface="Consolas"/>
+                <a:cs typeface="Consolas"/>
+              </a:rPr>
+              <a:t> </a:t>
+            </a:r>
+            <a:r>
+              <a:rPr lang="fr-FR" sz="1600" baseline="30000" dirty="0" smtClean="0">
+                <a:latin typeface="Consolas"/>
+                <a:cs typeface="Consolas"/>
+              </a:rPr>
+              <a:t>providers (</a:t>
+            </a:r>
+            <a:r>
+              <a:rPr lang="fr-FR" sz="1600" baseline="30000" dirty="0">
+                <a:latin typeface="Consolas"/>
+                <a:cs typeface="Consolas"/>
+              </a:rPr>
+              <a:t>provenance</a:t>
+            </a:r>
+            <a:r>
+              <a:rPr lang="fr-FR" sz="1600" baseline="30000" dirty="0" smtClean="0">
+                <a:latin typeface="Consolas"/>
+                <a:cs typeface="Consolas"/>
+              </a:rPr>
+              <a:t>) </a:t>
+            </a:r>
+          </a:p>
+          <a:p>
+            <a:pPr marL="285750" indent="-285750">
+              <a:buFont typeface="Arial"/>
+              <a:buChar char="•"/>
+            </a:pPr>
+            <a:r>
+              <a:rPr lang="fr-FR" sz="1600" baseline="30000" dirty="0" err="1">
+                <a:latin typeface="Consolas"/>
+                <a:cs typeface="Consolas"/>
+              </a:rPr>
+              <a:t>A</a:t>
+            </a:r>
+            <a:r>
+              <a:rPr lang="fr-FR" sz="1600" baseline="30000" dirty="0" err="1" smtClean="0">
+                <a:latin typeface="Consolas"/>
+                <a:cs typeface="Consolas"/>
+              </a:rPr>
+              <a:t>t</a:t>
+            </a:r>
+            <a:r>
+              <a:rPr lang="fr-FR" sz="1600" baseline="30000" dirty="0" smtClean="0">
+                <a:latin typeface="Consolas"/>
+                <a:cs typeface="Consolas"/>
+              </a:rPr>
+              <a:t> </a:t>
+            </a:r>
+            <a:r>
+              <a:rPr lang="fr-FR" sz="1600" baseline="30000" dirty="0">
+                <a:latin typeface="Consolas"/>
+                <a:cs typeface="Consolas"/>
+              </a:rPr>
+              <a:t>least 85% of </a:t>
+            </a:r>
+            <a:r>
+              <a:rPr lang="fr-FR" sz="1600" baseline="30000" dirty="0" err="1">
+                <a:latin typeface="Consolas"/>
+                <a:cs typeface="Consolas"/>
+              </a:rPr>
+              <a:t>precision</a:t>
+            </a:r>
+            <a:r>
+              <a:rPr lang="fr-FR" sz="1600" baseline="30000" dirty="0">
+                <a:latin typeface="Consolas"/>
+                <a:cs typeface="Consolas"/>
+              </a:rPr>
+              <a:t> of </a:t>
+            </a:r>
+            <a:r>
+              <a:rPr lang="fr-FR" sz="1600" baseline="30000" dirty="0" err="1">
+                <a:latin typeface="Consolas"/>
+                <a:cs typeface="Consolas"/>
+              </a:rPr>
+              <a:t>provided</a:t>
+            </a:r>
+            <a:r>
+              <a:rPr lang="fr-FR" sz="1600" baseline="30000" dirty="0">
+                <a:latin typeface="Consolas"/>
+                <a:cs typeface="Consolas"/>
+              </a:rPr>
+              <a:t> data</a:t>
+            </a:r>
+            <a:r>
+              <a:rPr lang="fr-FR" sz="1600" baseline="30000" dirty="0" smtClean="0">
+                <a:latin typeface="Consolas"/>
+                <a:cs typeface="Consolas"/>
+              </a:rPr>
+              <a:t>,</a:t>
+            </a:r>
+            <a:r>
+              <a:rPr lang="fr-FR" sz="1600" dirty="0" smtClean="0">
+                <a:latin typeface="Consolas"/>
+                <a:cs typeface="Consolas"/>
+              </a:rPr>
+              <a:t> </a:t>
+            </a:r>
+            <a:r>
+              <a:rPr lang="fr-FR" sz="1600" baseline="30000" dirty="0" err="1" smtClean="0">
+                <a:latin typeface="Consolas"/>
+                <a:cs typeface="Consolas"/>
+              </a:rPr>
+              <a:t>even</a:t>
+            </a:r>
+            <a:r>
+              <a:rPr lang="fr-FR" sz="1600" baseline="30000" dirty="0" smtClean="0">
+                <a:latin typeface="Consolas"/>
+                <a:cs typeface="Consolas"/>
+              </a:rPr>
+              <a:t> </a:t>
+            </a:r>
+            <a:r>
+              <a:rPr lang="fr-FR" sz="1600" baseline="30000" dirty="0">
+                <a:latin typeface="Consolas"/>
+                <a:cs typeface="Consolas"/>
+              </a:rPr>
+              <a:t>if </a:t>
+            </a:r>
+            <a:r>
+              <a:rPr lang="fr-FR" sz="1600" baseline="30000" dirty="0" err="1">
+                <a:latin typeface="Consolas"/>
+                <a:cs typeface="Consolas"/>
+              </a:rPr>
+              <a:t>they</a:t>
+            </a:r>
+            <a:r>
+              <a:rPr lang="fr-FR" sz="1600" baseline="30000" dirty="0">
+                <a:latin typeface="Consolas"/>
+                <a:cs typeface="Consolas"/>
+              </a:rPr>
+              <a:t> are not </a:t>
+            </a:r>
+            <a:r>
+              <a:rPr lang="fr-FR" sz="1600" baseline="30000" dirty="0" err="1" smtClean="0">
+                <a:latin typeface="Consolas"/>
+                <a:cs typeface="Consolas"/>
+              </a:rPr>
+              <a:t>fresh</a:t>
+            </a:r>
+            <a:r>
+              <a:rPr lang="fr-FR" sz="1600" baseline="30000" dirty="0" smtClean="0">
+                <a:latin typeface="Consolas"/>
+                <a:cs typeface="Consolas"/>
+              </a:rPr>
+              <a:t> </a:t>
+            </a:r>
+            <a:endParaRPr lang="fr-FR" sz="1600" baseline="30000" dirty="0">
+              <a:latin typeface="Consolas"/>
+              <a:cs typeface="Consolas"/>
+            </a:endParaRPr>
+          </a:p>
+          <a:p>
+            <a:pPr marL="285750" indent="-285750">
+              <a:buFont typeface="Arial"/>
+              <a:buChar char="•"/>
+            </a:pPr>
+            <a:r>
+              <a:rPr lang="fr-FR" sz="1600" baseline="30000" dirty="0" err="1">
+                <a:latin typeface="Consolas"/>
+                <a:cs typeface="Consolas"/>
+              </a:rPr>
+              <a:t>A</a:t>
+            </a:r>
+            <a:r>
+              <a:rPr lang="fr-FR" sz="1600" baseline="30000" dirty="0" err="1" smtClean="0">
+                <a:latin typeface="Consolas"/>
+                <a:cs typeface="Consolas"/>
+              </a:rPr>
+              <a:t>vailability</a:t>
+            </a:r>
+            <a:r>
+              <a:rPr lang="fr-FR" sz="1600" baseline="30000" dirty="0" smtClean="0">
+                <a:latin typeface="Consolas"/>
+                <a:cs typeface="Consolas"/>
+              </a:rPr>
+              <a:t> </a:t>
+            </a:r>
+            <a:r>
+              <a:rPr lang="fr-FR" sz="1600" baseline="30000" dirty="0">
+                <a:latin typeface="Consolas"/>
+                <a:cs typeface="Consolas"/>
+              </a:rPr>
+              <a:t>rate of </a:t>
+            </a:r>
+            <a:r>
+              <a:rPr lang="fr-FR" sz="1600" baseline="30000" dirty="0" err="1">
+                <a:latin typeface="Consolas"/>
+                <a:cs typeface="Consolas"/>
+              </a:rPr>
+              <a:t>at</a:t>
+            </a:r>
+            <a:r>
+              <a:rPr lang="fr-FR" sz="1600" baseline="30000" dirty="0">
+                <a:latin typeface="Consolas"/>
+                <a:cs typeface="Consolas"/>
+              </a:rPr>
+              <a:t> least 90</a:t>
+            </a:r>
+            <a:r>
+              <a:rPr lang="fr-FR" sz="1600" baseline="30000" dirty="0" smtClean="0">
+                <a:latin typeface="Consolas"/>
+                <a:cs typeface="Consolas"/>
+              </a:rPr>
+              <a:t>%</a:t>
+            </a:r>
+          </a:p>
+          <a:p>
+            <a:pPr marL="285750" indent="-285750">
+              <a:buFont typeface="Arial"/>
+              <a:buChar char="•"/>
+            </a:pPr>
+            <a:r>
+              <a:rPr lang="fr-FR" sz="1600" baseline="30000" dirty="0" err="1">
+                <a:latin typeface="Consolas"/>
+                <a:cs typeface="Consolas"/>
+              </a:rPr>
+              <a:t>R</a:t>
+            </a:r>
+            <a:r>
+              <a:rPr lang="fr-FR" sz="1600" baseline="30000" dirty="0" err="1" smtClean="0">
+                <a:latin typeface="Consolas"/>
+                <a:cs typeface="Consolas"/>
+              </a:rPr>
+              <a:t>esponse</a:t>
+            </a:r>
+            <a:r>
+              <a:rPr lang="fr-FR" sz="1600" baseline="30000" dirty="0" smtClean="0">
+                <a:latin typeface="Consolas"/>
+                <a:cs typeface="Consolas"/>
+              </a:rPr>
+              <a:t> </a:t>
+            </a:r>
+            <a:r>
+              <a:rPr lang="fr-FR" sz="1600" baseline="30000" dirty="0">
+                <a:latin typeface="Consolas"/>
+                <a:cs typeface="Consolas"/>
+              </a:rPr>
+              <a:t>time of 0,01 </a:t>
+            </a:r>
+            <a:r>
+              <a:rPr lang="fr-FR" sz="1600" baseline="30000" dirty="0" smtClean="0">
+                <a:latin typeface="Consolas"/>
+                <a:cs typeface="Consolas"/>
+              </a:rPr>
+              <a:t>sec.</a:t>
+            </a:r>
+            <a:endParaRPr lang="fr-FR" sz="1600" dirty="0">
+              <a:latin typeface="Consolas"/>
+              <a:cs typeface="Consolas"/>
+            </a:endParaRPr>
+          </a:p>
+        </p:txBody>
+      </p:sp>
+      <p:pic>
+        <p:nvPicPr>
+          <p:cNvPr id="13" name="Image 12" descr="user-icon.png"/>
+          <p:cNvPicPr>
+            <a:picLocks noChangeAspect="1"/>
+          </p:cNvPicPr>
+          <p:nvPr/>
+        </p:nvPicPr>
+        <p:blipFill>
+          <a:blip r:embed="rId4">
+            <a:extLst>
+              <a:ext uri="{28A0092B-C50C-407E-A947-70E740481C1C}">
+                <a14:useLocalDpi xmlns:a14="http://schemas.microsoft.com/office/drawing/2010/main" val="0"/>
+              </a:ext>
+            </a:extLst>
+          </a:blip>
+          <a:stretch>
+            <a:fillRect/>
+          </a:stretch>
+        </p:blipFill>
+        <p:spPr>
+          <a:xfrm>
+            <a:off x="8043332" y="4258732"/>
+            <a:ext cx="560369" cy="580542"/>
+          </a:xfrm>
+          <a:prstGeom prst="rect">
+            <a:avLst/>
+          </a:prstGeom>
+        </p:spPr>
+      </p:pic>
+      <p:sp>
+        <p:nvSpPr>
+          <p:cNvPr id="14" name="Document 13"/>
+          <p:cNvSpPr/>
+          <p:nvPr/>
+        </p:nvSpPr>
+        <p:spPr>
+          <a:xfrm>
+            <a:off x="618057" y="3035395"/>
+            <a:ext cx="4064010" cy="2097749"/>
+          </a:xfrm>
+          <a:prstGeom prst="flowChartDocument">
+            <a:avLst/>
+          </a:prstGeom>
+          <a:ln w="38100" cmpd="sng">
+            <a:solidFill>
+              <a:schemeClr val="accent4"/>
+            </a:solidFill>
+          </a:ln>
+        </p:spPr>
+        <p:txBody>
+          <a:bodyPr wrap="square">
+            <a:spAutoFit/>
+          </a:bodyPr>
+          <a:lstStyle/>
+          <a:p>
+            <a:pPr marL="171450" indent="-171450">
+              <a:lnSpc>
+                <a:spcPct val="110000"/>
+              </a:lnSpc>
+              <a:buFont typeface="Arial"/>
+              <a:buChar char="•"/>
+            </a:pPr>
+            <a:r>
+              <a:rPr lang="fr-FR" sz="1050" b="1" dirty="0" smtClean="0">
+                <a:latin typeface="Consolas"/>
+                <a:cs typeface="Consolas"/>
+              </a:rPr>
+              <a:t>Q total </a:t>
+            </a:r>
+            <a:r>
+              <a:rPr lang="fr-FR" sz="1050" b="1" dirty="0" err="1" smtClean="0">
+                <a:latin typeface="Consolas"/>
+                <a:cs typeface="Consolas"/>
+              </a:rPr>
+              <a:t>cost</a:t>
+            </a:r>
+            <a:r>
+              <a:rPr lang="fr-FR" sz="1050" dirty="0" err="1" smtClean="0">
+                <a:latin typeface="Consolas"/>
+                <a:cs typeface="Consolas"/>
+              </a:rPr>
+              <a:t>:</a:t>
+            </a:r>
+            <a:r>
+              <a:rPr lang="fr-FR" sz="1050" dirty="0" err="1" smtClean="0">
+                <a:latin typeface="Symbol" charset="2"/>
+                <a:cs typeface="Symbol" charset="2"/>
+              </a:rPr>
+              <a:t>S</a:t>
+            </a:r>
+            <a:r>
+              <a:rPr lang="fr-FR" sz="1050" baseline="-25000" dirty="0" err="1" smtClean="0">
+                <a:latin typeface="Consolas"/>
+                <a:cs typeface="Consolas"/>
+              </a:rPr>
+              <a:t>i</a:t>
+            </a:r>
+            <a:r>
+              <a:rPr lang="fr-FR" sz="1050" baseline="-25000" dirty="0" smtClean="0">
+                <a:latin typeface="Consolas"/>
+                <a:cs typeface="Consolas"/>
+              </a:rPr>
+              <a:t>=1…n</a:t>
+            </a:r>
+            <a:r>
+              <a:rPr lang="fr-FR" sz="1050" dirty="0" smtClean="0">
+                <a:latin typeface="Consolas"/>
+                <a:cs typeface="Consolas"/>
+              </a:rPr>
+              <a:t> </a:t>
+            </a:r>
+            <a:r>
+              <a:rPr lang="fr-FR" sz="1050" dirty="0" err="1" smtClean="0">
+                <a:latin typeface="Consolas"/>
+                <a:cs typeface="Consolas"/>
+              </a:rPr>
+              <a:t>cost</a:t>
+            </a:r>
+            <a:r>
+              <a:rPr lang="fr-FR" sz="1050" dirty="0" smtClean="0">
+                <a:latin typeface="Consolas"/>
+                <a:cs typeface="Consolas"/>
+              </a:rPr>
+              <a:t>(s</a:t>
+            </a:r>
+            <a:r>
+              <a:rPr lang="fr-FR" sz="1050" baseline="-25000" dirty="0" smtClean="0">
+                <a:latin typeface="Consolas"/>
+                <a:cs typeface="Consolas"/>
+              </a:rPr>
+              <a:t>i</a:t>
+            </a:r>
+            <a:r>
+              <a:rPr lang="fr-FR" sz="1050" dirty="0" smtClean="0">
+                <a:latin typeface="Consolas"/>
+                <a:cs typeface="Consolas"/>
+              </a:rPr>
+              <a:t>) + </a:t>
+            </a:r>
+            <a:r>
+              <a:rPr lang="fr-FR" sz="1050" dirty="0">
+                <a:latin typeface="Consolas"/>
+                <a:cs typeface="Consolas"/>
+              </a:rPr>
+              <a:t>data </a:t>
+            </a:r>
+            <a:r>
+              <a:rPr lang="fr-FR" sz="1050" dirty="0" err="1" smtClean="0">
+                <a:latin typeface="Consolas"/>
+                <a:cs typeface="Consolas"/>
+              </a:rPr>
+              <a:t>transfer</a:t>
+            </a:r>
+            <a:r>
+              <a:rPr lang="fr-FR" sz="1050" dirty="0" smtClean="0">
+                <a:latin typeface="Consolas"/>
+                <a:cs typeface="Consolas"/>
+              </a:rPr>
+              <a:t> ≦ </a:t>
+            </a:r>
+            <a:r>
+              <a:rPr lang="fr-FR" sz="1050" dirty="0">
+                <a:latin typeface="Consolas"/>
+                <a:cs typeface="Consolas"/>
+              </a:rPr>
+              <a:t>$5</a:t>
+            </a:r>
+            <a:endParaRPr lang="fr-FR" sz="1050" dirty="0" smtClean="0">
+              <a:latin typeface="Consolas"/>
+              <a:cs typeface="Consolas"/>
+            </a:endParaRPr>
+          </a:p>
+          <a:p>
+            <a:pPr marL="171450" indent="-171450">
+              <a:lnSpc>
+                <a:spcPct val="110000"/>
+              </a:lnSpc>
+              <a:buFont typeface="Arial"/>
+              <a:buChar char="•"/>
+            </a:pPr>
+            <a:r>
+              <a:rPr lang="fr-FR" sz="1050" b="1" dirty="0" smtClean="0">
+                <a:latin typeface="Consolas"/>
+                <a:cs typeface="Consolas"/>
+              </a:rPr>
+              <a:t>Total </a:t>
+            </a:r>
+            <a:r>
+              <a:rPr lang="fr-FR" sz="1050" b="1" dirty="0" err="1" smtClean="0">
+                <a:latin typeface="Consolas"/>
+                <a:cs typeface="Consolas"/>
+              </a:rPr>
+              <a:t>response</a:t>
+            </a:r>
+            <a:r>
+              <a:rPr lang="fr-FR" sz="1050" b="1" dirty="0" smtClean="0">
+                <a:latin typeface="Consolas"/>
+                <a:cs typeface="Consolas"/>
+              </a:rPr>
+              <a:t> time</a:t>
+            </a:r>
+            <a:r>
+              <a:rPr lang="fr-FR" sz="1050" dirty="0" smtClean="0">
+                <a:latin typeface="Consolas"/>
+                <a:cs typeface="Consolas"/>
+              </a:rPr>
+              <a:t>: </a:t>
+            </a:r>
+            <a:r>
+              <a:rPr lang="fr-FR" sz="1050" dirty="0" smtClean="0">
+                <a:latin typeface="Symbol" charset="2"/>
+                <a:cs typeface="Symbol" charset="2"/>
+              </a:rPr>
+              <a:t>S</a:t>
+            </a:r>
+            <a:r>
+              <a:rPr lang="fr-FR" sz="1050" baseline="-25000" dirty="0" smtClean="0">
+                <a:latin typeface="Consolas"/>
+                <a:cs typeface="Consolas"/>
+              </a:rPr>
+              <a:t>i</a:t>
+            </a:r>
+            <a:r>
+              <a:rPr lang="fr-FR" sz="1050" baseline="-25000" dirty="0">
+                <a:latin typeface="Consolas"/>
+                <a:cs typeface="Consolas"/>
+              </a:rPr>
+              <a:t>=1…n</a:t>
+            </a:r>
+            <a:r>
+              <a:rPr lang="fr-FR" sz="1050" dirty="0">
+                <a:latin typeface="Consolas"/>
+                <a:cs typeface="Consolas"/>
+              </a:rPr>
+              <a:t> </a:t>
+            </a:r>
+            <a:r>
+              <a:rPr lang="fr-FR" sz="1050" dirty="0" err="1" smtClean="0">
+                <a:latin typeface="Consolas"/>
+                <a:cs typeface="Consolas"/>
+              </a:rPr>
+              <a:t>respTime</a:t>
+            </a:r>
+            <a:r>
+              <a:rPr lang="fr-FR" sz="1050" dirty="0" smtClean="0">
+                <a:latin typeface="Consolas"/>
+                <a:cs typeface="Consolas"/>
+              </a:rPr>
+              <a:t>(</a:t>
+            </a:r>
+            <a:r>
+              <a:rPr lang="fr-FR" sz="1050" dirty="0">
+                <a:latin typeface="Consolas"/>
+                <a:cs typeface="Consolas"/>
+              </a:rPr>
+              <a:t>s</a:t>
+            </a:r>
+            <a:r>
+              <a:rPr lang="fr-FR" sz="1050" baseline="-25000" dirty="0">
+                <a:latin typeface="Consolas"/>
+                <a:cs typeface="Consolas"/>
+              </a:rPr>
+              <a:t>i</a:t>
+            </a:r>
+            <a:r>
+              <a:rPr lang="fr-FR" sz="1050" dirty="0">
+                <a:latin typeface="Consolas"/>
+                <a:cs typeface="Consolas"/>
+              </a:rPr>
+              <a:t>) + data </a:t>
+            </a:r>
+            <a:r>
+              <a:rPr lang="fr-FR" sz="1050" dirty="0" err="1">
+                <a:latin typeface="Consolas"/>
+                <a:cs typeface="Consolas"/>
+              </a:rPr>
+              <a:t>transfer</a:t>
+            </a:r>
+            <a:r>
+              <a:rPr lang="fr-FR" sz="1050" dirty="0">
+                <a:latin typeface="Consolas"/>
+                <a:cs typeface="Consolas"/>
+              </a:rPr>
+              <a:t> ≦ $</a:t>
+            </a:r>
+            <a:r>
+              <a:rPr lang="fr-FR" sz="1050" dirty="0" smtClean="0">
+                <a:latin typeface="Consolas"/>
+                <a:cs typeface="Consolas"/>
+              </a:rPr>
+              <a:t>5 0,01 sec.</a:t>
+            </a:r>
+          </a:p>
+          <a:p>
+            <a:pPr marL="171450" indent="-171450">
+              <a:lnSpc>
+                <a:spcPct val="110000"/>
+              </a:lnSpc>
+              <a:buFont typeface="Arial"/>
+              <a:buChar char="•"/>
+            </a:pPr>
+            <a:r>
+              <a:rPr lang="fr-FR" sz="1050" b="1" dirty="0" err="1" smtClean="0">
+                <a:latin typeface="Consolas"/>
+                <a:cs typeface="Consolas"/>
+              </a:rPr>
+              <a:t>Availability</a:t>
+            </a:r>
+            <a:r>
+              <a:rPr lang="fr-FR" sz="1050" dirty="0" smtClean="0">
+                <a:latin typeface="Consolas"/>
+                <a:cs typeface="Consolas"/>
+              </a:rPr>
+              <a:t>: (of services </a:t>
+            </a:r>
+            <a:r>
+              <a:rPr lang="fr-FR" sz="1050" dirty="0" err="1" smtClean="0">
+                <a:latin typeface="Consolas"/>
+                <a:cs typeface="Consolas"/>
+              </a:rPr>
+              <a:t>involved</a:t>
+            </a:r>
+            <a:r>
+              <a:rPr lang="fr-FR" sz="1050" dirty="0">
+                <a:latin typeface="Consolas"/>
+                <a:cs typeface="Consolas"/>
+              </a:rPr>
+              <a:t>) ≦ </a:t>
+            </a:r>
+            <a:r>
+              <a:rPr lang="fr-FR" sz="1050" dirty="0" smtClean="0">
+                <a:latin typeface="Consolas"/>
+                <a:cs typeface="Consolas"/>
+              </a:rPr>
+              <a:t>90%</a:t>
+            </a:r>
+          </a:p>
+          <a:p>
+            <a:pPr marL="171450" indent="-171450">
+              <a:lnSpc>
+                <a:spcPct val="110000"/>
+              </a:lnSpc>
+              <a:buFont typeface="Arial"/>
+              <a:buChar char="•"/>
+            </a:pPr>
+            <a:r>
+              <a:rPr lang="fr-FR" sz="1050" b="1" dirty="0" err="1" smtClean="0">
+                <a:latin typeface="Consolas"/>
+                <a:cs typeface="Consolas"/>
+              </a:rPr>
+              <a:t>Freshness</a:t>
+            </a:r>
+            <a:r>
+              <a:rPr lang="fr-FR" sz="1050" dirty="0" smtClean="0">
+                <a:latin typeface="Consolas"/>
+                <a:cs typeface="Consolas"/>
+              </a:rPr>
+              <a:t>: non</a:t>
+            </a:r>
+          </a:p>
+          <a:p>
+            <a:pPr marL="171450" indent="-171450">
+              <a:lnSpc>
+                <a:spcPct val="110000"/>
+              </a:lnSpc>
+              <a:buFont typeface="Arial"/>
+              <a:buChar char="•"/>
+            </a:pPr>
+            <a:r>
+              <a:rPr lang="fr-FR" sz="1050" b="1" dirty="0" err="1" smtClean="0">
+                <a:latin typeface="Consolas"/>
+                <a:cs typeface="Consolas"/>
+              </a:rPr>
+              <a:t>Precision</a:t>
+            </a:r>
+            <a:r>
+              <a:rPr lang="fr-FR" sz="1050" dirty="0" smtClean="0">
+                <a:latin typeface="Consolas"/>
+                <a:cs typeface="Consolas"/>
+              </a:rPr>
+              <a:t>: </a:t>
+            </a:r>
+            <a:r>
+              <a:rPr lang="fr-FR" sz="1050" dirty="0" err="1" smtClean="0">
+                <a:latin typeface="Consolas"/>
+                <a:cs typeface="Consolas"/>
+              </a:rPr>
+              <a:t>avg</a:t>
+            </a:r>
+            <a:r>
+              <a:rPr lang="fr-FR" sz="1050" dirty="0" smtClean="0">
+                <a:latin typeface="Consolas"/>
+                <a:cs typeface="Consolas"/>
+              </a:rPr>
+              <a:t> </a:t>
+            </a:r>
+            <a:r>
+              <a:rPr lang="fr-FR" sz="1050" dirty="0" err="1" smtClean="0">
+                <a:latin typeface="Consolas"/>
+                <a:cs typeface="Consolas"/>
+              </a:rPr>
+              <a:t>precision</a:t>
+            </a:r>
+            <a:r>
+              <a:rPr lang="fr-FR" sz="1050" dirty="0" smtClean="0">
+                <a:latin typeface="Consolas"/>
+                <a:cs typeface="Consolas"/>
+              </a:rPr>
+              <a:t> of services </a:t>
+            </a:r>
+            <a:r>
+              <a:rPr lang="fr-FR" sz="1050" dirty="0" err="1" smtClean="0">
+                <a:latin typeface="Consolas"/>
+                <a:cs typeface="Consolas"/>
+              </a:rPr>
+              <a:t>involved</a:t>
+            </a:r>
+            <a:r>
+              <a:rPr lang="fr-FR" sz="1050" dirty="0">
+                <a:latin typeface="Consolas"/>
+                <a:cs typeface="Consolas"/>
+              </a:rPr>
+              <a:t> ≦ </a:t>
+            </a:r>
+            <a:r>
+              <a:rPr lang="fr-FR" sz="1050" dirty="0" smtClean="0">
+                <a:latin typeface="Consolas"/>
+                <a:cs typeface="Consolas"/>
+              </a:rPr>
+              <a:t>85%</a:t>
+            </a:r>
+          </a:p>
+          <a:p>
+            <a:pPr marL="171450" indent="-171450">
+              <a:lnSpc>
+                <a:spcPct val="110000"/>
+              </a:lnSpc>
+              <a:buFont typeface="Arial"/>
+              <a:buChar char="•"/>
+            </a:pPr>
+            <a:r>
+              <a:rPr lang="fr-FR" sz="1050" b="1" dirty="0" smtClean="0">
+                <a:latin typeface="Consolas"/>
+                <a:cs typeface="Consolas"/>
+              </a:rPr>
+              <a:t>Provenance</a:t>
+            </a:r>
+            <a:r>
+              <a:rPr lang="fr-FR" sz="1050" dirty="0" smtClean="0">
+                <a:latin typeface="Consolas"/>
+                <a:cs typeface="Consolas"/>
+              </a:rPr>
+              <a:t>: green services</a:t>
+            </a:r>
+          </a:p>
+          <a:p>
+            <a:pPr marL="171450" indent="-171450">
+              <a:lnSpc>
+                <a:spcPct val="110000"/>
+              </a:lnSpc>
+              <a:buFont typeface="Arial"/>
+              <a:buChar char="•"/>
+            </a:pPr>
+            <a:r>
+              <a:rPr lang="fr-FR" sz="1050" b="1" dirty="0" smtClean="0">
+                <a:latin typeface="Consolas"/>
+                <a:cs typeface="Consolas"/>
+              </a:rPr>
+              <a:t>Storage</a:t>
+            </a:r>
+            <a:r>
+              <a:rPr lang="fr-FR" sz="1050" dirty="0" smtClean="0">
+                <a:latin typeface="Consolas"/>
+                <a:cs typeface="Consolas"/>
+              </a:rPr>
+              <a:t>: partial </a:t>
+            </a:r>
+            <a:r>
+              <a:rPr lang="fr-FR" sz="1050" dirty="0" err="1" smtClean="0">
+                <a:latin typeface="Consolas"/>
+                <a:cs typeface="Consolas"/>
+              </a:rPr>
+              <a:t>results</a:t>
+            </a:r>
+            <a:r>
+              <a:rPr lang="fr-FR" sz="1050" dirty="0" smtClean="0">
+                <a:latin typeface="Consolas"/>
+                <a:cs typeface="Consolas"/>
+              </a:rPr>
+              <a:t> </a:t>
+            </a:r>
+            <a:r>
+              <a:rPr lang="fr-FR" sz="1050" dirty="0">
+                <a:latin typeface="Consolas"/>
+                <a:cs typeface="Consolas"/>
+              </a:rPr>
+              <a:t>size </a:t>
+            </a:r>
+            <a:r>
+              <a:rPr lang="fr-FR" sz="1050" dirty="0" smtClean="0">
+                <a:latin typeface="Consolas"/>
+                <a:cs typeface="Consolas"/>
+              </a:rPr>
+              <a:t>≦ 1 Giga</a:t>
+            </a:r>
+            <a:endParaRPr lang="fr-FR" sz="1050" dirty="0">
+              <a:latin typeface="Consolas"/>
+              <a:cs typeface="Consolas"/>
+            </a:endParaRPr>
+          </a:p>
+        </p:txBody>
+      </p:sp>
+    </p:spTree>
+    <p:extLst>
+      <p:ext uri="{BB962C8B-B14F-4D97-AF65-F5344CB8AC3E}">
+        <p14:creationId xmlns:p14="http://schemas.microsoft.com/office/powerpoint/2010/main" val="2160535605"/>
+      </p:ext>
+    </p:extLst>
+  </p:cSld>
+  <p:clrMapOvr>
+    <a:masterClrMapping/>
+  </p:clrMapOvr>
+  <p:timing>
+    <p:tnLst>
+      <p:par>
+        <p:cTn xmlns:p14="http://schemas.microsoft.com/office/powerpoint/2010/main" id="1" dur="indefinite" restart="never" nodeType="tmRoot">
+          <p:childTnLst>
+            <p:seq concurrent="1" nextAc="seek">
+              <p:cTn id="2" dur="indefinite" nodeType="mainSeq">
+                <p:childTnLst>
+                  <p:par>
+                    <p:cTn id="3" fill="hold">
+                      <p:stCondLst>
+                        <p:cond delay="indefinite"/>
+                      </p:stCondLst>
+                      <p:childTnLst>
+                        <p:par>
+                          <p:cTn id="4" fill="hold">
+                            <p:stCondLst>
+                              <p:cond delay="0"/>
+                            </p:stCondLst>
+                            <p:childTnLst>
+                              <p:par>
+                                <p:cTn id="5" presetID="5" presetClass="entr" presetSubtype="10" fill="hold" nodeType="clickEffect">
+                                  <p:stCondLst>
+                                    <p:cond delay="0"/>
+                                  </p:stCondLst>
+                                  <p:childTnLst>
+                                    <p:set>
+                                      <p:cBhvr>
+                                        <p:cTn id="6" dur="1" fill="hold">
+                                          <p:stCondLst>
+                                            <p:cond delay="0"/>
+                                          </p:stCondLst>
+                                        </p:cTn>
+                                        <p:tgtEl>
+                                          <p:spTgt spid="4"/>
+                                        </p:tgtEl>
+                                        <p:attrNameLst>
+                                          <p:attrName>style.visibility</p:attrName>
+                                        </p:attrNameLst>
+                                      </p:cBhvr>
+                                      <p:to>
+                                        <p:strVal val="visible"/>
+                                      </p:to>
+                                    </p:set>
+                                    <p:animEffect transition="in" filter="checkerboard(across)">
+                                      <p:cBhvr>
+                                        <p:cTn id="7" dur="500"/>
+                                        <p:tgtEl>
+                                          <p:spTgt spid="4"/>
+                                        </p:tgtEl>
+                                      </p:cBhvr>
+                                    </p:animEffect>
+                                  </p:childTnLst>
+                                </p:cTn>
+                              </p:par>
+                            </p:childTnLst>
+                          </p:cTn>
+                        </p:par>
+                      </p:childTnLst>
+                    </p:cTn>
+                  </p:par>
+                  <p:par>
+                    <p:cTn id="8" fill="hold">
+                      <p:stCondLst>
+                        <p:cond delay="indefinite"/>
+                      </p:stCondLst>
+                      <p:childTnLst>
+                        <p:par>
+                          <p:cTn id="9" fill="hold">
+                            <p:stCondLst>
+                              <p:cond delay="0"/>
+                            </p:stCondLst>
+                            <p:childTnLst>
+                              <p:par>
+                                <p:cTn id="10" presetID="1" presetClass="entr" presetSubtype="0" fill="hold" grpId="0" nodeType="clickEffect">
+                                  <p:stCondLst>
+                                    <p:cond delay="0"/>
+                                  </p:stCondLst>
+                                  <p:childTnLst>
+                                    <p:set>
+                                      <p:cBhvr>
+                                        <p:cTn id="11" dur="1" fill="hold">
+                                          <p:stCondLst>
+                                            <p:cond delay="0"/>
+                                          </p:stCondLst>
+                                        </p:cTn>
+                                        <p:tgtEl>
+                                          <p:spTgt spid="14"/>
+                                        </p:tgtEl>
+                                        <p:attrNameLst>
+                                          <p:attrName>style.visibility</p:attrName>
+                                        </p:attrNameLst>
+                                      </p:cBhvr>
+                                      <p:to>
+                                        <p:strVal val="visible"/>
+                                      </p:to>
+                                    </p:set>
+                                  </p:childTnLst>
+                                </p:cTn>
+                              </p:par>
+                            </p:childTnLst>
+                          </p:cTn>
+                        </p:par>
+                      </p:childTnLst>
+                    </p:cTn>
+                  </p:par>
+                </p:childTnLst>
+              </p:cTn>
+              <p:prevCondLst>
+                <p:cond evt="onPrev" delay="0">
+                  <p:tgtEl>
+                    <p:sldTgt/>
+                  </p:tgtEl>
+                </p:cond>
+              </p:prevCondLst>
+              <p:nextCondLst>
+                <p:cond evt="onNext" delay="0">
+                  <p:tgtEl>
+                    <p:sldTgt/>
+                  </p:tgtEl>
+                </p:cond>
+              </p:nextCondLst>
+            </p:seq>
+          </p:childTnLst>
+        </p:cTn>
+      </p:par>
+    </p:tnLst>
+    <p:bldLst>
+      <p:bldP spid="14" grpId="0" animBg="1"/>
+    </p:bldLst>
+  </p:timing>
+</p:sld>
+</file>
+
+<file path=ppt/slides/slide12.xml><?xml version="1.0" encoding="utf-8"?>
+<p:sld xmlns:a="http://schemas.openxmlformats.org/drawingml/2006/main" xmlns:r="http://schemas.openxmlformats.org/officeDocument/2006/relationships" xmlns:p="http://schemas.openxmlformats.org/presentationml/2006/main">
+  <p:cSld>
+    <p:spTree>
+      <p:nvGrpSpPr>
+        <p:cNvPr id="1" name=""/>
+        <p:cNvGrpSpPr/>
+        <p:nvPr/>
+      </p:nvGrpSpPr>
+      <p:grpSpPr>
+        <a:xfrm>
+          <a:off x="0" y="0"/>
+          <a:ext cx="0" cy="0"/>
+          <a:chOff x="0" y="0"/>
+          <a:chExt cx="0" cy="0"/>
+        </a:xfrm>
+      </p:grpSpPr>
+      <p:sp>
+        <p:nvSpPr>
+          <p:cNvPr id="2" name="Titre 1"/>
+          <p:cNvSpPr>
+            <a:spLocks noGrp="1"/>
+          </p:cNvSpPr>
+          <p:nvPr>
+            <p:ph type="title"/>
+          </p:nvPr>
+        </p:nvSpPr>
+        <p:spPr/>
+        <p:txBody>
+          <a:bodyPr/>
+          <a:lstStyle/>
+          <a:p>
+            <a:r>
               <a:rPr lang="fr-FR" dirty="0" err="1" smtClean="0"/>
               <a:t>Query</a:t>
             </a:r>
@@ -7259,7 +10166,7 @@
           <a:p>
             <a:fld id="{503914D5-4C05-48A0-975C-C97C98535A04}" type="slidenum">
               <a:rPr lang="en-GB" sz="600" smtClean="0"/>
-              <a:t>10</a:t>
+              <a:t>12</a:t>
             </a:fld>
             <a:endParaRPr lang="en-GB" sz="600"/>
           </a:p>
@@ -7736,7 +10643,7 @@
 </p:sld>
 </file>
 
-<file path=ppt/slides/slide11.xml><?xml version="1.0" encoding="utf-8"?>
+<file path=ppt/slides/slide13.xml><?xml version="1.0" encoding="utf-8"?>
 <p:sld xmlns:a="http://schemas.openxmlformats.org/drawingml/2006/main" xmlns:r="http://schemas.openxmlformats.org/officeDocument/2006/relationships" xmlns:p="http://schemas.openxmlformats.org/presentationml/2006/main">
   <p:cSld>
     <p:spTree>
@@ -7841,7 +10748,7 @@
           <a:p>
             <a:fld id="{503914D5-4C05-48A0-975C-C97C98535A04}" type="slidenum">
               <a:rPr lang="en-GB" smtClean="0"/>
-              <a:t>11</a:t>
+              <a:t>13</a:t>
             </a:fld>
             <a:endParaRPr lang="en-GB" dirty="0"/>
           </a:p>
@@ -12616,7 +15523,7 @@
 </p:sld>
 </file>
 
-<file path=ppt/slides/slide12.xml><?xml version="1.0" encoding="utf-8"?>
+<file path=ppt/slides/slide14.xml><?xml version="1.0" encoding="utf-8"?>
 <p:sld xmlns:a="http://schemas.openxmlformats.org/drawingml/2006/main" xmlns:r="http://schemas.openxmlformats.org/officeDocument/2006/relationships" xmlns:p="http://schemas.openxmlformats.org/presentationml/2006/main">
   <p:cSld>
     <p:spTree>
@@ -12873,7 +15780,7 @@
           <a:p>
             <a:fld id="{503914D5-4C05-48A0-975C-C97C98535A04}" type="slidenum">
               <a:rPr lang="en-GB" smtClean="0"/>
-              <a:t>12</a:t>
+              <a:t>14</a:t>
             </a:fld>
             <a:endParaRPr lang="en-GB"/>
           </a:p>
@@ -12899,7 +15806,7 @@
 </p:sld>
 </file>
 
-<file path=ppt/slides/slide13.xml><?xml version="1.0" encoding="utf-8"?>
+<file path=ppt/slides/slide15.xml><?xml version="1.0" encoding="utf-8"?>
 <p:sld xmlns:a="http://schemas.openxmlformats.org/drawingml/2006/main" xmlns:r="http://schemas.openxmlformats.org/officeDocument/2006/relationships" xmlns:p="http://schemas.openxmlformats.org/presentationml/2006/main">
   <p:cSld>
     <p:spTree>
@@ -13337,7 +16244,7 @@
           <a:p>
             <a:fld id="{503914D5-4C05-48A0-975C-C97C98535A04}" type="slidenum">
               <a:rPr lang="en-GB" smtClean="0"/>
-              <a:t>13</a:t>
+              <a:t>15</a:t>
             </a:fld>
             <a:endParaRPr lang="en-GB"/>
           </a:p>
@@ -13363,7 +16270,7 @@
 </p:sld>
 </file>
 
-<file path=ppt/slides/slide14.xml><?xml version="1.0" encoding="utf-8"?>
+<file path=ppt/slides/slide16.xml><?xml version="1.0" encoding="utf-8"?>
 <p:sld xmlns:a="http://schemas.openxmlformats.org/drawingml/2006/main" xmlns:r="http://schemas.openxmlformats.org/officeDocument/2006/relationships" xmlns:p="http://schemas.openxmlformats.org/presentationml/2006/main">
   <p:cSld>
     <p:spTree>
@@ -13397,7 +16304,7 @@
           <a:p>
             <a:fld id="{503914D5-4C05-48A0-975C-C97C98535A04}" type="slidenum">
               <a:rPr lang="en-GB" smtClean="0"/>
-              <a:t>14</a:t>
+              <a:t>16</a:t>
             </a:fld>
             <a:endParaRPr lang="en-GB"/>
           </a:p>
@@ -20311,11 +23218,6 @@
                 </a:rPr>
                 <a:t>: </a:t>
               </a:r>
-              <a:endParaRPr lang="fr-FR" dirty="0" smtClean="0">
-                <a:solidFill>
-                  <a:schemeClr val="tx1"/>
-                </a:solidFill>
-              </a:endParaRPr>
             </a:p>
             <a:p>
               <a:endParaRPr lang="fr-FR" dirty="0" smtClean="0">
@@ -24067,11 +26969,6 @@
                 </a:rPr>
                 <a:t>: </a:t>
               </a:r>
-              <a:endParaRPr lang="fr-FR" dirty="0" smtClean="0">
-                <a:solidFill>
-                  <a:schemeClr val="tx1"/>
-                </a:solidFill>
-              </a:endParaRPr>
             </a:p>
             <a:p>
               <a:endParaRPr lang="fr-FR" dirty="0" smtClean="0">
@@ -24191,15 +27088,7 @@
                     <a:schemeClr val="tx1"/>
                   </a:solidFill>
                 </a:rPr>
-                <a:t> by the </a:t>
-              </a:r>
-              <a:r>
-                <a:rPr lang="fr-FR" dirty="0" smtClean="0">
-                  <a:solidFill>
-                    <a:schemeClr val="tx1"/>
-                  </a:solidFill>
-                </a:rPr>
-                <a:t>user </a:t>
+                <a:t> by the user </a:t>
               </a:r>
               <a:r>
                 <a:rPr lang="fr-FR" dirty="0" smtClean="0">
@@ -25434,18 +28323,10 @@
           <a:lstStyle/>
           <a:p>
             <a:r>
-              <a:rPr lang="fr-FR" dirty="0" err="1" smtClean="0"/>
-              <a:t>Problem</a:t>
-            </a:r>
-            <a:r>
-              <a:rPr lang="fr-FR" dirty="0" smtClean="0"/>
-              <a:t> </a:t>
-            </a:r>
-            <a:r>
-              <a:rPr lang="fr-FR" dirty="0" err="1" smtClean="0"/>
-              <a:t>statement</a:t>
-            </a:r>
-            <a:endParaRPr lang="fr-FR" dirty="0"/>
+              <a:rPr lang="en-GB" smtClean="0"/>
+              <a:t>Problem statement</a:t>
+            </a:r>
+            <a:endParaRPr lang="en-GB"/>
           </a:p>
         </p:txBody>
       </p:sp>
@@ -25467,263 +28348,30 @@
           <a:lstStyle/>
           <a:p>
             <a:r>
-              <a:rPr lang="fr-FR" sz="1800" dirty="0" smtClean="0"/>
-              <a:t>How </a:t>
-            </a:r>
-            <a:r>
-              <a:rPr lang="fr-FR" sz="1800" dirty="0" err="1"/>
-              <a:t>can</a:t>
-            </a:r>
-            <a:r>
-              <a:rPr lang="fr-FR" sz="1800" dirty="0"/>
-              <a:t> the user </a:t>
-            </a:r>
-            <a:r>
-              <a:rPr lang="fr-FR" sz="1800" dirty="0" err="1"/>
-              <a:t>efficiently</a:t>
-            </a:r>
-            <a:r>
-              <a:rPr lang="fr-FR" sz="1800" dirty="0"/>
-              <a:t> </a:t>
-            </a:r>
-            <a:r>
-              <a:rPr lang="fr-FR" sz="1800" dirty="0" err="1"/>
-              <a:t>obtain</a:t>
-            </a:r>
-            <a:r>
-              <a:rPr lang="fr-FR" sz="1800" dirty="0"/>
-              <a:t> </a:t>
-            </a:r>
-            <a:r>
-              <a:rPr lang="fr-FR" sz="1800" dirty="0" err="1"/>
-              <a:t>results</a:t>
-            </a:r>
-            <a:r>
-              <a:rPr lang="fr-FR" sz="1800" dirty="0"/>
-              <a:t> for </a:t>
-            </a:r>
-            <a:r>
-              <a:rPr lang="fr-FR" sz="1800" dirty="0" err="1"/>
-              <a:t>her</a:t>
-            </a:r>
-            <a:r>
-              <a:rPr lang="fr-FR" sz="1800" dirty="0"/>
-              <a:t> </a:t>
-            </a:r>
-            <a:r>
-              <a:rPr lang="fr-FR" sz="1800" dirty="0" err="1"/>
-              <a:t>queries</a:t>
-            </a:r>
-            <a:r>
-              <a:rPr lang="fr-FR" sz="1800" dirty="0"/>
-              <a:t> </a:t>
-            </a:r>
-            <a:r>
-              <a:rPr lang="fr-FR" sz="1800" dirty="0" err="1"/>
-              <a:t>such</a:t>
-            </a:r>
-            <a:r>
-              <a:rPr lang="fr-FR" sz="1800" dirty="0"/>
-              <a:t> </a:t>
-            </a:r>
-            <a:r>
-              <a:rPr lang="fr-FR" sz="1800" dirty="0" err="1"/>
-              <a:t>that</a:t>
-            </a:r>
-            <a:r>
-              <a:rPr lang="fr-FR" sz="1800" dirty="0"/>
-              <a:t> </a:t>
-            </a:r>
-            <a:r>
-              <a:rPr lang="fr-FR" sz="1800" dirty="0" err="1"/>
-              <a:t>they</a:t>
-            </a:r>
-            <a:r>
-              <a:rPr lang="fr-FR" sz="1800" dirty="0"/>
-              <a:t> </a:t>
-            </a:r>
-            <a:r>
-              <a:rPr lang="fr-FR" sz="1800" dirty="0" err="1"/>
-              <a:t>meet</a:t>
-            </a:r>
-            <a:r>
-              <a:rPr lang="fr-FR" sz="1800" dirty="0"/>
-              <a:t> </a:t>
-            </a:r>
-            <a:r>
-              <a:rPr lang="fr-FR" sz="1800" dirty="0" err="1"/>
-              <a:t>her</a:t>
-            </a:r>
-            <a:r>
-              <a:rPr lang="fr-FR" sz="1800" dirty="0"/>
-              <a:t> </a:t>
-            </a:r>
-            <a:r>
-              <a:rPr lang="fr-FR" sz="1800" dirty="0" err="1"/>
-              <a:t>QoS</a:t>
-            </a:r>
-            <a:r>
-              <a:rPr lang="fr-FR" sz="1800" dirty="0"/>
-              <a:t> </a:t>
-            </a:r>
-            <a:r>
-              <a:rPr lang="fr-FR" sz="1800" dirty="0" err="1" smtClean="0"/>
-              <a:t>requirements</a:t>
-            </a:r>
-            <a:r>
-              <a:rPr lang="fr-FR" sz="1800" dirty="0" smtClean="0"/>
-              <a:t> </a:t>
+              <a:rPr lang="en-GB" sz="1800" smtClean="0"/>
+              <a:t>How can the user efficiently obtain results for her queries such that they meet her QoS requirements </a:t>
             </a:r>
           </a:p>
           <a:p>
             <a:pPr lvl="1"/>
             <a:r>
-              <a:rPr lang="fr-FR" sz="1600" dirty="0" err="1" smtClean="0"/>
-              <a:t>they</a:t>
-            </a:r>
-            <a:r>
-              <a:rPr lang="fr-FR" sz="1600" dirty="0" smtClean="0"/>
-              <a:t> </a:t>
-            </a:r>
-            <a:r>
-              <a:rPr lang="fr-FR" sz="1600" dirty="0"/>
-              <a:t>respect </a:t>
-            </a:r>
-            <a:r>
-              <a:rPr lang="fr-FR" sz="1600" dirty="0" err="1"/>
-              <a:t>her</a:t>
-            </a:r>
-            <a:r>
-              <a:rPr lang="fr-FR" sz="1600" dirty="0"/>
-              <a:t> </a:t>
-            </a:r>
-            <a:r>
-              <a:rPr lang="fr-FR" sz="1600" dirty="0" err="1"/>
-              <a:t>subscribed</a:t>
-            </a:r>
-            <a:r>
-              <a:rPr lang="fr-FR" sz="1600" dirty="0"/>
-              <a:t> </a:t>
-            </a:r>
-            <a:r>
-              <a:rPr lang="fr-FR" sz="1600" dirty="0" err="1"/>
-              <a:t>contracts</a:t>
-            </a:r>
-            <a:r>
-              <a:rPr lang="fr-FR" sz="1600" dirty="0"/>
-              <a:t> </a:t>
-            </a:r>
-            <a:r>
-              <a:rPr lang="fr-FR" sz="1600" dirty="0" err="1"/>
-              <a:t>with</a:t>
-            </a:r>
-            <a:r>
-              <a:rPr lang="fr-FR" sz="1600" dirty="0"/>
-              <a:t> the </a:t>
-            </a:r>
-            <a:r>
-              <a:rPr lang="fr-FR" sz="1600" dirty="0" err="1"/>
-              <a:t>involved</a:t>
-            </a:r>
-            <a:r>
-              <a:rPr lang="fr-FR" sz="1600" dirty="0"/>
-              <a:t> </a:t>
-            </a:r>
-            <a:r>
-              <a:rPr lang="fr-FR" sz="1600" dirty="0" err="1"/>
-              <a:t>cloud</a:t>
-            </a:r>
-            <a:r>
-              <a:rPr lang="fr-FR" sz="1600" dirty="0"/>
-              <a:t> provider(s</a:t>
-            </a:r>
-            <a:r>
-              <a:rPr lang="fr-FR" sz="1600" dirty="0" smtClean="0"/>
-              <a:t>)</a:t>
+              <a:rPr lang="en-GB" sz="1600" smtClean="0"/>
+              <a:t>they respect her subscribed contracts with the involved cloud provider(s)</a:t>
             </a:r>
           </a:p>
           <a:p>
             <a:pPr lvl="1"/>
             <a:r>
-              <a:rPr lang="fr-FR" sz="1600" dirty="0" err="1" smtClean="0"/>
-              <a:t>they</a:t>
-            </a:r>
-            <a:r>
-              <a:rPr lang="fr-FR" sz="1600" dirty="0" smtClean="0"/>
-              <a:t> </a:t>
-            </a:r>
-            <a:r>
-              <a:rPr lang="fr-FR" sz="1600" dirty="0"/>
-              <a:t>do not </a:t>
-            </a:r>
-            <a:r>
-              <a:rPr lang="fr-FR" sz="1600" dirty="0" err="1"/>
-              <a:t>neglect</a:t>
-            </a:r>
-            <a:r>
-              <a:rPr lang="fr-FR" sz="1600" dirty="0"/>
-              <a:t> services </a:t>
-            </a:r>
-            <a:r>
-              <a:rPr lang="fr-FR" sz="1600" dirty="0" err="1" smtClean="0"/>
-              <a:t>contracts</a:t>
-            </a:r>
-            <a:endParaRPr lang="fr-FR" sz="1600" dirty="0" smtClean="0"/>
-          </a:p>
-          <a:p>
-            <a:r>
-              <a:rPr lang="fr-FR" sz="1800" dirty="0" err="1" smtClean="0"/>
-              <a:t>Particularly</a:t>
-            </a:r>
-            <a:r>
-              <a:rPr lang="fr-FR" sz="1800" dirty="0"/>
-              <a:t>, for </a:t>
-            </a:r>
-            <a:r>
-              <a:rPr lang="fr-FR" sz="1800" dirty="0" err="1"/>
-              <a:t>queries</a:t>
-            </a:r>
-            <a:r>
-              <a:rPr lang="fr-FR" sz="1800" dirty="0"/>
-              <a:t> </a:t>
-            </a:r>
-            <a:r>
-              <a:rPr lang="fr-FR" sz="1800" dirty="0" err="1"/>
-              <a:t>that</a:t>
-            </a:r>
-            <a:r>
-              <a:rPr lang="fr-FR" sz="1800" dirty="0"/>
-              <a:t> call </a:t>
-            </a:r>
-            <a:r>
-              <a:rPr lang="fr-FR" sz="1800" dirty="0" err="1"/>
-              <a:t>several</a:t>
-            </a:r>
-            <a:r>
-              <a:rPr lang="fr-FR" sz="1800" dirty="0"/>
-              <a:t> services </a:t>
-            </a:r>
-            <a:r>
-              <a:rPr lang="fr-FR" sz="1800" dirty="0" err="1"/>
-              <a:t>deployed</a:t>
-            </a:r>
-            <a:r>
-              <a:rPr lang="fr-FR" sz="1800" dirty="0"/>
-              <a:t> on </a:t>
-            </a:r>
-            <a:r>
-              <a:rPr lang="fr-FR" sz="1800" dirty="0" err="1"/>
-              <a:t>different</a:t>
-            </a:r>
-            <a:r>
-              <a:rPr lang="fr-FR" sz="1800" dirty="0"/>
-              <a:t> </a:t>
-            </a:r>
-            <a:r>
-              <a:rPr lang="fr-FR" sz="1800" dirty="0" err="1" smtClean="0"/>
-              <a:t>clouds</a:t>
-            </a:r>
-            <a:endParaRPr lang="fr-FR" sz="1800" dirty="0"/>
+              <a:rPr lang="en-GB" sz="1600" smtClean="0"/>
+              <a:t>they do not neglect services contracts</a:t>
+            </a:r>
+          </a:p>
+          <a:p>
+            <a:r>
+              <a:rPr lang="en-GB" sz="1800" smtClean="0"/>
+              <a:t>Particularly, for queries that call several services deployed on different clouds</a:t>
+            </a:r>
+            <a:endParaRPr lang="en-GB" sz="1800"/>
           </a:p>
         </p:txBody>
       </p:sp>
@@ -25789,7 +28437,7 @@
       </p:grpSpPr>
       <p:sp>
         <p:nvSpPr>
-          <p:cNvPr id="2" name="1 Título"/>
+          <p:cNvPr id="2" name="Titre 1"/>
           <p:cNvSpPr>
             <a:spLocks noGrp="1"/>
           </p:cNvSpPr>
@@ -25803,16 +28451,16 @@
           <a:lstStyle/>
           <a:p>
             <a:r>
-              <a:rPr lang="es-MX" dirty="0" smtClean="0"/>
-              <a:t>objectives</a:t>
-            </a:r>
-            <a:endParaRPr lang="es-MX" dirty="0"/>
+              <a:rPr lang="fr-FR" dirty="0" err="1" smtClean="0"/>
+              <a:t>CHallenges</a:t>
+            </a:r>
+            <a:endParaRPr lang="fr-FR" dirty="0"/>
           </a:p>
         </p:txBody>
       </p:sp>
       <p:sp>
         <p:nvSpPr>
-          <p:cNvPr id="3" name="2 Marcador de contenido"/>
+          <p:cNvPr id="3" name="Espace réservé du contenu 2"/>
           <p:cNvSpPr>
             <a:spLocks noGrp="1"/>
           </p:cNvSpPr>
@@ -25820,48 +28468,101 @@
             <p:ph idx="1"/>
           </p:nvPr>
         </p:nvSpPr>
-        <p:spPr/>
+        <p:spPr>
+          <a:xfrm>
+            <a:off x="435895" y="3848100"/>
+            <a:ext cx="8272211" cy="647700"/>
+          </a:xfrm>
+          <a:ln>
+            <a:solidFill>
+              <a:srgbClr val="6C5054"/>
+            </a:solidFill>
+          </a:ln>
+        </p:spPr>
         <p:txBody>
           <a:bodyPr>
             <a:normAutofit/>
           </a:bodyPr>
           <a:lstStyle/>
           <a:p>
-            <a:pPr marL="0" indent="0">
+            <a:pPr marL="0" indent="0" algn="ctr">
               <a:buNone/>
             </a:pPr>
             <a:r>
-              <a:rPr lang="es-MX" sz="1800" dirty="0" smtClean="0"/>
-              <a:t>Propose an SLA guided continuous data integration and provision system as a DaaS  </a:t>
-            </a:r>
-          </a:p>
-          <a:p>
-            <a:pPr lvl="1"/>
-            <a:r>
-              <a:rPr lang="es-MX" sz="1600" dirty="0" smtClean="0"/>
-              <a:t>Integrated SLA computation out of the Data agreed SLA</a:t>
-            </a:r>
-          </a:p>
-          <a:p>
-            <a:pPr lvl="1"/>
-            <a:r>
-              <a:rPr lang="es-MX" sz="1600" dirty="0" smtClean="0"/>
-              <a:t>Optimized and adaptable data collection, query rewriting and integration according to user preferences</a:t>
-            </a:r>
-          </a:p>
-          <a:p>
-            <a:pPr lvl="1"/>
-            <a:r>
-              <a:rPr lang="es-MX" sz="1600" dirty="0" smtClean="0"/>
-              <a:t>Learning based data integration mechanisms</a:t>
-            </a:r>
-            <a:endParaRPr lang="es-MX" sz="1600" dirty="0"/>
+              <a:rPr lang="fr-FR" sz="1800" dirty="0"/>
+              <a:t>How to </a:t>
+            </a:r>
+            <a:r>
+              <a:rPr lang="fr-FR" sz="1800" dirty="0" err="1"/>
+              <a:t>be</a:t>
+            </a:r>
+            <a:r>
+              <a:rPr lang="fr-FR" sz="1800" dirty="0"/>
+              <a:t> sure </a:t>
+            </a:r>
+            <a:r>
+              <a:rPr lang="fr-FR" sz="1800" dirty="0" err="1"/>
+              <a:t>that</a:t>
+            </a:r>
+            <a:r>
+              <a:rPr lang="fr-FR" sz="1800" dirty="0"/>
+              <a:t> all the </a:t>
+            </a:r>
+            <a:r>
+              <a:rPr lang="fr-FR" sz="1800" dirty="0" err="1"/>
+              <a:t>agreed</a:t>
+            </a:r>
+            <a:r>
+              <a:rPr lang="fr-FR" sz="1800" dirty="0"/>
+              <a:t> </a:t>
+            </a:r>
+            <a:r>
+              <a:rPr lang="fr-FR" sz="1800" dirty="0" err="1" smtClean="0"/>
+              <a:t>SLAs</a:t>
+            </a:r>
+            <a:r>
+              <a:rPr lang="fr-FR" sz="1800" dirty="0" smtClean="0"/>
+              <a:t> </a:t>
+            </a:r>
+            <a:r>
+              <a:rPr lang="fr-FR" sz="1800" dirty="0"/>
+              <a:t>are </a:t>
+            </a:r>
+            <a:r>
+              <a:rPr lang="fr-FR" sz="1800" dirty="0" err="1"/>
+              <a:t>respected</a:t>
+            </a:r>
+            <a:r>
+              <a:rPr lang="fr-FR" sz="1800" dirty="0"/>
+              <a:t> </a:t>
+            </a:r>
+            <a:r>
+              <a:rPr lang="fr-FR" sz="1800" dirty="0" err="1"/>
+              <a:t>while</a:t>
+            </a:r>
+            <a:r>
+              <a:rPr lang="fr-FR" sz="1800" dirty="0"/>
+              <a:t> </a:t>
+            </a:r>
+            <a:r>
+              <a:rPr lang="fr-FR" sz="1800" dirty="0" err="1"/>
+              <a:t>satisfying</a:t>
+            </a:r>
+            <a:r>
+              <a:rPr lang="fr-FR" sz="1800" dirty="0"/>
+              <a:t> the user</a:t>
+            </a:r>
+            <a:r>
+              <a:rPr lang="fr-FR" sz="1800" dirty="0" smtClean="0"/>
+              <a:t>?</a:t>
+            </a:r>
+            <a:endParaRPr lang="fr-FR" sz="1800" dirty="0"/>
           </a:p>
         </p:txBody>
       </p:sp>
       <p:sp>
         <p:nvSpPr>
-          <p:cNvPr id="5" name="Espace réservé du numéro de diapositive 4"/>
+          <p:cNvPr id="4" name="Espace réservé du numéro de diapositive 3"/>
           <p:cNvSpPr>
             <a:spLocks noGrp="1"/>
           </p:cNvSpPr>
@@ -25874,27 +28575,1108 @@
           <a:bodyPr/>
           <a:lstStyle/>
           <a:p>
-            <a:fld id="{9641D703-76A2-4767-AC01-55DB2BFA04C0}" type="slidenum">
-              <a:rPr lang="es-MX" smtClean="0"/>
+            <a:fld id="{503914D5-4C05-48A0-975C-C97C98535A04}" type="slidenum">
+              <a:rPr lang="en-GB" smtClean="0"/>
+              <a:pPr/>
               <a:t>6</a:t>
             </a:fld>
-            <a:endParaRPr lang="es-MX"/>
+            <a:endParaRPr lang="en-GB"/>
           </a:p>
         </p:txBody>
       </p:sp>
+      <p:pic>
+        <p:nvPicPr>
+          <p:cNvPr id="11" name="Image 10" descr="Service.ai"/>
+          <p:cNvPicPr>
+            <a:picLocks noChangeAspect="1"/>
+          </p:cNvPicPr>
+          <p:nvPr/>
+        </p:nvPicPr>
+        <p:blipFill>
+          <a:blip r:embed="rId2" cstate="print">
+            <a:extLst>
+              <a:ext uri="{28A0092B-C50C-407E-A947-70E740481C1C}">
+                <a14:useLocalDpi xmlns:a14="http://schemas.microsoft.com/office/drawing/2010/main" val="0"/>
+              </a:ext>
+            </a:extLst>
+          </a:blip>
+          <a:stretch>
+            <a:fillRect/>
+          </a:stretch>
+        </p:blipFill>
+        <p:spPr>
+          <a:xfrm rot="16200000" flipV="1">
+            <a:off x="5812884" y="2052751"/>
+            <a:ext cx="560924" cy="504832"/>
+          </a:xfrm>
+          <a:prstGeom prst="rect">
+            <a:avLst/>
+          </a:prstGeom>
+        </p:spPr>
+      </p:pic>
+      <p:sp>
+        <p:nvSpPr>
+          <p:cNvPr id="12" name="Rectangle 11"/>
+          <p:cNvSpPr/>
+          <p:nvPr/>
+        </p:nvSpPr>
+        <p:spPr>
+          <a:xfrm>
+            <a:off x="6210392" y="1562733"/>
+            <a:ext cx="1398991" cy="523220"/>
+          </a:xfrm>
+          <a:prstGeom prst="rect">
+            <a:avLst/>
+          </a:prstGeom>
+        </p:spPr>
+        <p:txBody>
+          <a:bodyPr wrap="none">
+            <a:spAutoFit/>
+          </a:bodyPr>
+          <a:lstStyle/>
+          <a:p>
+            <a:r>
+              <a:rPr lang="en-GB" dirty="0" smtClean="0"/>
+              <a:t>Energy provision </a:t>
+            </a:r>
+            <a:endParaRPr lang="en-GB" dirty="0" smtClean="0"/>
+          </a:p>
+          <a:p>
+            <a:r>
+              <a:rPr lang="en-GB" dirty="0" smtClean="0"/>
+              <a:t>Hub</a:t>
+            </a:r>
+            <a:endParaRPr lang="en-GB" dirty="0"/>
+          </a:p>
+        </p:txBody>
+      </p:sp>
+      <p:grpSp>
+        <p:nvGrpSpPr>
+          <p:cNvPr id="13" name="Grouper 12"/>
+          <p:cNvGrpSpPr/>
+          <p:nvPr/>
+        </p:nvGrpSpPr>
+        <p:grpSpPr>
+          <a:xfrm>
+            <a:off x="4419600" y="1460500"/>
+            <a:ext cx="4508500" cy="2336800"/>
+            <a:chOff x="1857254" y="1775741"/>
+            <a:chExt cx="2985679" cy="1700064"/>
+          </a:xfrm>
+        </p:grpSpPr>
+        <p:sp>
+          <p:nvSpPr>
+            <p:cNvPr id="14" name="Arc 13"/>
+            <p:cNvSpPr/>
+            <p:nvPr/>
+          </p:nvSpPr>
+          <p:spPr>
+            <a:xfrm rot="16492063">
+              <a:off x="2064987" y="2209791"/>
+              <a:ext cx="919931" cy="1335398"/>
+            </a:xfrm>
+            <a:prstGeom prst="arc">
+              <a:avLst>
+                <a:gd name="adj1" fmla="val 10488337"/>
+                <a:gd name="adj2" fmla="val 984161"/>
+              </a:avLst>
+            </a:prstGeom>
+            <a:ln w="28575" cmpd="sng">
+              <a:solidFill>
+                <a:schemeClr val="bg1">
+                  <a:lumMod val="85000"/>
+                </a:schemeClr>
+              </a:solidFill>
+            </a:ln>
+          </p:spPr>
+          <p:style>
+            <a:lnRef idx="2">
+              <a:schemeClr val="accent1"/>
+            </a:lnRef>
+            <a:fillRef idx="0">
+              <a:schemeClr val="accent1"/>
+            </a:fillRef>
+            <a:effectRef idx="1">
+              <a:schemeClr val="accent1"/>
+            </a:effectRef>
+            <a:fontRef idx="minor">
+              <a:schemeClr val="tx1"/>
+            </a:fontRef>
+          </p:style>
+          <p:txBody>
+            <a:bodyPr rtlCol="0" anchor="ctr"/>
+            <a:lstStyle/>
+            <a:p>
+              <a:pPr algn="ctr"/>
+              <a:endParaRPr lang="fr-FR"/>
+            </a:p>
+          </p:txBody>
+        </p:sp>
+        <p:sp>
+          <p:nvSpPr>
+            <p:cNvPr id="15" name="Arc 14"/>
+            <p:cNvSpPr/>
+            <p:nvPr/>
+          </p:nvSpPr>
+          <p:spPr>
+            <a:xfrm rot="656295">
+              <a:off x="2698111" y="1775741"/>
+              <a:ext cx="1571555" cy="1700064"/>
+            </a:xfrm>
+            <a:prstGeom prst="arc">
+              <a:avLst>
+                <a:gd name="adj1" fmla="val 10430236"/>
+                <a:gd name="adj2" fmla="val 20928275"/>
+              </a:avLst>
+            </a:prstGeom>
+            <a:ln w="28575" cmpd="sng">
+              <a:solidFill>
+                <a:schemeClr val="bg1">
+                  <a:lumMod val="85000"/>
+                </a:schemeClr>
+              </a:solidFill>
+            </a:ln>
+          </p:spPr>
+          <p:style>
+            <a:lnRef idx="2">
+              <a:schemeClr val="accent1"/>
+            </a:lnRef>
+            <a:fillRef idx="0">
+              <a:schemeClr val="accent1"/>
+            </a:fillRef>
+            <a:effectRef idx="1">
+              <a:schemeClr val="accent1"/>
+            </a:effectRef>
+            <a:fontRef idx="minor">
+              <a:schemeClr val="tx1"/>
+            </a:fontRef>
+          </p:style>
+          <p:txBody>
+            <a:bodyPr rtlCol="0" anchor="ctr"/>
+            <a:lstStyle/>
+            <a:p>
+              <a:pPr algn="ctr"/>
+              <a:endParaRPr lang="fr-FR"/>
+            </a:p>
+          </p:txBody>
+        </p:sp>
+        <p:sp>
+          <p:nvSpPr>
+            <p:cNvPr id="16" name="Arc 15"/>
+            <p:cNvSpPr/>
+            <p:nvPr/>
+          </p:nvSpPr>
+          <p:spPr>
+            <a:xfrm rot="5400000">
+              <a:off x="3907366" y="2374901"/>
+              <a:ext cx="905933" cy="965200"/>
+            </a:xfrm>
+            <a:prstGeom prst="arc">
+              <a:avLst>
+                <a:gd name="adj1" fmla="val 9926378"/>
+                <a:gd name="adj2" fmla="val 0"/>
+              </a:avLst>
+            </a:prstGeom>
+            <a:ln w="28575" cmpd="sng">
+              <a:solidFill>
+                <a:schemeClr val="bg1">
+                  <a:lumMod val="85000"/>
+                </a:schemeClr>
+              </a:solidFill>
+            </a:ln>
+          </p:spPr>
+          <p:style>
+            <a:lnRef idx="2">
+              <a:schemeClr val="accent1"/>
+            </a:lnRef>
+            <a:fillRef idx="0">
+              <a:schemeClr val="accent1"/>
+            </a:fillRef>
+            <a:effectRef idx="1">
+              <a:schemeClr val="accent1"/>
+            </a:effectRef>
+            <a:fontRef idx="minor">
+              <a:schemeClr val="tx1"/>
+            </a:fontRef>
+          </p:style>
+          <p:txBody>
+            <a:bodyPr rtlCol="0" anchor="ctr"/>
+            <a:lstStyle/>
+            <a:p>
+              <a:pPr algn="ctr"/>
+              <a:endParaRPr lang="fr-FR"/>
+            </a:p>
+          </p:txBody>
+        </p:sp>
+        <p:cxnSp>
+          <p:nvCxnSpPr>
+            <p:cNvPr id="17" name="Connecteur droit 16"/>
+            <p:cNvCxnSpPr>
+              <a:stCxn id="14" idx="0"/>
+              <a:endCxn id="16" idx="2"/>
+            </p:cNvCxnSpPr>
+            <p:nvPr/>
+          </p:nvCxnSpPr>
+          <p:spPr>
+            <a:xfrm flipV="1">
+              <a:off x="2527581" y="3310468"/>
+              <a:ext cx="1832752" cy="27974"/>
+            </a:xfrm>
+            <a:prstGeom prst="line">
+              <a:avLst/>
+            </a:prstGeom>
+            <a:ln w="28575" cmpd="sng">
+              <a:solidFill>
+                <a:schemeClr val="bg1">
+                  <a:lumMod val="85000"/>
+                </a:schemeClr>
+              </a:solidFill>
+            </a:ln>
+          </p:spPr>
+          <p:style>
+            <a:lnRef idx="2">
+              <a:schemeClr val="accent1"/>
+            </a:lnRef>
+            <a:fillRef idx="0">
+              <a:schemeClr val="accent1"/>
+            </a:fillRef>
+            <a:effectRef idx="1">
+              <a:schemeClr val="accent1"/>
+            </a:effectRef>
+            <a:fontRef idx="minor">
+              <a:schemeClr val="tx1"/>
+            </a:fontRef>
+          </p:style>
+        </p:cxnSp>
+      </p:grpSp>
+      <p:pic>
+        <p:nvPicPr>
+          <p:cNvPr id="18" name="Image 17" descr="Service.ai"/>
+          <p:cNvPicPr>
+            <a:picLocks noChangeAspect="1"/>
+          </p:cNvPicPr>
+          <p:nvPr/>
+        </p:nvPicPr>
+        <p:blipFill>
+          <a:blip r:embed="rId2" cstate="print">
+            <a:extLst>
+              <a:ext uri="{28A0092B-C50C-407E-A947-70E740481C1C}">
+                <a14:useLocalDpi xmlns:a14="http://schemas.microsoft.com/office/drawing/2010/main" val="0"/>
+              </a:ext>
+            </a:extLst>
+          </a:blip>
+          <a:stretch>
+            <a:fillRect/>
+          </a:stretch>
+        </p:blipFill>
+        <p:spPr>
+          <a:xfrm rot="16200000" flipV="1">
+            <a:off x="5127084" y="2929051"/>
+            <a:ext cx="560924" cy="504832"/>
+          </a:xfrm>
+          <a:prstGeom prst="rect">
+            <a:avLst/>
+          </a:prstGeom>
+        </p:spPr>
+      </p:pic>
+      <p:pic>
+        <p:nvPicPr>
+          <p:cNvPr id="19" name="Image 18" descr="Service.ai"/>
+          <p:cNvPicPr>
+            <a:picLocks noChangeAspect="1"/>
+          </p:cNvPicPr>
+          <p:nvPr/>
+        </p:nvPicPr>
+        <p:blipFill>
+          <a:blip r:embed="rId2" cstate="print">
+            <a:extLst>
+              <a:ext uri="{28A0092B-C50C-407E-A947-70E740481C1C}">
+                <a14:useLocalDpi xmlns:a14="http://schemas.microsoft.com/office/drawing/2010/main" val="0"/>
+              </a:ext>
+            </a:extLst>
+          </a:blip>
+          <a:stretch>
+            <a:fillRect/>
+          </a:stretch>
+        </p:blipFill>
+        <p:spPr>
+          <a:xfrm rot="16200000" flipV="1">
+            <a:off x="5850984" y="2929051"/>
+            <a:ext cx="560924" cy="504832"/>
+          </a:xfrm>
+          <a:prstGeom prst="rect">
+            <a:avLst/>
+          </a:prstGeom>
+        </p:spPr>
+      </p:pic>
+      <p:pic>
+        <p:nvPicPr>
+          <p:cNvPr id="20" name="Image 19" descr="Service.ai"/>
+          <p:cNvPicPr>
+            <a:picLocks noChangeAspect="1"/>
+          </p:cNvPicPr>
+          <p:nvPr/>
+        </p:nvPicPr>
+        <p:blipFill>
+          <a:blip r:embed="rId2" cstate="print">
+            <a:extLst>
+              <a:ext uri="{28A0092B-C50C-407E-A947-70E740481C1C}">
+                <a14:useLocalDpi xmlns:a14="http://schemas.microsoft.com/office/drawing/2010/main" val="0"/>
+              </a:ext>
+            </a:extLst>
+          </a:blip>
+          <a:stretch>
+            <a:fillRect/>
+          </a:stretch>
+        </p:blipFill>
+        <p:spPr>
+          <a:xfrm rot="16200000" flipV="1">
+            <a:off x="6562184" y="2890951"/>
+            <a:ext cx="560924" cy="504832"/>
+          </a:xfrm>
+          <a:prstGeom prst="rect">
+            <a:avLst/>
+          </a:prstGeom>
+        </p:spPr>
+      </p:pic>
+      <p:cxnSp>
+        <p:nvCxnSpPr>
+          <p:cNvPr id="22" name="Connecteur droit avec flèche 21"/>
+          <p:cNvCxnSpPr>
+            <a:stCxn id="18" idx="3"/>
+            <a:endCxn id="11" idx="1"/>
+          </p:cNvCxnSpPr>
+          <p:nvPr/>
+        </p:nvCxnSpPr>
+        <p:spPr>
+          <a:xfrm rot="5400000" flipH="1" flipV="1">
+            <a:off x="5592758" y="2400417"/>
+            <a:ext cx="315376" cy="685800"/>
+          </a:xfrm>
+          <a:prstGeom prst="straightConnector1">
+            <a:avLst/>
+          </a:prstGeom>
+          <a:ln>
+            <a:tailEnd type="arrow"/>
+          </a:ln>
+        </p:spPr>
+        <p:style>
+          <a:lnRef idx="2">
+            <a:schemeClr val="accent1"/>
+          </a:lnRef>
+          <a:fillRef idx="0">
+            <a:schemeClr val="accent1"/>
+          </a:fillRef>
+          <a:effectRef idx="1">
+            <a:schemeClr val="accent1"/>
+          </a:effectRef>
+          <a:fontRef idx="minor">
+            <a:schemeClr val="tx1"/>
+          </a:fontRef>
+        </p:style>
+      </p:cxnSp>
+      <p:cxnSp>
+        <p:nvCxnSpPr>
+          <p:cNvPr id="24" name="Connecteur droit avec flèche 23"/>
+          <p:cNvCxnSpPr>
+            <a:stCxn id="19" idx="3"/>
+            <a:endCxn id="11" idx="1"/>
+          </p:cNvCxnSpPr>
+          <p:nvPr/>
+        </p:nvCxnSpPr>
+        <p:spPr>
+          <a:xfrm rot="16200000" flipV="1">
+            <a:off x="5954708" y="2724267"/>
+            <a:ext cx="315376" cy="38100"/>
+          </a:xfrm>
+          <a:prstGeom prst="straightConnector1">
+            <a:avLst/>
+          </a:prstGeom>
+          <a:ln>
+            <a:tailEnd type="arrow"/>
+          </a:ln>
+        </p:spPr>
+        <p:style>
+          <a:lnRef idx="2">
+            <a:schemeClr val="accent1"/>
+          </a:lnRef>
+          <a:fillRef idx="0">
+            <a:schemeClr val="accent1"/>
+          </a:fillRef>
+          <a:effectRef idx="1">
+            <a:schemeClr val="accent1"/>
+          </a:effectRef>
+          <a:fontRef idx="minor">
+            <a:schemeClr val="tx1"/>
+          </a:fontRef>
+        </p:style>
+      </p:cxnSp>
+      <p:cxnSp>
+        <p:nvCxnSpPr>
+          <p:cNvPr id="26" name="Connecteur droit avec flèche 25"/>
+          <p:cNvCxnSpPr>
+            <a:stCxn id="20" idx="3"/>
+            <a:endCxn id="11" idx="1"/>
+          </p:cNvCxnSpPr>
+          <p:nvPr/>
+        </p:nvCxnSpPr>
+        <p:spPr>
+          <a:xfrm rot="16200000" flipV="1">
+            <a:off x="6329358" y="2349617"/>
+            <a:ext cx="277276" cy="749300"/>
+          </a:xfrm>
+          <a:prstGeom prst="straightConnector1">
+            <a:avLst/>
+          </a:prstGeom>
+          <a:ln>
+            <a:tailEnd type="arrow"/>
+          </a:ln>
+        </p:spPr>
+        <p:style>
+          <a:lnRef idx="2">
+            <a:schemeClr val="accent1"/>
+          </a:lnRef>
+          <a:fillRef idx="0">
+            <a:schemeClr val="accent1"/>
+          </a:fillRef>
+          <a:effectRef idx="1">
+            <a:schemeClr val="accent1"/>
+          </a:effectRef>
+          <a:fontRef idx="minor">
+            <a:schemeClr val="tx1"/>
+          </a:fontRef>
+        </p:style>
+      </p:cxnSp>
+      <p:sp>
+        <p:nvSpPr>
+          <p:cNvPr id="32" name="ZoneTexte 31"/>
+          <p:cNvSpPr txBox="1"/>
+          <p:nvPr/>
+        </p:nvSpPr>
+        <p:spPr>
+          <a:xfrm>
+            <a:off x="510415" y="1930400"/>
+            <a:ext cx="1369185" cy="307777"/>
+          </a:xfrm>
+          <a:prstGeom prst="rect">
+            <a:avLst/>
+          </a:prstGeom>
+          <a:noFill/>
+        </p:spPr>
+        <p:txBody>
+          <a:bodyPr wrap="none" rtlCol="0">
+            <a:spAutoFit/>
+          </a:bodyPr>
+          <a:lstStyle/>
+          <a:p>
+            <a:pPr algn="r"/>
+            <a:r>
+              <a:rPr lang="fr-FR" dirty="0" err="1" smtClean="0">
+                <a:latin typeface="Consolas"/>
+                <a:cs typeface="Consolas"/>
+              </a:rPr>
+              <a:t>Requirements</a:t>
+            </a:r>
+            <a:endParaRPr lang="fr-FR" dirty="0">
+              <a:latin typeface="Consolas"/>
+              <a:cs typeface="Consolas"/>
+            </a:endParaRPr>
+          </a:p>
+        </p:txBody>
+      </p:sp>
+      <p:grpSp>
+        <p:nvGrpSpPr>
+          <p:cNvPr id="34" name="Grouper 33"/>
+          <p:cNvGrpSpPr/>
+          <p:nvPr/>
+        </p:nvGrpSpPr>
+        <p:grpSpPr>
+          <a:xfrm>
+            <a:off x="5822827" y="2070100"/>
+            <a:ext cx="1149472" cy="600164"/>
+            <a:chOff x="1923927" y="2984500"/>
+            <a:chExt cx="1149472" cy="600164"/>
+          </a:xfrm>
+        </p:grpSpPr>
+        <p:sp>
+          <p:nvSpPr>
+            <p:cNvPr id="30" name="ZoneTexte 29"/>
+            <p:cNvSpPr txBox="1"/>
+            <p:nvPr/>
+          </p:nvSpPr>
+          <p:spPr>
+            <a:xfrm>
+              <a:off x="2130286" y="2984500"/>
+              <a:ext cx="943113" cy="600164"/>
+            </a:xfrm>
+            <a:prstGeom prst="rect">
+              <a:avLst/>
+            </a:prstGeom>
+            <a:noFill/>
+          </p:spPr>
+          <p:txBody>
+            <a:bodyPr wrap="square" rtlCol="0">
+              <a:spAutoFit/>
+            </a:bodyPr>
+            <a:lstStyle/>
+            <a:p>
+              <a:pPr algn="r"/>
+              <a:r>
+                <a:rPr lang="fr-FR" sz="1100" dirty="0" smtClean="0">
+                  <a:latin typeface="Consolas"/>
+                  <a:cs typeface="Consolas"/>
+                </a:rPr>
+                <a:t>S</a:t>
+              </a:r>
+              <a:r>
+                <a:rPr lang="fr-FR" sz="1100" dirty="0" err="1" smtClean="0">
+                  <a:latin typeface="Consolas"/>
+                  <a:cs typeface="Consolas"/>
+                </a:rPr>
+                <a:t>ervice</a:t>
+              </a:r>
+              <a:r>
+                <a:rPr lang="fr-FR" sz="1100" dirty="0" smtClean="0">
+                  <a:latin typeface="Consolas"/>
+                  <a:cs typeface="Consolas"/>
+                </a:rPr>
+                <a:t>  </a:t>
+              </a:r>
+              <a:r>
+                <a:rPr lang="fr-FR" sz="1100" dirty="0" err="1" smtClean="0">
+                  <a:latin typeface="Consolas"/>
+                  <a:cs typeface="Consolas"/>
+                </a:rPr>
+                <a:t>Agreed</a:t>
+              </a:r>
+              <a:endParaRPr lang="fr-FR" sz="1100" dirty="0" smtClean="0">
+                <a:latin typeface="Consolas"/>
+                <a:cs typeface="Consolas"/>
+              </a:endParaRPr>
+            </a:p>
+            <a:p>
+              <a:pPr algn="r"/>
+              <a:r>
+                <a:rPr lang="fr-FR" sz="1100" dirty="0" smtClean="0">
+                  <a:latin typeface="Consolas"/>
+                  <a:cs typeface="Consolas"/>
+                </a:rPr>
+                <a:t>SLA</a:t>
+              </a:r>
+              <a:endParaRPr lang="fr-FR" sz="1100" dirty="0">
+                <a:latin typeface="Consolas"/>
+                <a:cs typeface="Consolas"/>
+              </a:endParaRPr>
+            </a:p>
+          </p:txBody>
+        </p:sp>
+        <p:pic>
+          <p:nvPicPr>
+            <p:cNvPr id="31" name="Image 30"/>
+            <p:cNvPicPr>
+              <a:picLocks noChangeAspect="1"/>
+            </p:cNvPicPr>
+            <p:nvPr/>
+          </p:nvPicPr>
+          <p:blipFill>
+            <a:blip r:embed="rId3">
+              <a:extLst/>
+            </a:blip>
+            <a:stretch>
+              <a:fillRect/>
+            </a:stretch>
+          </p:blipFill>
+          <p:spPr>
+            <a:xfrm rot="20779357" flipH="1">
+              <a:off x="1923927" y="3036617"/>
+              <a:ext cx="645145" cy="371238"/>
+            </a:xfrm>
+            <a:prstGeom prst="rect">
+              <a:avLst/>
+            </a:prstGeom>
+          </p:spPr>
+        </p:pic>
+      </p:grpSp>
+      <p:grpSp>
+        <p:nvGrpSpPr>
+          <p:cNvPr id="35" name="Grouper 34"/>
+          <p:cNvGrpSpPr/>
+          <p:nvPr/>
+        </p:nvGrpSpPr>
+        <p:grpSpPr>
+          <a:xfrm>
+            <a:off x="4378186" y="2374900"/>
+            <a:ext cx="1061086" cy="918655"/>
+            <a:chOff x="1507986" y="2489200"/>
+            <a:chExt cx="1061086" cy="918655"/>
+          </a:xfrm>
+        </p:grpSpPr>
+        <p:sp>
+          <p:nvSpPr>
+            <p:cNvPr id="36" name="ZoneTexte 35"/>
+            <p:cNvSpPr txBox="1"/>
+            <p:nvPr/>
+          </p:nvSpPr>
+          <p:spPr>
+            <a:xfrm>
+              <a:off x="1507986" y="2489200"/>
+              <a:ext cx="943113" cy="600164"/>
+            </a:xfrm>
+            <a:prstGeom prst="rect">
+              <a:avLst/>
+            </a:prstGeom>
+            <a:noFill/>
+          </p:spPr>
+          <p:txBody>
+            <a:bodyPr wrap="square" rtlCol="0">
+              <a:spAutoFit/>
+            </a:bodyPr>
+            <a:lstStyle/>
+            <a:p>
+              <a:pPr algn="r"/>
+              <a:r>
+                <a:rPr lang="fr-FR" sz="1100" dirty="0" smtClean="0">
+                  <a:latin typeface="Consolas"/>
+                  <a:cs typeface="Consolas"/>
+                </a:rPr>
+                <a:t>S</a:t>
+              </a:r>
+              <a:r>
+                <a:rPr lang="fr-FR" sz="1100" dirty="0" err="1" smtClean="0">
+                  <a:latin typeface="Consolas"/>
+                  <a:cs typeface="Consolas"/>
+                </a:rPr>
+                <a:t>ervice</a:t>
+              </a:r>
+              <a:r>
+                <a:rPr lang="fr-FR" sz="1100" dirty="0" smtClean="0">
+                  <a:latin typeface="Consolas"/>
+                  <a:cs typeface="Consolas"/>
+                </a:rPr>
+                <a:t>  </a:t>
+              </a:r>
+              <a:r>
+                <a:rPr lang="fr-FR" sz="1100" dirty="0" err="1" smtClean="0">
+                  <a:latin typeface="Consolas"/>
+                  <a:cs typeface="Consolas"/>
+                </a:rPr>
+                <a:t>Agreed</a:t>
+              </a:r>
+              <a:endParaRPr lang="fr-FR" sz="1100" dirty="0" smtClean="0">
+                <a:latin typeface="Consolas"/>
+                <a:cs typeface="Consolas"/>
+              </a:endParaRPr>
+            </a:p>
+            <a:p>
+              <a:pPr algn="r"/>
+              <a:r>
+                <a:rPr lang="fr-FR" sz="1100" dirty="0" smtClean="0">
+                  <a:latin typeface="Consolas"/>
+                  <a:cs typeface="Consolas"/>
+                </a:rPr>
+                <a:t>SLA</a:t>
+              </a:r>
+              <a:endParaRPr lang="fr-FR" sz="1100" dirty="0">
+                <a:latin typeface="Consolas"/>
+                <a:cs typeface="Consolas"/>
+              </a:endParaRPr>
+            </a:p>
+          </p:txBody>
+        </p:sp>
+        <p:pic>
+          <p:nvPicPr>
+            <p:cNvPr id="37" name="Image 36"/>
+            <p:cNvPicPr>
+              <a:picLocks noChangeAspect="1"/>
+            </p:cNvPicPr>
+            <p:nvPr/>
+          </p:nvPicPr>
+          <p:blipFill>
+            <a:blip r:embed="rId3">
+              <a:extLst/>
+            </a:blip>
+            <a:stretch>
+              <a:fillRect/>
+            </a:stretch>
+          </p:blipFill>
+          <p:spPr>
+            <a:xfrm rot="20779357" flipH="1">
+              <a:off x="1923927" y="3036617"/>
+              <a:ext cx="645145" cy="371238"/>
+            </a:xfrm>
+            <a:prstGeom prst="rect">
+              <a:avLst/>
+            </a:prstGeom>
+          </p:spPr>
+        </p:pic>
+      </p:grpSp>
+      <p:grpSp>
+        <p:nvGrpSpPr>
+          <p:cNvPr id="38" name="Grouper 37"/>
+          <p:cNvGrpSpPr/>
+          <p:nvPr/>
+        </p:nvGrpSpPr>
+        <p:grpSpPr>
+          <a:xfrm>
+            <a:off x="6749927" y="2540000"/>
+            <a:ext cx="1009772" cy="690055"/>
+            <a:chOff x="1923927" y="2717800"/>
+            <a:chExt cx="1009772" cy="690055"/>
+          </a:xfrm>
+        </p:grpSpPr>
+        <p:sp>
+          <p:nvSpPr>
+            <p:cNvPr id="39" name="ZoneTexte 38"/>
+            <p:cNvSpPr txBox="1"/>
+            <p:nvPr/>
+          </p:nvSpPr>
+          <p:spPr>
+            <a:xfrm>
+              <a:off x="1990586" y="2717800"/>
+              <a:ext cx="943113" cy="600164"/>
+            </a:xfrm>
+            <a:prstGeom prst="rect">
+              <a:avLst/>
+            </a:prstGeom>
+            <a:noFill/>
+          </p:spPr>
+          <p:txBody>
+            <a:bodyPr wrap="square" rtlCol="0">
+              <a:spAutoFit/>
+            </a:bodyPr>
+            <a:lstStyle/>
+            <a:p>
+              <a:pPr algn="r"/>
+              <a:r>
+                <a:rPr lang="fr-FR" sz="1100" dirty="0" smtClean="0">
+                  <a:latin typeface="Consolas"/>
+                  <a:cs typeface="Consolas"/>
+                </a:rPr>
+                <a:t>S</a:t>
+              </a:r>
+              <a:r>
+                <a:rPr lang="fr-FR" sz="1100" dirty="0" err="1" smtClean="0">
+                  <a:latin typeface="Consolas"/>
+                  <a:cs typeface="Consolas"/>
+                </a:rPr>
+                <a:t>ervice</a:t>
+              </a:r>
+              <a:r>
+                <a:rPr lang="fr-FR" sz="1100" dirty="0" smtClean="0">
+                  <a:latin typeface="Consolas"/>
+                  <a:cs typeface="Consolas"/>
+                </a:rPr>
+                <a:t>  </a:t>
+              </a:r>
+              <a:r>
+                <a:rPr lang="fr-FR" sz="1100" dirty="0" err="1" smtClean="0">
+                  <a:latin typeface="Consolas"/>
+                  <a:cs typeface="Consolas"/>
+                </a:rPr>
+                <a:t>Agreed</a:t>
+              </a:r>
+              <a:endParaRPr lang="fr-FR" sz="1100" dirty="0" smtClean="0">
+                <a:latin typeface="Consolas"/>
+                <a:cs typeface="Consolas"/>
+              </a:endParaRPr>
+            </a:p>
+            <a:p>
+              <a:pPr algn="r"/>
+              <a:r>
+                <a:rPr lang="fr-FR" sz="1100" dirty="0" smtClean="0">
+                  <a:latin typeface="Consolas"/>
+                  <a:cs typeface="Consolas"/>
+                </a:rPr>
+                <a:t>SLA</a:t>
+              </a:r>
+              <a:endParaRPr lang="fr-FR" sz="1100" dirty="0">
+                <a:latin typeface="Consolas"/>
+                <a:cs typeface="Consolas"/>
+              </a:endParaRPr>
+            </a:p>
+          </p:txBody>
+        </p:sp>
+        <p:pic>
+          <p:nvPicPr>
+            <p:cNvPr id="40" name="Image 39"/>
+            <p:cNvPicPr>
+              <a:picLocks noChangeAspect="1"/>
+            </p:cNvPicPr>
+            <p:nvPr/>
+          </p:nvPicPr>
+          <p:blipFill>
+            <a:blip r:embed="rId3">
+              <a:extLst/>
+            </a:blip>
+            <a:stretch>
+              <a:fillRect/>
+            </a:stretch>
+          </p:blipFill>
+          <p:spPr>
+            <a:xfrm rot="20779357" flipH="1">
+              <a:off x="1923927" y="3036617"/>
+              <a:ext cx="645145" cy="371238"/>
+            </a:xfrm>
+            <a:prstGeom prst="rect">
+              <a:avLst/>
+            </a:prstGeom>
+          </p:spPr>
+        </p:pic>
+      </p:grpSp>
+      <p:pic>
+        <p:nvPicPr>
+          <p:cNvPr id="41" name="Image 40" descr="user.png"/>
+          <p:cNvPicPr>
+            <a:picLocks noChangeAspect="1"/>
+          </p:cNvPicPr>
+          <p:nvPr/>
+        </p:nvPicPr>
+        <p:blipFill>
+          <a:blip r:embed="rId4"/>
+          <a:stretch>
+            <a:fillRect/>
+          </a:stretch>
+        </p:blipFill>
+        <p:spPr>
+          <a:xfrm>
+            <a:off x="552450" y="2501900"/>
+            <a:ext cx="774700" cy="774700"/>
+          </a:xfrm>
+          <a:prstGeom prst="rect">
+            <a:avLst/>
+          </a:prstGeom>
+        </p:spPr>
+      </p:pic>
+      <p:pic>
+        <p:nvPicPr>
+          <p:cNvPr id="42" name="Image 41" descr="satisfait"/>
+          <p:cNvPicPr>
+            <a:picLocks noChangeAspect="1"/>
+          </p:cNvPicPr>
+          <p:nvPr/>
+        </p:nvPicPr>
+        <p:blipFill>
+          <a:blip r:embed="rId5"/>
+          <a:stretch>
+            <a:fillRect/>
+          </a:stretch>
+        </p:blipFill>
+        <p:spPr>
+          <a:xfrm>
+            <a:off x="1689100" y="3073400"/>
+            <a:ext cx="495300" cy="495300"/>
+          </a:xfrm>
+          <a:prstGeom prst="rect">
+            <a:avLst/>
+          </a:prstGeom>
+        </p:spPr>
+      </p:pic>
+      <p:pic>
+        <p:nvPicPr>
+          <p:cNvPr id="44" name="Image 43" descr="graphisme-de-point-d-interrogation-14958676.jpg"/>
+          <p:cNvPicPr>
+            <a:picLocks noChangeAspect="1"/>
+          </p:cNvPicPr>
+          <p:nvPr/>
+        </p:nvPicPr>
+        <p:blipFill>
+          <a:blip r:embed="rId6"/>
+          <a:stretch>
+            <a:fillRect/>
+          </a:stretch>
+        </p:blipFill>
+        <p:spPr>
+          <a:xfrm>
+            <a:off x="2806883" y="2501900"/>
+            <a:ext cx="391964" cy="419100"/>
+          </a:xfrm>
+          <a:prstGeom prst="rect">
+            <a:avLst/>
+          </a:prstGeom>
+        </p:spPr>
+      </p:pic>
+      <p:pic>
+        <p:nvPicPr>
+          <p:cNvPr id="43" name="Image 42" descr="gif-peur-embarrasse.gif"/>
+          <p:cNvPicPr>
+            <a:picLocks noChangeAspect="1"/>
+          </p:cNvPicPr>
+          <p:nvPr/>
+        </p:nvPicPr>
+        <p:blipFill>
+          <a:blip r:embed="rId7"/>
+          <a:stretch>
+            <a:fillRect/>
+          </a:stretch>
+        </p:blipFill>
+        <p:spPr>
+          <a:xfrm flipH="1">
+            <a:off x="3784192" y="2438806"/>
+            <a:ext cx="406807" cy="405994"/>
+          </a:xfrm>
+          <a:prstGeom prst="rect">
+            <a:avLst/>
+          </a:prstGeom>
+        </p:spPr>
+      </p:pic>
+      <p:cxnSp>
+        <p:nvCxnSpPr>
+          <p:cNvPr id="6" name="Connecteur droit avec flèche 5"/>
+          <p:cNvCxnSpPr/>
+          <p:nvPr/>
+        </p:nvCxnSpPr>
+        <p:spPr>
+          <a:xfrm flipV="1">
+            <a:off x="1333500" y="2997200"/>
+            <a:ext cx="3352800" cy="25400"/>
+          </a:xfrm>
+          <a:prstGeom prst="straightConnector1">
+            <a:avLst/>
+          </a:prstGeom>
+          <a:ln>
+            <a:tailEnd type="arrow"/>
+          </a:ln>
+        </p:spPr>
+        <p:style>
+          <a:lnRef idx="2">
+            <a:schemeClr val="accent1"/>
+          </a:lnRef>
+          <a:fillRef idx="0">
+            <a:schemeClr val="accent1"/>
+          </a:fillRef>
+          <a:effectRef idx="1">
+            <a:schemeClr val="accent1"/>
+          </a:effectRef>
+          <a:fontRef idx="minor">
+            <a:schemeClr val="tx1"/>
+          </a:fontRef>
+        </p:style>
+      </p:cxnSp>
+      <p:sp>
+        <p:nvSpPr>
+          <p:cNvPr id="46" name="ZoneTexte 45"/>
+          <p:cNvSpPr txBox="1"/>
+          <p:nvPr/>
+        </p:nvSpPr>
+        <p:spPr>
+          <a:xfrm>
+            <a:off x="5019086" y="1828800"/>
+            <a:ext cx="797514" cy="523220"/>
+          </a:xfrm>
+          <a:prstGeom prst="rect">
+            <a:avLst/>
+          </a:prstGeom>
+          <a:noFill/>
+        </p:spPr>
+        <p:txBody>
+          <a:bodyPr wrap="none" rtlCol="0">
+            <a:spAutoFit/>
+          </a:bodyPr>
+          <a:lstStyle/>
+          <a:p>
+            <a:pPr algn="r"/>
+            <a:r>
+              <a:rPr lang="fr-FR" dirty="0" err="1" smtClean="0">
+                <a:latin typeface="Consolas"/>
+                <a:cs typeface="Consolas"/>
+              </a:rPr>
+              <a:t>Agreed</a:t>
+            </a:r>
+            <a:endParaRPr lang="fr-FR" dirty="0" smtClean="0">
+              <a:latin typeface="Consolas"/>
+              <a:cs typeface="Consolas"/>
+            </a:endParaRPr>
+          </a:p>
+          <a:p>
+            <a:pPr algn="r"/>
+            <a:r>
+              <a:rPr lang="fr-FR" dirty="0" smtClean="0">
+                <a:latin typeface="Consolas"/>
+                <a:cs typeface="Consolas"/>
+              </a:rPr>
+              <a:t>SLA</a:t>
+            </a:r>
+            <a:r>
+              <a:rPr lang="fr-FR" baseline="-25000" dirty="0" smtClean="0">
+                <a:latin typeface="Consolas"/>
+                <a:cs typeface="Consolas"/>
+              </a:rPr>
+              <a:t>1</a:t>
+            </a:r>
+            <a:endParaRPr lang="fr-FR" baseline="-25000" dirty="0">
+              <a:latin typeface="Consolas"/>
+              <a:cs typeface="Consolas"/>
+            </a:endParaRPr>
+          </a:p>
+        </p:txBody>
+      </p:sp>
+      <p:pic>
+        <p:nvPicPr>
+          <p:cNvPr id="47" name="Image 46"/>
+          <p:cNvPicPr>
+            <a:picLocks noChangeAspect="1"/>
+          </p:cNvPicPr>
+          <p:nvPr/>
+        </p:nvPicPr>
+        <p:blipFill>
+          <a:blip r:embed="rId3">
+            <a:duotone>
+              <a:schemeClr val="accent5">
+                <a:shade val="45000"/>
+                <a:satMod val="135000"/>
+              </a:schemeClr>
+              <a:prstClr val="white"/>
+            </a:duotone>
+            <a:extLst/>
+          </a:blip>
+          <a:stretch>
+            <a:fillRect/>
+          </a:stretch>
+        </p:blipFill>
+        <p:spPr>
+          <a:xfrm rot="20779357" flipH="1">
+            <a:off x="5156200" y="1388532"/>
+            <a:ext cx="1029949" cy="592667"/>
+          </a:xfrm>
+          <a:prstGeom prst="rect">
+            <a:avLst/>
+          </a:prstGeom>
+        </p:spPr>
+      </p:pic>
+      <p:pic>
+        <p:nvPicPr>
+          <p:cNvPr id="7" name="Image 6"/>
+          <p:cNvPicPr>
+            <a:picLocks noChangeAspect="1"/>
+          </p:cNvPicPr>
+          <p:nvPr/>
+        </p:nvPicPr>
+        <p:blipFill>
+          <a:blip r:embed="rId8"/>
+          <a:stretch>
+            <a:fillRect/>
+          </a:stretch>
+        </p:blipFill>
+        <p:spPr>
+          <a:xfrm>
+            <a:off x="1104900" y="2197100"/>
+            <a:ext cx="635000" cy="650000"/>
+          </a:xfrm>
+          <a:prstGeom prst="rect">
+            <a:avLst/>
+          </a:prstGeom>
+        </p:spPr>
+      </p:pic>
     </p:spTree>
     <p:extLst>
       <p:ext uri="{BB962C8B-B14F-4D97-AF65-F5344CB8AC3E}">
-        <p14:creationId xmlns:p14="http://schemas.microsoft.com/office/powerpoint/2010/main" val="2473982592"/>
+        <p14:creationId xmlns:p14="http://schemas.microsoft.com/office/powerpoint/2010/main" val="784974388"/>
       </p:ext>
     </p:extLst>
   </p:cSld>
   <p:clrMapOvr>
     <a:masterClrMapping/>
   </p:clrMapOvr>
-  <p:transition xmlns:p14="http://schemas.microsoft.com/office/powerpoint/2010/main" spd="slow">
-    <p:wipe/>
-  </p:transition>
   <p:timing>
     <p:tnLst>
       <p:par>
@@ -25924,7 +29706,7 @@
       </p:grpSpPr>
       <p:sp>
         <p:nvSpPr>
-          <p:cNvPr id="2" name="Titre 1"/>
+          <p:cNvPr id="3" name="Titre 2"/>
           <p:cNvSpPr>
             <a:spLocks noGrp="1"/>
           </p:cNvSpPr>
@@ -25938,16 +29720,16 @@
           <a:lstStyle/>
           <a:p>
             <a:r>
-              <a:rPr lang="fr-FR" dirty="0" err="1" smtClean="0"/>
-              <a:t>Roadmap</a:t>
-            </a:r>
-            <a:endParaRPr lang="fr-FR" dirty="0"/>
+              <a:rPr lang="en-GB" smtClean="0"/>
+              <a:t>Challenges</a:t>
+            </a:r>
+            <a:endParaRPr lang="en-GB"/>
           </a:p>
         </p:txBody>
       </p:sp>
       <p:sp>
         <p:nvSpPr>
-          <p:cNvPr id="3" name="Espace réservé du contenu 2"/>
+          <p:cNvPr id="34" name="Espace réservé du contenu 33"/>
           <p:cNvSpPr>
             <a:spLocks noGrp="1"/>
           </p:cNvSpPr>
@@ -25955,119 +29737,1433 @@
             <p:ph idx="1"/>
           </p:nvPr>
         </p:nvSpPr>
-        <p:spPr/>
+        <p:spPr>
+          <a:xfrm>
+            <a:off x="677195" y="4076700"/>
+            <a:ext cx="7806405" cy="800100"/>
+          </a:xfrm>
+          <a:ln>
+            <a:solidFill>
+              <a:srgbClr val="6C5054"/>
+            </a:solidFill>
+          </a:ln>
+        </p:spPr>
         <p:txBody>
           <a:bodyPr>
             <a:normAutofit/>
           </a:bodyPr>
           <a:lstStyle/>
           <a:p>
-            <a:r>
-              <a:rPr lang="fr-FR" sz="2000" dirty="0" smtClean="0"/>
-              <a:t>New challenges of data </a:t>
-            </a:r>
-            <a:r>
-              <a:rPr lang="fr-FR" sz="2000" dirty="0" err="1" smtClean="0"/>
-              <a:t>integration</a:t>
-            </a:r>
-            <a:r>
-              <a:rPr lang="fr-FR" sz="2000" dirty="0" smtClean="0"/>
-              <a:t> in the </a:t>
-            </a:r>
-            <a:r>
-              <a:rPr lang="fr-FR" sz="2000" dirty="0" err="1" smtClean="0"/>
-              <a:t>era</a:t>
-            </a:r>
-            <a:r>
-              <a:rPr lang="fr-FR" sz="2000" dirty="0" smtClean="0"/>
-              <a:t> of the </a:t>
-            </a:r>
-            <a:r>
-              <a:rPr lang="fr-FR" sz="2000" dirty="0" err="1" smtClean="0"/>
-              <a:t>clouds</a:t>
-            </a:r>
-            <a:endParaRPr lang="fr-FR" sz="2000" dirty="0" smtClean="0"/>
-          </a:p>
-          <a:p>
-            <a:r>
-              <a:rPr lang="fr-FR" sz="2000" dirty="0" smtClean="0"/>
-              <a:t>SLA </a:t>
-            </a:r>
-            <a:r>
-              <a:rPr lang="fr-FR" sz="2000" dirty="0" err="1" smtClean="0"/>
-              <a:t>guided</a:t>
-            </a:r>
-            <a:r>
-              <a:rPr lang="fr-FR" sz="2000" dirty="0" smtClean="0"/>
-              <a:t> data </a:t>
-            </a:r>
-            <a:r>
-              <a:rPr lang="fr-FR" sz="2000" dirty="0" err="1" smtClean="0"/>
-              <a:t>integration</a:t>
-            </a:r>
-            <a:r>
-              <a:rPr lang="fr-FR" sz="2000" dirty="0"/>
-              <a:t> </a:t>
-            </a:r>
-            <a:r>
-              <a:rPr lang="fr-FR" sz="2000" dirty="0" smtClean="0"/>
-              <a:t>as a service</a:t>
-            </a:r>
-          </a:p>
-          <a:p>
-            <a:pPr lvl="1"/>
-            <a:r>
-              <a:rPr lang="fr-FR" sz="1800" dirty="0" smtClean="0"/>
-              <a:t>SLA model</a:t>
-            </a:r>
-          </a:p>
-          <a:p>
-            <a:pPr lvl="1"/>
-            <a:r>
-              <a:rPr lang="fr-FR" sz="1800" dirty="0" err="1" smtClean="0"/>
-              <a:t>Query</a:t>
-            </a:r>
-            <a:r>
-              <a:rPr lang="fr-FR" sz="1800" dirty="0" smtClean="0"/>
-              <a:t> rewriting</a:t>
-            </a:r>
-          </a:p>
-          <a:p>
-            <a:r>
-              <a:rPr lang="fr-FR" sz="2000" dirty="0" smtClean="0"/>
-              <a:t>Conclusions and perspectives</a:t>
-            </a:r>
-            <a:endParaRPr lang="fr-FR" sz="2000" dirty="0"/>
+            <a:pPr marL="0" indent="0" algn="ctr">
+              <a:buNone/>
+            </a:pPr>
+            <a:r>
+              <a:rPr lang="en-GB" sz="1800" smtClean="0"/>
+              <a:t>Can my constraints be satisfyed? Which services shall I ask for?  </a:t>
+            </a:r>
+          </a:p>
+          <a:p>
+            <a:pPr marL="0" indent="0" algn="ctr">
+              <a:buNone/>
+            </a:pPr>
+            <a:r>
+              <a:rPr lang="en-GB" sz="1800" smtClean="0"/>
+              <a:t>How can ressources be saved for next query?</a:t>
+            </a:r>
+            <a:endParaRPr lang="en-GB" sz="1800"/>
           </a:p>
         </p:txBody>
       </p:sp>
       <p:sp>
         <p:nvSpPr>
-          <p:cNvPr id="4" name="Espace réservé du numéro de diapositive 3"/>
-          <p:cNvSpPr>
-            <a:spLocks noGrp="1"/>
+          <p:cNvPr id="5" name="Espace réservé du numéro de diapositive 3"/>
+          <p:cNvSpPr txBox="1">
+            <a:spLocks/>
           </p:cNvSpPr>
-          <p:nvPr>
-            <p:ph type="sldNum" sz="quarter" idx="12"/>
-          </p:nvPr>
+          <p:nvPr/>
         </p:nvSpPr>
-        <p:spPr/>
+        <p:spPr>
+          <a:xfrm>
+            <a:off x="8287025" y="4708403"/>
+            <a:ext cx="789381" cy="273844"/>
+          </a:xfrm>
+          <a:prstGeom prst="rect">
+            <a:avLst/>
+          </a:prstGeom>
+        </p:spPr>
         <p:txBody>
-          <a:bodyPr/>
+          <a:bodyPr vert="horz" lIns="68580" tIns="34290" rIns="68580" bIns="34290" rtlCol="0" anchor="ctr"/>
           <a:lstStyle/>
           <a:p>
+            <a:pPr marL="0" marR="0" lvl="0" indent="0" algn="r" defTabSz="685800" rtl="0" eaLnBrk="1" fontAlgn="auto" latinLnBrk="0" hangingPunct="1">
+              <a:lnSpc>
+                <a:spcPct val="100000"/>
+              </a:lnSpc>
+              <a:spcBef>
+                <a:spcPts val="0"/>
+              </a:spcBef>
+              <a:spcAft>
+                <a:spcPts val="0"/>
+              </a:spcAft>
+              <a:buClrTx/>
+              <a:buSzTx/>
+              <a:buFontTx/>
+              <a:buNone/>
+              <a:tabLst/>
+              <a:defRPr/>
+            </a:pPr>
             <a:fld id="{503914D5-4C05-48A0-975C-C97C98535A04}" type="slidenum">
-              <a:rPr lang="en-GB" smtClean="0"/>
+              <a:rPr kumimoji="0" lang="en-GB" sz="700" b="0" i="0" u="none" strike="noStrike" kern="1200" cap="none" spc="0" normalizeH="0" baseline="0" smtClean="0">
+                <a:ln>
+                  <a:noFill/>
+                </a:ln>
+                <a:solidFill>
+                  <a:schemeClr val="accent2"/>
+                </a:solidFill>
+                <a:effectLst/>
+                <a:uLnTx/>
+                <a:uFillTx/>
+                <a:latin typeface="+mn-lt"/>
+                <a:ea typeface="+mn-ea"/>
+                <a:cs typeface="+mn-cs"/>
+              </a:rPr>
+              <a:pPr marL="0" marR="0" lvl="0" indent="0" algn="r" defTabSz="685800" rtl="0" eaLnBrk="1" fontAlgn="auto" latinLnBrk="0" hangingPunct="1">
+                <a:lnSpc>
+                  <a:spcPct val="100000"/>
+                </a:lnSpc>
+                <a:spcBef>
+                  <a:spcPts val="0"/>
+                </a:spcBef>
+                <a:spcAft>
+                  <a:spcPts val="0"/>
+                </a:spcAft>
+                <a:buClrTx/>
+                <a:buSzTx/>
+                <a:buFontTx/>
+                <a:buNone/>
+                <a:tabLst/>
+                <a:defRPr/>
+              </a:pPr>
               <a:t>7</a:t>
             </a:fld>
-            <a:endParaRPr lang="en-GB"/>
+            <a:endParaRPr kumimoji="0" lang="en-GB" sz="700" b="0" i="0" u="none" strike="noStrike" kern="1200" cap="none" spc="0" normalizeH="0" baseline="0">
+              <a:ln>
+                <a:noFill/>
+              </a:ln>
+              <a:solidFill>
+                <a:schemeClr val="accent2"/>
+              </a:solidFill>
+              <a:effectLst/>
+              <a:uLnTx/>
+              <a:uFillTx/>
+              <a:latin typeface="+mn-lt"/>
+              <a:ea typeface="+mn-ea"/>
+              <a:cs typeface="+mn-cs"/>
+            </a:endParaRPr>
           </a:p>
         </p:txBody>
       </p:sp>
+      <p:pic>
+        <p:nvPicPr>
+          <p:cNvPr id="6" name="Image 5" descr="Service.ai"/>
+          <p:cNvPicPr>
+            <a:picLocks noChangeAspect="1"/>
+          </p:cNvPicPr>
+          <p:nvPr/>
+        </p:nvPicPr>
+        <p:blipFill>
+          <a:blip r:embed="rId2" cstate="print">
+            <a:extLst>
+              <a:ext uri="{28A0092B-C50C-407E-A947-70E740481C1C}">
+                <a14:useLocalDpi xmlns:a14="http://schemas.microsoft.com/office/drawing/2010/main" val="0"/>
+              </a:ext>
+            </a:extLst>
+          </a:blip>
+          <a:stretch>
+            <a:fillRect/>
+          </a:stretch>
+        </p:blipFill>
+        <p:spPr>
+          <a:xfrm rot="16200000" flipV="1">
+            <a:off x="5419184" y="2197622"/>
+            <a:ext cx="560924" cy="504832"/>
+          </a:xfrm>
+          <a:prstGeom prst="rect">
+            <a:avLst/>
+          </a:prstGeom>
+        </p:spPr>
+      </p:pic>
+      <p:sp>
+        <p:nvSpPr>
+          <p:cNvPr id="7" name="Rectangle 6"/>
+          <p:cNvSpPr/>
+          <p:nvPr/>
+        </p:nvSpPr>
+        <p:spPr>
+          <a:xfrm>
+            <a:off x="5689692" y="1669504"/>
+            <a:ext cx="1398991" cy="523220"/>
+          </a:xfrm>
+          <a:prstGeom prst="rect">
+            <a:avLst/>
+          </a:prstGeom>
+        </p:spPr>
+        <p:txBody>
+          <a:bodyPr wrap="none">
+            <a:spAutoFit/>
+          </a:bodyPr>
+          <a:lstStyle/>
+          <a:p>
+            <a:r>
+              <a:rPr lang="en-GB" smtClean="0"/>
+              <a:t>Energy provision </a:t>
+            </a:r>
+            <a:endParaRPr lang="en-GB" smtClean="0"/>
+          </a:p>
+          <a:p>
+            <a:r>
+              <a:rPr lang="en-GB" smtClean="0"/>
+              <a:t>Hub</a:t>
+            </a:r>
+            <a:endParaRPr lang="en-GB"/>
+          </a:p>
+        </p:txBody>
+      </p:sp>
+      <p:grpSp>
+        <p:nvGrpSpPr>
+          <p:cNvPr id="8" name="Grouper 7"/>
+          <p:cNvGrpSpPr/>
+          <p:nvPr/>
+        </p:nvGrpSpPr>
+        <p:grpSpPr>
+          <a:xfrm>
+            <a:off x="5130800" y="1104900"/>
+            <a:ext cx="3886200" cy="2057400"/>
+            <a:chOff x="1857254" y="1775741"/>
+            <a:chExt cx="2985679" cy="1700064"/>
+          </a:xfrm>
+        </p:grpSpPr>
+        <p:sp>
+          <p:nvSpPr>
+            <p:cNvPr id="9" name="Arc 8"/>
+            <p:cNvSpPr/>
+            <p:nvPr/>
+          </p:nvSpPr>
+          <p:spPr>
+            <a:xfrm rot="16492063">
+              <a:off x="2064987" y="2209791"/>
+              <a:ext cx="919931" cy="1335398"/>
+            </a:xfrm>
+            <a:prstGeom prst="arc">
+              <a:avLst>
+                <a:gd name="adj1" fmla="val 10488337"/>
+                <a:gd name="adj2" fmla="val 984161"/>
+              </a:avLst>
+            </a:prstGeom>
+            <a:ln w="28575" cmpd="sng">
+              <a:solidFill>
+                <a:schemeClr val="bg1">
+                  <a:lumMod val="85000"/>
+                </a:schemeClr>
+              </a:solidFill>
+            </a:ln>
+          </p:spPr>
+          <p:style>
+            <a:lnRef idx="2">
+              <a:schemeClr val="accent1"/>
+            </a:lnRef>
+            <a:fillRef idx="0">
+              <a:schemeClr val="accent1"/>
+            </a:fillRef>
+            <a:effectRef idx="1">
+              <a:schemeClr val="accent1"/>
+            </a:effectRef>
+            <a:fontRef idx="minor">
+              <a:schemeClr val="tx1"/>
+            </a:fontRef>
+          </p:style>
+          <p:txBody>
+            <a:bodyPr rtlCol="0" anchor="ctr"/>
+            <a:lstStyle/>
+            <a:p>
+              <a:pPr algn="ctr"/>
+              <a:endParaRPr lang="en-GB"/>
+            </a:p>
+          </p:txBody>
+        </p:sp>
+        <p:sp>
+          <p:nvSpPr>
+            <p:cNvPr id="10" name="Arc 9"/>
+            <p:cNvSpPr/>
+            <p:nvPr/>
+          </p:nvSpPr>
+          <p:spPr>
+            <a:xfrm rot="656295">
+              <a:off x="2698111" y="1775741"/>
+              <a:ext cx="1571555" cy="1700064"/>
+            </a:xfrm>
+            <a:prstGeom prst="arc">
+              <a:avLst>
+                <a:gd name="adj1" fmla="val 10430236"/>
+                <a:gd name="adj2" fmla="val 20928275"/>
+              </a:avLst>
+            </a:prstGeom>
+            <a:ln w="28575" cmpd="sng">
+              <a:solidFill>
+                <a:schemeClr val="bg1">
+                  <a:lumMod val="85000"/>
+                </a:schemeClr>
+              </a:solidFill>
+            </a:ln>
+          </p:spPr>
+          <p:style>
+            <a:lnRef idx="2">
+              <a:schemeClr val="accent1"/>
+            </a:lnRef>
+            <a:fillRef idx="0">
+              <a:schemeClr val="accent1"/>
+            </a:fillRef>
+            <a:effectRef idx="1">
+              <a:schemeClr val="accent1"/>
+            </a:effectRef>
+            <a:fontRef idx="minor">
+              <a:schemeClr val="tx1"/>
+            </a:fontRef>
+          </p:style>
+          <p:txBody>
+            <a:bodyPr rtlCol="0" anchor="ctr"/>
+            <a:lstStyle/>
+            <a:p>
+              <a:pPr algn="ctr"/>
+              <a:endParaRPr lang="en-GB"/>
+            </a:p>
+          </p:txBody>
+        </p:sp>
+        <p:sp>
+          <p:nvSpPr>
+            <p:cNvPr id="11" name="Arc 10"/>
+            <p:cNvSpPr/>
+            <p:nvPr/>
+          </p:nvSpPr>
+          <p:spPr>
+            <a:xfrm rot="5400000">
+              <a:off x="3907366" y="2374901"/>
+              <a:ext cx="905933" cy="965200"/>
+            </a:xfrm>
+            <a:prstGeom prst="arc">
+              <a:avLst>
+                <a:gd name="adj1" fmla="val 9926378"/>
+                <a:gd name="adj2" fmla="val 0"/>
+              </a:avLst>
+            </a:prstGeom>
+            <a:ln w="28575" cmpd="sng">
+              <a:solidFill>
+                <a:schemeClr val="bg1">
+                  <a:lumMod val="85000"/>
+                </a:schemeClr>
+              </a:solidFill>
+            </a:ln>
+          </p:spPr>
+          <p:style>
+            <a:lnRef idx="2">
+              <a:schemeClr val="accent1"/>
+            </a:lnRef>
+            <a:fillRef idx="0">
+              <a:schemeClr val="accent1"/>
+            </a:fillRef>
+            <a:effectRef idx="1">
+              <a:schemeClr val="accent1"/>
+            </a:effectRef>
+            <a:fontRef idx="minor">
+              <a:schemeClr val="tx1"/>
+            </a:fontRef>
+          </p:style>
+          <p:txBody>
+            <a:bodyPr rtlCol="0" anchor="ctr"/>
+            <a:lstStyle/>
+            <a:p>
+              <a:pPr algn="ctr"/>
+              <a:endParaRPr lang="en-GB"/>
+            </a:p>
+          </p:txBody>
+        </p:sp>
+        <p:cxnSp>
+          <p:nvCxnSpPr>
+            <p:cNvPr id="12" name="Connecteur droit 11"/>
+            <p:cNvCxnSpPr>
+              <a:stCxn id="9" idx="0"/>
+              <a:endCxn id="11" idx="2"/>
+            </p:cNvCxnSpPr>
+            <p:nvPr/>
+          </p:nvCxnSpPr>
+          <p:spPr>
+            <a:xfrm flipV="1">
+              <a:off x="2527581" y="3310468"/>
+              <a:ext cx="1832752" cy="27974"/>
+            </a:xfrm>
+            <a:prstGeom prst="line">
+              <a:avLst/>
+            </a:prstGeom>
+            <a:ln w="28575" cmpd="sng">
+              <a:solidFill>
+                <a:schemeClr val="bg1">
+                  <a:lumMod val="85000"/>
+                </a:schemeClr>
+              </a:solidFill>
+            </a:ln>
+          </p:spPr>
+          <p:style>
+            <a:lnRef idx="2">
+              <a:schemeClr val="accent1"/>
+            </a:lnRef>
+            <a:fillRef idx="0">
+              <a:schemeClr val="accent1"/>
+            </a:fillRef>
+            <a:effectRef idx="1">
+              <a:schemeClr val="accent1"/>
+            </a:effectRef>
+            <a:fontRef idx="minor">
+              <a:schemeClr val="tx1"/>
+            </a:fontRef>
+          </p:style>
+        </p:cxnSp>
+      </p:grpSp>
+      <p:pic>
+        <p:nvPicPr>
+          <p:cNvPr id="13" name="Image 12" descr="Service.ai"/>
+          <p:cNvPicPr>
+            <a:picLocks noChangeAspect="1"/>
+          </p:cNvPicPr>
+          <p:nvPr/>
+        </p:nvPicPr>
+        <p:blipFill>
+          <a:blip r:embed="rId2" cstate="print">
+            <a:extLst>
+              <a:ext uri="{28A0092B-C50C-407E-A947-70E740481C1C}">
+                <a14:useLocalDpi xmlns:a14="http://schemas.microsoft.com/office/drawing/2010/main" val="0"/>
+              </a:ext>
+            </a:extLst>
+          </a:blip>
+          <a:stretch>
+            <a:fillRect/>
+          </a:stretch>
+        </p:blipFill>
+        <p:spPr>
+          <a:xfrm rot="16200000" flipV="1">
+            <a:off x="4733384" y="3073922"/>
+            <a:ext cx="560924" cy="504832"/>
+          </a:xfrm>
+          <a:prstGeom prst="rect">
+            <a:avLst/>
+          </a:prstGeom>
+        </p:spPr>
+      </p:pic>
+      <p:pic>
+        <p:nvPicPr>
+          <p:cNvPr id="14" name="Image 13" descr="Service.ai"/>
+          <p:cNvPicPr>
+            <a:picLocks noChangeAspect="1"/>
+          </p:cNvPicPr>
+          <p:nvPr/>
+        </p:nvPicPr>
+        <p:blipFill>
+          <a:blip r:embed="rId2" cstate="print">
+            <a:extLst>
+              <a:ext uri="{28A0092B-C50C-407E-A947-70E740481C1C}">
+                <a14:useLocalDpi xmlns:a14="http://schemas.microsoft.com/office/drawing/2010/main" val="0"/>
+              </a:ext>
+            </a:extLst>
+          </a:blip>
+          <a:stretch>
+            <a:fillRect/>
+          </a:stretch>
+        </p:blipFill>
+        <p:spPr>
+          <a:xfrm rot="16200000" flipV="1">
+            <a:off x="5711284" y="3073922"/>
+            <a:ext cx="560924" cy="504832"/>
+          </a:xfrm>
+          <a:prstGeom prst="rect">
+            <a:avLst/>
+          </a:prstGeom>
+        </p:spPr>
+      </p:pic>
+      <p:pic>
+        <p:nvPicPr>
+          <p:cNvPr id="15" name="Image 14" descr="Service.ai"/>
+          <p:cNvPicPr>
+            <a:picLocks noChangeAspect="1"/>
+          </p:cNvPicPr>
+          <p:nvPr/>
+        </p:nvPicPr>
+        <p:blipFill>
+          <a:blip r:embed="rId2" cstate="print">
+            <a:extLst>
+              <a:ext uri="{28A0092B-C50C-407E-A947-70E740481C1C}">
+                <a14:useLocalDpi xmlns:a14="http://schemas.microsoft.com/office/drawing/2010/main" val="0"/>
+              </a:ext>
+            </a:extLst>
+          </a:blip>
+          <a:stretch>
+            <a:fillRect/>
+          </a:stretch>
+        </p:blipFill>
+        <p:spPr>
+          <a:xfrm rot="16200000" flipV="1">
+            <a:off x="7413084" y="1473722"/>
+            <a:ext cx="560924" cy="504832"/>
+          </a:xfrm>
+          <a:prstGeom prst="rect">
+            <a:avLst/>
+          </a:prstGeom>
+        </p:spPr>
+      </p:pic>
+      <p:cxnSp>
+        <p:nvCxnSpPr>
+          <p:cNvPr id="16" name="Connecteur droit avec flèche 15"/>
+          <p:cNvCxnSpPr>
+            <a:stCxn id="13" idx="3"/>
+            <a:endCxn id="6" idx="1"/>
+          </p:cNvCxnSpPr>
+          <p:nvPr/>
+        </p:nvCxnSpPr>
+        <p:spPr>
+          <a:xfrm rot="5400000" flipH="1" flipV="1">
+            <a:off x="5199058" y="2545288"/>
+            <a:ext cx="315376" cy="685800"/>
+          </a:xfrm>
+          <a:prstGeom prst="straightConnector1">
+            <a:avLst/>
+          </a:prstGeom>
+          <a:ln>
+            <a:tailEnd type="arrow"/>
+          </a:ln>
+        </p:spPr>
+        <p:style>
+          <a:lnRef idx="2">
+            <a:schemeClr val="accent1"/>
+          </a:lnRef>
+          <a:fillRef idx="0">
+            <a:schemeClr val="accent1"/>
+          </a:fillRef>
+          <a:effectRef idx="1">
+            <a:schemeClr val="accent1"/>
+          </a:effectRef>
+          <a:fontRef idx="minor">
+            <a:schemeClr val="tx1"/>
+          </a:fontRef>
+        </p:style>
+      </p:cxnSp>
+      <p:cxnSp>
+        <p:nvCxnSpPr>
+          <p:cNvPr id="17" name="Connecteur droit avec flèche 16"/>
+          <p:cNvCxnSpPr>
+            <a:stCxn id="14" idx="3"/>
+            <a:endCxn id="6" idx="1"/>
+          </p:cNvCxnSpPr>
+          <p:nvPr/>
+        </p:nvCxnSpPr>
+        <p:spPr>
+          <a:xfrm rot="16200000" flipV="1">
+            <a:off x="5688008" y="2742138"/>
+            <a:ext cx="315376" cy="292100"/>
+          </a:xfrm>
+          <a:prstGeom prst="straightConnector1">
+            <a:avLst/>
+          </a:prstGeom>
+          <a:ln>
+            <a:tailEnd type="arrow"/>
+          </a:ln>
+        </p:spPr>
+        <p:style>
+          <a:lnRef idx="2">
+            <a:schemeClr val="accent1"/>
+          </a:lnRef>
+          <a:fillRef idx="0">
+            <a:schemeClr val="accent1"/>
+          </a:fillRef>
+          <a:effectRef idx="1">
+            <a:schemeClr val="accent1"/>
+          </a:effectRef>
+          <a:fontRef idx="minor">
+            <a:schemeClr val="tx1"/>
+          </a:fontRef>
+        </p:style>
+      </p:cxnSp>
+      <p:cxnSp>
+        <p:nvCxnSpPr>
+          <p:cNvPr id="18" name="Connecteur droit avec flèche 17"/>
+          <p:cNvCxnSpPr>
+            <a:stCxn id="15" idx="2"/>
+            <a:endCxn id="6" idx="0"/>
+          </p:cNvCxnSpPr>
+          <p:nvPr/>
+        </p:nvCxnSpPr>
+        <p:spPr>
+          <a:xfrm flipH="1">
+            <a:off x="5952062" y="1726138"/>
+            <a:ext cx="1489068" cy="723900"/>
+          </a:xfrm>
+          <a:prstGeom prst="straightConnector1">
+            <a:avLst/>
+          </a:prstGeom>
+          <a:ln>
+            <a:tailEnd type="arrow"/>
+          </a:ln>
+        </p:spPr>
+        <p:style>
+          <a:lnRef idx="2">
+            <a:schemeClr val="accent1"/>
+          </a:lnRef>
+          <a:fillRef idx="0">
+            <a:schemeClr val="accent1"/>
+          </a:fillRef>
+          <a:effectRef idx="1">
+            <a:schemeClr val="accent1"/>
+          </a:effectRef>
+          <a:fontRef idx="minor">
+            <a:schemeClr val="tx1"/>
+          </a:fontRef>
+        </p:style>
+      </p:cxnSp>
+      <p:sp>
+        <p:nvSpPr>
+          <p:cNvPr id="19" name="ZoneTexte 18"/>
+          <p:cNvSpPr txBox="1"/>
+          <p:nvPr/>
+        </p:nvSpPr>
+        <p:spPr>
+          <a:xfrm>
+            <a:off x="4218986" y="1358900"/>
+            <a:ext cx="797514" cy="523220"/>
+          </a:xfrm>
+          <a:prstGeom prst="rect">
+            <a:avLst/>
+          </a:prstGeom>
+          <a:noFill/>
+        </p:spPr>
+        <p:txBody>
+          <a:bodyPr wrap="none" rtlCol="0">
+            <a:spAutoFit/>
+          </a:bodyPr>
+          <a:lstStyle/>
+          <a:p>
+            <a:pPr algn="r"/>
+            <a:r>
+              <a:rPr lang="en-GB" smtClean="0">
+                <a:latin typeface="Consolas"/>
+                <a:cs typeface="Consolas"/>
+              </a:rPr>
+              <a:t>Agreed</a:t>
+            </a:r>
+          </a:p>
+          <a:p>
+            <a:pPr algn="r"/>
+            <a:r>
+              <a:rPr lang="en-GB" smtClean="0">
+                <a:latin typeface="Consolas"/>
+                <a:cs typeface="Consolas"/>
+              </a:rPr>
+              <a:t>SLA</a:t>
+            </a:r>
+            <a:r>
+              <a:rPr lang="en-GB" baseline="-25000" smtClean="0">
+                <a:latin typeface="Consolas"/>
+                <a:cs typeface="Consolas"/>
+              </a:rPr>
+              <a:t>1</a:t>
+            </a:r>
+            <a:endParaRPr lang="en-GB" baseline="-25000">
+              <a:latin typeface="Consolas"/>
+              <a:cs typeface="Consolas"/>
+            </a:endParaRPr>
+          </a:p>
+        </p:txBody>
+      </p:sp>
+      <p:pic>
+        <p:nvPicPr>
+          <p:cNvPr id="20" name="Image 19"/>
+          <p:cNvPicPr>
+            <a:picLocks noChangeAspect="1"/>
+          </p:cNvPicPr>
+          <p:nvPr/>
+        </p:nvPicPr>
+        <p:blipFill>
+          <a:blip r:embed="rId3">
+            <a:duotone>
+              <a:schemeClr val="accent5">
+                <a:shade val="45000"/>
+                <a:satMod val="135000"/>
+              </a:schemeClr>
+              <a:prstClr val="white"/>
+            </a:duotone>
+            <a:extLst/>
+          </a:blip>
+          <a:stretch>
+            <a:fillRect/>
+          </a:stretch>
+        </p:blipFill>
+        <p:spPr>
+          <a:xfrm rot="20779357" flipH="1">
+            <a:off x="4635500" y="1553632"/>
+            <a:ext cx="1029949" cy="592667"/>
+          </a:xfrm>
+          <a:prstGeom prst="rect">
+            <a:avLst/>
+          </a:prstGeom>
+        </p:spPr>
+      </p:pic>
+      <p:grpSp>
+        <p:nvGrpSpPr>
+          <p:cNvPr id="21" name="Grouper 20"/>
+          <p:cNvGrpSpPr/>
+          <p:nvPr/>
+        </p:nvGrpSpPr>
+        <p:grpSpPr>
+          <a:xfrm>
+            <a:off x="4187686" y="2443571"/>
+            <a:ext cx="943113" cy="931355"/>
+            <a:chOff x="1749286" y="2476500"/>
+            <a:chExt cx="943113" cy="931355"/>
+          </a:xfrm>
+        </p:grpSpPr>
+        <p:sp>
+          <p:nvSpPr>
+            <p:cNvPr id="22" name="ZoneTexte 21"/>
+            <p:cNvSpPr txBox="1"/>
+            <p:nvPr/>
+          </p:nvSpPr>
+          <p:spPr>
+            <a:xfrm>
+              <a:off x="1749286" y="2476500"/>
+              <a:ext cx="943113" cy="600164"/>
+            </a:xfrm>
+            <a:prstGeom prst="rect">
+              <a:avLst/>
+            </a:prstGeom>
+            <a:noFill/>
+          </p:spPr>
+          <p:txBody>
+            <a:bodyPr wrap="square" rtlCol="0">
+              <a:spAutoFit/>
+            </a:bodyPr>
+            <a:lstStyle/>
+            <a:p>
+              <a:pPr algn="r"/>
+              <a:r>
+                <a:rPr lang="en-GB" sz="1100" smtClean="0">
+                  <a:latin typeface="Consolas"/>
+                  <a:cs typeface="Consolas"/>
+                </a:rPr>
+                <a:t>Service  Agreed</a:t>
+              </a:r>
+            </a:p>
+            <a:p>
+              <a:pPr algn="r"/>
+              <a:r>
+                <a:rPr lang="en-GB" sz="1100" smtClean="0">
+                  <a:latin typeface="Consolas"/>
+                  <a:cs typeface="Consolas"/>
+                </a:rPr>
+                <a:t>SLA</a:t>
+              </a:r>
+              <a:endParaRPr lang="en-GB" sz="1100">
+                <a:latin typeface="Consolas"/>
+                <a:cs typeface="Consolas"/>
+              </a:endParaRPr>
+            </a:p>
+          </p:txBody>
+        </p:sp>
+        <p:pic>
+          <p:nvPicPr>
+            <p:cNvPr id="23" name="Image 22"/>
+            <p:cNvPicPr>
+              <a:picLocks noChangeAspect="1"/>
+            </p:cNvPicPr>
+            <p:nvPr/>
+          </p:nvPicPr>
+          <p:blipFill>
+            <a:blip r:embed="rId3">
+              <a:extLst/>
+            </a:blip>
+            <a:stretch>
+              <a:fillRect/>
+            </a:stretch>
+          </p:blipFill>
+          <p:spPr>
+            <a:xfrm rot="20779357" flipH="1">
+              <a:off x="1923927" y="3036617"/>
+              <a:ext cx="645145" cy="371238"/>
+            </a:xfrm>
+            <a:prstGeom prst="rect">
+              <a:avLst/>
+            </a:prstGeom>
+          </p:spPr>
+        </p:pic>
+      </p:grpSp>
+      <p:grpSp>
+        <p:nvGrpSpPr>
+          <p:cNvPr id="24" name="Grouper 23"/>
+          <p:cNvGrpSpPr/>
+          <p:nvPr/>
+        </p:nvGrpSpPr>
+        <p:grpSpPr>
+          <a:xfrm>
+            <a:off x="5759327" y="2595971"/>
+            <a:ext cx="1009772" cy="690055"/>
+            <a:chOff x="1923927" y="2717800"/>
+            <a:chExt cx="1009772" cy="690055"/>
+          </a:xfrm>
+        </p:grpSpPr>
+        <p:sp>
+          <p:nvSpPr>
+            <p:cNvPr id="25" name="ZoneTexte 24"/>
+            <p:cNvSpPr txBox="1"/>
+            <p:nvPr/>
+          </p:nvSpPr>
+          <p:spPr>
+            <a:xfrm>
+              <a:off x="1990586" y="2717800"/>
+              <a:ext cx="943113" cy="600164"/>
+            </a:xfrm>
+            <a:prstGeom prst="rect">
+              <a:avLst/>
+            </a:prstGeom>
+            <a:noFill/>
+          </p:spPr>
+          <p:txBody>
+            <a:bodyPr wrap="square" rtlCol="0">
+              <a:spAutoFit/>
+            </a:bodyPr>
+            <a:lstStyle/>
+            <a:p>
+              <a:pPr algn="r"/>
+              <a:r>
+                <a:rPr lang="en-GB" sz="1100" smtClean="0">
+                  <a:latin typeface="Consolas"/>
+                  <a:cs typeface="Consolas"/>
+                </a:rPr>
+                <a:t>Service  Agreed</a:t>
+              </a:r>
+            </a:p>
+            <a:p>
+              <a:pPr algn="r"/>
+              <a:r>
+                <a:rPr lang="en-GB" sz="1100" smtClean="0">
+                  <a:latin typeface="Consolas"/>
+                  <a:cs typeface="Consolas"/>
+                </a:rPr>
+                <a:t>SLA</a:t>
+              </a:r>
+              <a:endParaRPr lang="en-GB" sz="1100">
+                <a:latin typeface="Consolas"/>
+                <a:cs typeface="Consolas"/>
+              </a:endParaRPr>
+            </a:p>
+          </p:txBody>
+        </p:sp>
+        <p:pic>
+          <p:nvPicPr>
+            <p:cNvPr id="26" name="Image 25"/>
+            <p:cNvPicPr>
+              <a:picLocks noChangeAspect="1"/>
+            </p:cNvPicPr>
+            <p:nvPr/>
+          </p:nvPicPr>
+          <p:blipFill>
+            <a:blip r:embed="rId3">
+              <a:extLst/>
+            </a:blip>
+            <a:stretch>
+              <a:fillRect/>
+            </a:stretch>
+          </p:blipFill>
+          <p:spPr>
+            <a:xfrm rot="20779357" flipH="1">
+              <a:off x="1923927" y="3036617"/>
+              <a:ext cx="645145" cy="371238"/>
+            </a:xfrm>
+            <a:prstGeom prst="rect">
+              <a:avLst/>
+            </a:prstGeom>
+          </p:spPr>
+        </p:pic>
+      </p:grpSp>
+      <p:grpSp>
+        <p:nvGrpSpPr>
+          <p:cNvPr id="27" name="Grouper 26"/>
+          <p:cNvGrpSpPr/>
+          <p:nvPr/>
+        </p:nvGrpSpPr>
+        <p:grpSpPr>
+          <a:xfrm>
+            <a:off x="6991227" y="1960971"/>
+            <a:ext cx="1009772" cy="690055"/>
+            <a:chOff x="1923927" y="2717800"/>
+            <a:chExt cx="1009772" cy="690055"/>
+          </a:xfrm>
+        </p:grpSpPr>
+        <p:sp>
+          <p:nvSpPr>
+            <p:cNvPr id="28" name="ZoneTexte 27"/>
+            <p:cNvSpPr txBox="1"/>
+            <p:nvPr/>
+          </p:nvSpPr>
+          <p:spPr>
+            <a:xfrm>
+              <a:off x="1990586" y="2717800"/>
+              <a:ext cx="943113" cy="600164"/>
+            </a:xfrm>
+            <a:prstGeom prst="rect">
+              <a:avLst/>
+            </a:prstGeom>
+            <a:noFill/>
+          </p:spPr>
+          <p:txBody>
+            <a:bodyPr wrap="square" rtlCol="0">
+              <a:spAutoFit/>
+            </a:bodyPr>
+            <a:lstStyle/>
+            <a:p>
+              <a:pPr algn="r"/>
+              <a:r>
+                <a:rPr lang="en-GB" sz="1100" smtClean="0">
+                  <a:latin typeface="Consolas"/>
+                  <a:cs typeface="Consolas"/>
+                </a:rPr>
+                <a:t>Service  Agreed</a:t>
+              </a:r>
+            </a:p>
+            <a:p>
+              <a:pPr algn="r"/>
+              <a:r>
+                <a:rPr lang="en-GB" sz="1100" smtClean="0">
+                  <a:latin typeface="Consolas"/>
+                  <a:cs typeface="Consolas"/>
+                </a:rPr>
+                <a:t>SLA</a:t>
+              </a:r>
+              <a:endParaRPr lang="en-GB" sz="1100">
+                <a:latin typeface="Consolas"/>
+                <a:cs typeface="Consolas"/>
+              </a:endParaRPr>
+            </a:p>
+          </p:txBody>
+        </p:sp>
+        <p:pic>
+          <p:nvPicPr>
+            <p:cNvPr id="29" name="Image 28"/>
+            <p:cNvPicPr>
+              <a:picLocks noChangeAspect="1"/>
+            </p:cNvPicPr>
+            <p:nvPr/>
+          </p:nvPicPr>
+          <p:blipFill>
+            <a:blip r:embed="rId3">
+              <a:extLst/>
+            </a:blip>
+            <a:stretch>
+              <a:fillRect/>
+            </a:stretch>
+          </p:blipFill>
+          <p:spPr>
+            <a:xfrm rot="20779357" flipH="1">
+              <a:off x="1923927" y="3036617"/>
+              <a:ext cx="645145" cy="371238"/>
+            </a:xfrm>
+            <a:prstGeom prst="rect">
+              <a:avLst/>
+            </a:prstGeom>
+          </p:spPr>
+        </p:pic>
+      </p:grpSp>
+      <p:pic>
+        <p:nvPicPr>
+          <p:cNvPr id="30" name="Image 29" descr="user.png"/>
+          <p:cNvPicPr>
+            <a:picLocks noChangeAspect="1"/>
+          </p:cNvPicPr>
+          <p:nvPr/>
+        </p:nvPicPr>
+        <p:blipFill>
+          <a:blip r:embed="rId4"/>
+          <a:stretch>
+            <a:fillRect/>
+          </a:stretch>
+        </p:blipFill>
+        <p:spPr>
+          <a:xfrm>
+            <a:off x="381000" y="2362200"/>
+            <a:ext cx="831850" cy="831850"/>
+          </a:xfrm>
+          <a:prstGeom prst="rect">
+            <a:avLst/>
+          </a:prstGeom>
+        </p:spPr>
+      </p:pic>
+      <p:pic>
+        <p:nvPicPr>
+          <p:cNvPr id="31" name="Image 30" descr="satisfait"/>
+          <p:cNvPicPr>
+            <a:picLocks noChangeAspect="1"/>
+          </p:cNvPicPr>
+          <p:nvPr/>
+        </p:nvPicPr>
+        <p:blipFill>
+          <a:blip r:embed="rId5"/>
+          <a:stretch>
+            <a:fillRect/>
+          </a:stretch>
+        </p:blipFill>
+        <p:spPr>
+          <a:xfrm>
+            <a:off x="1435100" y="2857500"/>
+            <a:ext cx="444500" cy="444500"/>
+          </a:xfrm>
+          <a:prstGeom prst="rect">
+            <a:avLst/>
+          </a:prstGeom>
+        </p:spPr>
+      </p:pic>
+      <p:pic>
+        <p:nvPicPr>
+          <p:cNvPr id="33" name="Image 32" descr="gif-peur-embarrasse.gif"/>
+          <p:cNvPicPr>
+            <a:picLocks noChangeAspect="1"/>
+          </p:cNvPicPr>
+          <p:nvPr/>
+        </p:nvPicPr>
+        <p:blipFill>
+          <a:blip r:embed="rId6"/>
+          <a:stretch>
+            <a:fillRect/>
+          </a:stretch>
+        </p:blipFill>
+        <p:spPr>
+          <a:xfrm flipH="1">
+            <a:off x="3580738" y="1803400"/>
+            <a:ext cx="330862" cy="330200"/>
+          </a:xfrm>
+          <a:prstGeom prst="rect">
+            <a:avLst/>
+          </a:prstGeom>
+        </p:spPr>
+      </p:pic>
+      <p:grpSp>
+        <p:nvGrpSpPr>
+          <p:cNvPr id="35" name="Grouper 34"/>
+          <p:cNvGrpSpPr/>
+          <p:nvPr/>
+        </p:nvGrpSpPr>
+        <p:grpSpPr>
+          <a:xfrm>
+            <a:off x="3530600" y="2133600"/>
+            <a:ext cx="4076700" cy="1803400"/>
+            <a:chOff x="1857254" y="1775741"/>
+            <a:chExt cx="2985679" cy="1700064"/>
+          </a:xfrm>
+        </p:grpSpPr>
+        <p:sp>
+          <p:nvSpPr>
+            <p:cNvPr id="36" name="Arc 35"/>
+            <p:cNvSpPr/>
+            <p:nvPr/>
+          </p:nvSpPr>
+          <p:spPr>
+            <a:xfrm rot="16492063">
+              <a:off x="2064987" y="2209791"/>
+              <a:ext cx="919931" cy="1335398"/>
+            </a:xfrm>
+            <a:prstGeom prst="arc">
+              <a:avLst>
+                <a:gd name="adj1" fmla="val 10488337"/>
+                <a:gd name="adj2" fmla="val 984161"/>
+              </a:avLst>
+            </a:prstGeom>
+            <a:ln w="28575" cmpd="sng">
+              <a:solidFill>
+                <a:schemeClr val="bg1">
+                  <a:lumMod val="85000"/>
+                </a:schemeClr>
+              </a:solidFill>
+            </a:ln>
+          </p:spPr>
+          <p:style>
+            <a:lnRef idx="2">
+              <a:schemeClr val="accent1"/>
+            </a:lnRef>
+            <a:fillRef idx="0">
+              <a:schemeClr val="accent1"/>
+            </a:fillRef>
+            <a:effectRef idx="1">
+              <a:schemeClr val="accent1"/>
+            </a:effectRef>
+            <a:fontRef idx="minor">
+              <a:schemeClr val="tx1"/>
+            </a:fontRef>
+          </p:style>
+          <p:txBody>
+            <a:bodyPr rtlCol="0" anchor="ctr"/>
+            <a:lstStyle/>
+            <a:p>
+              <a:pPr algn="ctr"/>
+              <a:endParaRPr lang="en-GB"/>
+            </a:p>
+          </p:txBody>
+        </p:sp>
+        <p:sp>
+          <p:nvSpPr>
+            <p:cNvPr id="37" name="Arc 36"/>
+            <p:cNvSpPr/>
+            <p:nvPr/>
+          </p:nvSpPr>
+          <p:spPr>
+            <a:xfrm rot="656295">
+              <a:off x="2698111" y="1775741"/>
+              <a:ext cx="1571555" cy="1700064"/>
+            </a:xfrm>
+            <a:prstGeom prst="arc">
+              <a:avLst>
+                <a:gd name="adj1" fmla="val 10430236"/>
+                <a:gd name="adj2" fmla="val 20928275"/>
+              </a:avLst>
+            </a:prstGeom>
+            <a:ln w="28575" cmpd="sng">
+              <a:solidFill>
+                <a:schemeClr val="bg1">
+                  <a:lumMod val="85000"/>
+                </a:schemeClr>
+              </a:solidFill>
+            </a:ln>
+          </p:spPr>
+          <p:style>
+            <a:lnRef idx="2">
+              <a:schemeClr val="accent1"/>
+            </a:lnRef>
+            <a:fillRef idx="0">
+              <a:schemeClr val="accent1"/>
+            </a:fillRef>
+            <a:effectRef idx="1">
+              <a:schemeClr val="accent1"/>
+            </a:effectRef>
+            <a:fontRef idx="minor">
+              <a:schemeClr val="tx1"/>
+            </a:fontRef>
+          </p:style>
+          <p:txBody>
+            <a:bodyPr rtlCol="0" anchor="ctr"/>
+            <a:lstStyle/>
+            <a:p>
+              <a:pPr algn="ctr"/>
+              <a:endParaRPr lang="en-GB"/>
+            </a:p>
+          </p:txBody>
+        </p:sp>
+        <p:sp>
+          <p:nvSpPr>
+            <p:cNvPr id="38" name="Arc 37"/>
+            <p:cNvSpPr/>
+            <p:nvPr/>
+          </p:nvSpPr>
+          <p:spPr>
+            <a:xfrm rot="5400000">
+              <a:off x="3907366" y="2374901"/>
+              <a:ext cx="905933" cy="965200"/>
+            </a:xfrm>
+            <a:prstGeom prst="arc">
+              <a:avLst>
+                <a:gd name="adj1" fmla="val 9926378"/>
+                <a:gd name="adj2" fmla="val 0"/>
+              </a:avLst>
+            </a:prstGeom>
+            <a:ln w="28575" cmpd="sng">
+              <a:solidFill>
+                <a:schemeClr val="bg1">
+                  <a:lumMod val="85000"/>
+                </a:schemeClr>
+              </a:solidFill>
+            </a:ln>
+          </p:spPr>
+          <p:style>
+            <a:lnRef idx="2">
+              <a:schemeClr val="accent1"/>
+            </a:lnRef>
+            <a:fillRef idx="0">
+              <a:schemeClr val="accent1"/>
+            </a:fillRef>
+            <a:effectRef idx="1">
+              <a:schemeClr val="accent1"/>
+            </a:effectRef>
+            <a:fontRef idx="minor">
+              <a:schemeClr val="tx1"/>
+            </a:fontRef>
+          </p:style>
+          <p:txBody>
+            <a:bodyPr rtlCol="0" anchor="ctr"/>
+            <a:lstStyle/>
+            <a:p>
+              <a:pPr algn="ctr"/>
+              <a:endParaRPr lang="en-GB"/>
+            </a:p>
+          </p:txBody>
+        </p:sp>
+        <p:cxnSp>
+          <p:nvCxnSpPr>
+            <p:cNvPr id="39" name="Connecteur droit 38"/>
+            <p:cNvCxnSpPr>
+              <a:stCxn id="36" idx="0"/>
+              <a:endCxn id="38" idx="2"/>
+            </p:cNvCxnSpPr>
+            <p:nvPr/>
+          </p:nvCxnSpPr>
+          <p:spPr>
+            <a:xfrm flipV="1">
+              <a:off x="2527581" y="3310468"/>
+              <a:ext cx="1832752" cy="27974"/>
+            </a:xfrm>
+            <a:prstGeom prst="line">
+              <a:avLst/>
+            </a:prstGeom>
+            <a:ln w="28575" cmpd="sng">
+              <a:solidFill>
+                <a:schemeClr val="bg1">
+                  <a:lumMod val="85000"/>
+                </a:schemeClr>
+              </a:solidFill>
+            </a:ln>
+          </p:spPr>
+          <p:style>
+            <a:lnRef idx="2">
+              <a:schemeClr val="accent1"/>
+            </a:lnRef>
+            <a:fillRef idx="0">
+              <a:schemeClr val="accent1"/>
+            </a:fillRef>
+            <a:effectRef idx="1">
+              <a:schemeClr val="accent1"/>
+            </a:effectRef>
+            <a:fontRef idx="minor">
+              <a:schemeClr val="tx1"/>
+            </a:fontRef>
+          </p:style>
+        </p:cxnSp>
+      </p:grpSp>
+      <p:sp>
+        <p:nvSpPr>
+          <p:cNvPr id="56" name="ZoneTexte 55"/>
+          <p:cNvSpPr txBox="1"/>
+          <p:nvPr/>
+        </p:nvSpPr>
+        <p:spPr>
+          <a:xfrm>
+            <a:off x="3215686" y="2501900"/>
+            <a:ext cx="797514" cy="523220"/>
+          </a:xfrm>
+          <a:prstGeom prst="rect">
+            <a:avLst/>
+          </a:prstGeom>
+          <a:noFill/>
+        </p:spPr>
+        <p:txBody>
+          <a:bodyPr wrap="none" rtlCol="0">
+            <a:spAutoFit/>
+          </a:bodyPr>
+          <a:lstStyle/>
+          <a:p>
+            <a:pPr algn="r"/>
+            <a:r>
+              <a:rPr lang="en-GB" smtClean="0">
+                <a:latin typeface="Consolas"/>
+                <a:cs typeface="Consolas"/>
+              </a:rPr>
+              <a:t>Agreed</a:t>
+            </a:r>
+          </a:p>
+          <a:p>
+            <a:pPr algn="r"/>
+            <a:r>
+              <a:rPr lang="en-GB" smtClean="0">
+                <a:latin typeface="Consolas"/>
+                <a:cs typeface="Consolas"/>
+              </a:rPr>
+              <a:t>SLA</a:t>
+            </a:r>
+            <a:r>
+              <a:rPr lang="en-GB" baseline="-25000" smtClean="0">
+                <a:latin typeface="Consolas"/>
+                <a:cs typeface="Consolas"/>
+              </a:rPr>
+              <a:t>2</a:t>
+            </a:r>
+            <a:endParaRPr lang="en-GB" baseline="-25000">
+              <a:latin typeface="Consolas"/>
+              <a:cs typeface="Consolas"/>
+            </a:endParaRPr>
+          </a:p>
+        </p:txBody>
+      </p:sp>
+      <p:pic>
+        <p:nvPicPr>
+          <p:cNvPr id="57" name="Image 56"/>
+          <p:cNvPicPr>
+            <a:picLocks noChangeAspect="1"/>
+          </p:cNvPicPr>
+          <p:nvPr/>
+        </p:nvPicPr>
+        <p:blipFill>
+          <a:blip r:embed="rId3">
+            <a:duotone>
+              <a:schemeClr val="accent3">
+                <a:shade val="45000"/>
+                <a:satMod val="135000"/>
+              </a:schemeClr>
+              <a:prstClr val="white"/>
+            </a:duotone>
+            <a:extLst/>
+          </a:blip>
+          <a:stretch>
+            <a:fillRect/>
+          </a:stretch>
+        </p:blipFill>
+        <p:spPr>
+          <a:xfrm rot="20779357" flipH="1">
+            <a:off x="2794000" y="2747431"/>
+            <a:ext cx="1029949" cy="592667"/>
+          </a:xfrm>
+          <a:prstGeom prst="rect">
+            <a:avLst/>
+          </a:prstGeom>
+        </p:spPr>
+      </p:pic>
+      <p:pic>
+        <p:nvPicPr>
+          <p:cNvPr id="50" name="Image 49"/>
+          <p:cNvPicPr>
+            <a:picLocks noChangeAspect="1"/>
+          </p:cNvPicPr>
+          <p:nvPr/>
+        </p:nvPicPr>
+        <p:blipFill>
+          <a:blip r:embed="rId7"/>
+          <a:stretch>
+            <a:fillRect/>
+          </a:stretch>
+        </p:blipFill>
+        <p:spPr>
+          <a:xfrm>
+            <a:off x="1104900" y="2197100"/>
+            <a:ext cx="635000" cy="650000"/>
+          </a:xfrm>
+          <a:prstGeom prst="rect">
+            <a:avLst/>
+          </a:prstGeom>
+        </p:spPr>
+      </p:pic>
+      <p:cxnSp>
+        <p:nvCxnSpPr>
+          <p:cNvPr id="43" name="Connecteur droit avec flèche 42"/>
+          <p:cNvCxnSpPr>
+            <a:stCxn id="55" idx="0"/>
+          </p:cNvCxnSpPr>
+          <p:nvPr/>
+        </p:nvCxnSpPr>
+        <p:spPr>
+          <a:xfrm flipV="1">
+            <a:off x="3104174" y="2082800"/>
+            <a:ext cx="1632926" cy="184780"/>
+          </a:xfrm>
+          <a:prstGeom prst="straightConnector1">
+            <a:avLst/>
+          </a:prstGeom>
+          <a:ln>
+            <a:tailEnd type="arrow"/>
+          </a:ln>
+        </p:spPr>
+        <p:style>
+          <a:lnRef idx="2">
+            <a:schemeClr val="accent1"/>
+          </a:lnRef>
+          <a:fillRef idx="0">
+            <a:schemeClr val="accent1"/>
+          </a:fillRef>
+          <a:effectRef idx="1">
+            <a:schemeClr val="accent1"/>
+          </a:effectRef>
+          <a:fontRef idx="minor">
+            <a:schemeClr val="tx1"/>
+          </a:fontRef>
+        </p:style>
+      </p:cxnSp>
+      <p:cxnSp>
+        <p:nvCxnSpPr>
+          <p:cNvPr id="53" name="Connecteur droit avec flèche 52"/>
+          <p:cNvCxnSpPr>
+            <a:stCxn id="55" idx="0"/>
+            <a:endCxn id="22" idx="1"/>
+          </p:cNvCxnSpPr>
+          <p:nvPr/>
+        </p:nvCxnSpPr>
+        <p:spPr>
+          <a:xfrm>
+            <a:off x="3104174" y="2267580"/>
+            <a:ext cx="1083512" cy="476073"/>
+          </a:xfrm>
+          <a:prstGeom prst="straightConnector1">
+            <a:avLst/>
+          </a:prstGeom>
+          <a:ln>
+            <a:tailEnd type="arrow"/>
+          </a:ln>
+        </p:spPr>
+        <p:style>
+          <a:lnRef idx="2">
+            <a:schemeClr val="accent1"/>
+          </a:lnRef>
+          <a:fillRef idx="0">
+            <a:schemeClr val="accent1"/>
+          </a:fillRef>
+          <a:effectRef idx="1">
+            <a:schemeClr val="accent1"/>
+          </a:effectRef>
+          <a:fontRef idx="minor">
+            <a:schemeClr val="tx1"/>
+          </a:fontRef>
+        </p:style>
+      </p:cxnSp>
+      <p:pic>
+        <p:nvPicPr>
+          <p:cNvPr id="55" name="Image 54" descr="images-2.jpeg"/>
+          <p:cNvPicPr>
+            <a:picLocks noChangeAspect="1"/>
+          </p:cNvPicPr>
+          <p:nvPr/>
+        </p:nvPicPr>
+        <p:blipFill>
+          <a:blip r:embed="rId8">
+            <a:extLst>
+              <a:ext uri="{28A0092B-C50C-407E-A947-70E740481C1C}">
+                <a14:useLocalDpi xmlns:a14="http://schemas.microsoft.com/office/drawing/2010/main" val="0"/>
+              </a:ext>
+            </a:extLst>
+          </a:blip>
+          <a:stretch>
+            <a:fillRect/>
+          </a:stretch>
+        </p:blipFill>
+        <p:spPr>
+          <a:xfrm rot="4587590">
+            <a:off x="2096762" y="1726640"/>
+            <a:ext cx="641475" cy="1412610"/>
+          </a:xfrm>
+          <a:prstGeom prst="rect">
+            <a:avLst/>
+          </a:prstGeom>
+        </p:spPr>
+      </p:pic>
     </p:spTree>
     <p:extLst>
       <p:ext uri="{BB962C8B-B14F-4D97-AF65-F5344CB8AC3E}">
-        <p14:creationId xmlns:p14="http://schemas.microsoft.com/office/powerpoint/2010/main" val="2648582231"/>
+        <p14:creationId xmlns:p14="http://schemas.microsoft.com/office/powerpoint/2010/main" val="3444209965"/>
       </p:ext>
     </p:extLst>
   </p:cSld>
@@ -26103,7 +31199,7 @@
       </p:grpSpPr>
       <p:sp>
         <p:nvSpPr>
-          <p:cNvPr id="2" name="Titre 1"/>
+          <p:cNvPr id="2" name="1 Título"/>
           <p:cNvSpPr>
             <a:spLocks noGrp="1"/>
           </p:cNvSpPr>
@@ -26117,20 +31213,65 @@
           <a:lstStyle/>
           <a:p>
             <a:r>
-              <a:rPr lang="fr-FR" dirty="0" smtClean="0"/>
-              <a:t>General </a:t>
-            </a:r>
-            <a:r>
-              <a:rPr lang="fr-FR" dirty="0" err="1" smtClean="0"/>
-              <a:t>approach</a:t>
-            </a:r>
-            <a:endParaRPr lang="fr-FR" dirty="0"/>
+              <a:rPr lang="es-MX" dirty="0" smtClean="0"/>
+              <a:t>objectives</a:t>
+            </a:r>
+            <a:endParaRPr lang="es-MX" dirty="0"/>
           </a:p>
         </p:txBody>
       </p:sp>
       <p:sp>
         <p:nvSpPr>
-          <p:cNvPr id="3" name="Espace réservé du numéro de diapositive 2"/>
+          <p:cNvPr id="3" name="2 Marcador de contenido"/>
+          <p:cNvSpPr>
+            <a:spLocks noGrp="1"/>
+          </p:cNvSpPr>
+          <p:nvPr>
+            <p:ph idx="1"/>
+          </p:nvPr>
+        </p:nvSpPr>
+        <p:spPr/>
+        <p:txBody>
+          <a:bodyPr>
+            <a:normAutofit/>
+          </a:bodyPr>
+          <a:lstStyle/>
+          <a:p>
+            <a:pPr marL="0" indent="0">
+              <a:buNone/>
+            </a:pPr>
+            <a:r>
+              <a:rPr lang="es-MX" sz="1800" dirty="0" smtClean="0"/>
+              <a:t>Propose an SLA guided continuous data integration and provision system as a DaaS  </a:t>
+            </a:r>
+          </a:p>
+          <a:p>
+            <a:pPr lvl="1"/>
+            <a:r>
+              <a:rPr lang="es-MX" sz="1600" dirty="0" smtClean="0"/>
+              <a:t>Integrated SLA computation out of the Data agreed SLA</a:t>
+            </a:r>
+          </a:p>
+          <a:p>
+            <a:pPr lvl="1"/>
+            <a:r>
+              <a:rPr lang="es-MX" sz="1600" dirty="0" smtClean="0"/>
+              <a:t>Optimized and adaptable data collection, query rewriting and integration according to user preferences</a:t>
+            </a:r>
+          </a:p>
+          <a:p>
+            <a:pPr lvl="1"/>
+            <a:r>
+              <a:rPr lang="es-MX" sz="1600" dirty="0" smtClean="0"/>
+              <a:t>Learning based data integration mechanisms</a:t>
+            </a:r>
+            <a:endParaRPr lang="es-MX" sz="1600" dirty="0"/>
+          </a:p>
+        </p:txBody>
+      </p:sp>
+      <p:sp>
+        <p:nvSpPr>
+          <p:cNvPr id="5" name="Espace réservé du numéro de diapositive 4"/>
           <p:cNvSpPr>
             <a:spLocks noGrp="1"/>
           </p:cNvSpPr>
@@ -26143,1293 +31284,27 @@
           <a:bodyPr/>
           <a:lstStyle/>
           <a:p>
-            <a:fld id="{503914D5-4C05-48A0-975C-C97C98535A04}" type="slidenum">
-              <a:rPr lang="en-GB" smtClean="0"/>
+            <a:fld id="{9641D703-76A2-4767-AC01-55DB2BFA04C0}" type="slidenum">
+              <a:rPr lang="es-MX" smtClean="0"/>
               <a:t>8</a:t>
             </a:fld>
-            <a:endParaRPr lang="en-GB"/>
-          </a:p>
-        </p:txBody>
-      </p:sp>
-      <p:sp>
-        <p:nvSpPr>
-          <p:cNvPr id="4" name="Signalisation droite 3"/>
-          <p:cNvSpPr/>
-          <p:nvPr/>
-        </p:nvSpPr>
-        <p:spPr>
-          <a:xfrm>
-            <a:off x="1230931" y="1905000"/>
-            <a:ext cx="1423370" cy="419100"/>
-          </a:xfrm>
-          <a:prstGeom prst="homePlate">
-            <a:avLst/>
-          </a:prstGeom>
-        </p:spPr>
-        <p:style>
-          <a:lnRef idx="1">
-            <a:schemeClr val="accent1"/>
-          </a:lnRef>
-          <a:fillRef idx="3">
-            <a:schemeClr val="accent1"/>
-          </a:fillRef>
-          <a:effectRef idx="2">
-            <a:schemeClr val="accent1"/>
-          </a:effectRef>
-          <a:fontRef idx="minor">
-            <a:schemeClr val="lt1"/>
-          </a:fontRef>
-        </p:style>
-        <p:txBody>
-          <a:bodyPr rtlCol="0" anchor="ctr"/>
-          <a:lstStyle/>
-          <a:p>
-            <a:pPr algn="ctr"/>
-            <a:r>
-              <a:rPr lang="fr-FR" dirty="0" smtClean="0">
-                <a:latin typeface="Consolas"/>
-                <a:cs typeface="Consolas"/>
-              </a:rPr>
-              <a:t>SLA </a:t>
-            </a:r>
-            <a:r>
-              <a:rPr lang="fr-FR" dirty="0" err="1" smtClean="0">
-                <a:latin typeface="Consolas"/>
-                <a:cs typeface="Consolas"/>
-              </a:rPr>
-              <a:t>derivation</a:t>
-            </a:r>
-            <a:endParaRPr lang="fr-FR" dirty="0">
-              <a:latin typeface="Consolas"/>
-              <a:cs typeface="Consolas"/>
-            </a:endParaRPr>
-          </a:p>
-        </p:txBody>
-      </p:sp>
-      <p:sp>
-        <p:nvSpPr>
-          <p:cNvPr id="5" name="Signalisation droite 4"/>
-          <p:cNvSpPr/>
-          <p:nvPr/>
-        </p:nvSpPr>
-        <p:spPr>
-          <a:xfrm>
-            <a:off x="3513612" y="1917700"/>
-            <a:ext cx="1718788" cy="419100"/>
-          </a:xfrm>
-          <a:prstGeom prst="homePlate">
-            <a:avLst/>
-          </a:prstGeom>
-        </p:spPr>
-        <p:style>
-          <a:lnRef idx="1">
-            <a:schemeClr val="accent1"/>
-          </a:lnRef>
-          <a:fillRef idx="3">
-            <a:schemeClr val="accent1"/>
-          </a:fillRef>
-          <a:effectRef idx="2">
-            <a:schemeClr val="accent1"/>
-          </a:effectRef>
-          <a:fontRef idx="minor">
-            <a:schemeClr val="lt1"/>
-          </a:fontRef>
-        </p:style>
-        <p:txBody>
-          <a:bodyPr rtlCol="0" anchor="ctr"/>
-          <a:lstStyle/>
-          <a:p>
-            <a:pPr algn="ctr"/>
-            <a:r>
-              <a:rPr lang="fr-FR" dirty="0" smtClean="0">
-                <a:latin typeface="Consolas"/>
-                <a:cs typeface="Consolas"/>
-              </a:rPr>
-              <a:t>Service composition</a:t>
-            </a:r>
-            <a:endParaRPr lang="fr-FR" dirty="0">
-              <a:latin typeface="Consolas"/>
-              <a:cs typeface="Consolas"/>
-            </a:endParaRPr>
-          </a:p>
-        </p:txBody>
-      </p:sp>
-      <p:sp>
-        <p:nvSpPr>
-          <p:cNvPr id="6" name="Signalisation droite 5"/>
-          <p:cNvSpPr/>
-          <p:nvPr/>
-        </p:nvSpPr>
-        <p:spPr>
-          <a:xfrm>
-            <a:off x="5964712" y="1930400"/>
-            <a:ext cx="1718788" cy="419100"/>
-          </a:xfrm>
-          <a:prstGeom prst="homePlate">
-            <a:avLst/>
-          </a:prstGeom>
-        </p:spPr>
-        <p:style>
-          <a:lnRef idx="1">
-            <a:schemeClr val="accent1"/>
-          </a:lnRef>
-          <a:fillRef idx="3">
-            <a:schemeClr val="accent1"/>
-          </a:fillRef>
-          <a:effectRef idx="2">
-            <a:schemeClr val="accent1"/>
-          </a:effectRef>
-          <a:fontRef idx="minor">
-            <a:schemeClr val="lt1"/>
-          </a:fontRef>
-        </p:style>
-        <p:txBody>
-          <a:bodyPr rtlCol="0" anchor="ctr"/>
-          <a:lstStyle/>
-          <a:p>
-            <a:pPr algn="ctr"/>
-            <a:r>
-              <a:rPr lang="fr-FR" dirty="0" err="1" smtClean="0">
-                <a:latin typeface="Consolas"/>
-                <a:cs typeface="Consolas"/>
-              </a:rPr>
-              <a:t>Query</a:t>
-            </a:r>
-            <a:r>
-              <a:rPr lang="fr-FR" dirty="0" smtClean="0">
-                <a:latin typeface="Consolas"/>
-                <a:cs typeface="Consolas"/>
-              </a:rPr>
-              <a:t> </a:t>
-            </a:r>
-            <a:r>
-              <a:rPr lang="fr-FR" dirty="0" err="1" smtClean="0">
-                <a:latin typeface="Consolas"/>
-                <a:cs typeface="Consolas"/>
-              </a:rPr>
-              <a:t>evaluation</a:t>
-            </a:r>
-            <a:endParaRPr lang="fr-FR" dirty="0">
-              <a:latin typeface="Consolas"/>
-              <a:cs typeface="Consolas"/>
-            </a:endParaRPr>
-          </a:p>
-        </p:txBody>
-      </p:sp>
-      <p:sp>
-        <p:nvSpPr>
-          <p:cNvPr id="7" name="Signalisation droite 6"/>
-          <p:cNvSpPr/>
-          <p:nvPr/>
-        </p:nvSpPr>
-        <p:spPr>
-          <a:xfrm>
-            <a:off x="2008137" y="2692400"/>
-            <a:ext cx="1611363" cy="584200"/>
-          </a:xfrm>
-          <a:prstGeom prst="homePlate">
-            <a:avLst/>
-          </a:prstGeom>
-          <a:solidFill>
-            <a:schemeClr val="bg2">
-              <a:lumMod val="90000"/>
-            </a:schemeClr>
-          </a:solidFill>
-        </p:spPr>
-        <p:style>
-          <a:lnRef idx="1">
-            <a:schemeClr val="accent1"/>
-          </a:lnRef>
-          <a:fillRef idx="3">
-            <a:schemeClr val="accent1"/>
-          </a:fillRef>
-          <a:effectRef idx="2">
-            <a:schemeClr val="accent1"/>
-          </a:effectRef>
-          <a:fontRef idx="minor">
-            <a:schemeClr val="lt1"/>
-          </a:fontRef>
-        </p:style>
-        <p:txBody>
-          <a:bodyPr rtlCol="0" anchor="ctr"/>
-          <a:lstStyle/>
-          <a:p>
-            <a:pPr algn="ctr"/>
-            <a:r>
-              <a:rPr lang="fr-FR" sz="1200" dirty="0" err="1" smtClean="0">
-                <a:solidFill>
-                  <a:srgbClr val="000000"/>
-                </a:solidFill>
-                <a:latin typeface="Consolas"/>
-                <a:cs typeface="Consolas"/>
-              </a:rPr>
-              <a:t>Lookup</a:t>
-            </a:r>
-            <a:endParaRPr lang="fr-FR" sz="1200" dirty="0" smtClean="0">
-              <a:solidFill>
-                <a:srgbClr val="000000"/>
-              </a:solidFill>
-              <a:latin typeface="Consolas"/>
-              <a:cs typeface="Consolas"/>
-            </a:endParaRPr>
-          </a:p>
-          <a:p>
-            <a:pPr algn="ctr"/>
-            <a:r>
-              <a:rPr lang="fr-FR" sz="1200" dirty="0" err="1">
-                <a:solidFill>
-                  <a:srgbClr val="000000"/>
-                </a:solidFill>
-                <a:latin typeface="Consolas"/>
-                <a:cs typeface="Consolas"/>
-              </a:rPr>
-              <a:t>p</a:t>
-            </a:r>
-            <a:r>
-              <a:rPr lang="fr-FR" sz="1200" dirty="0" err="1" smtClean="0">
-                <a:solidFill>
-                  <a:srgbClr val="000000"/>
-                </a:solidFill>
-                <a:latin typeface="Consolas"/>
-                <a:cs typeface="Consolas"/>
-              </a:rPr>
-              <a:t>rederived</a:t>
-            </a:r>
-            <a:r>
-              <a:rPr lang="fr-FR" sz="1200" dirty="0" smtClean="0">
-                <a:solidFill>
-                  <a:srgbClr val="000000"/>
-                </a:solidFill>
-                <a:latin typeface="Consolas"/>
-                <a:cs typeface="Consolas"/>
-              </a:rPr>
-              <a:t> SLA</a:t>
-            </a:r>
-            <a:endParaRPr lang="fr-FR" sz="1200" dirty="0">
-              <a:solidFill>
-                <a:srgbClr val="000000"/>
-              </a:solidFill>
-              <a:latin typeface="Consolas"/>
-              <a:cs typeface="Consolas"/>
-            </a:endParaRPr>
-          </a:p>
-        </p:txBody>
-      </p:sp>
-      <p:sp>
-        <p:nvSpPr>
-          <p:cNvPr id="8" name="Signalisation droite 7"/>
-          <p:cNvSpPr/>
-          <p:nvPr/>
-        </p:nvSpPr>
-        <p:spPr>
-          <a:xfrm>
-            <a:off x="3138923" y="1549400"/>
-            <a:ext cx="4976377" cy="952500"/>
-          </a:xfrm>
-          <a:prstGeom prst="homePlate">
-            <a:avLst/>
-          </a:prstGeom>
-          <a:noFill/>
-          <a:ln>
-            <a:solidFill>
-              <a:schemeClr val="tx2">
-                <a:lumMod val="75000"/>
-                <a:lumOff val="25000"/>
-              </a:schemeClr>
-            </a:solidFill>
-            <a:prstDash val="sysDash"/>
-          </a:ln>
-        </p:spPr>
-        <p:style>
-          <a:lnRef idx="1">
-            <a:schemeClr val="accent1"/>
-          </a:lnRef>
-          <a:fillRef idx="3">
-            <a:schemeClr val="accent1"/>
-          </a:fillRef>
-          <a:effectRef idx="2">
-            <a:schemeClr val="accent1"/>
-          </a:effectRef>
-          <a:fontRef idx="minor">
-            <a:schemeClr val="lt1"/>
-          </a:fontRef>
-        </p:style>
-        <p:txBody>
-          <a:bodyPr rtlCol="0" anchor="ctr"/>
-          <a:lstStyle/>
-          <a:p>
-            <a:pPr algn="ctr"/>
-            <a:endParaRPr lang="fr-FR" dirty="0">
-              <a:latin typeface="Consolas"/>
-              <a:cs typeface="Consolas"/>
-            </a:endParaRPr>
-          </a:p>
-        </p:txBody>
-      </p:sp>
-      <p:sp>
-        <p:nvSpPr>
-          <p:cNvPr id="9" name="Signalisation droite 8"/>
-          <p:cNvSpPr/>
-          <p:nvPr/>
-        </p:nvSpPr>
-        <p:spPr>
-          <a:xfrm>
-            <a:off x="1982737" y="3517900"/>
-            <a:ext cx="1611363" cy="584200"/>
-          </a:xfrm>
-          <a:prstGeom prst="homePlate">
-            <a:avLst/>
-          </a:prstGeom>
-          <a:solidFill>
-            <a:schemeClr val="bg2">
-              <a:lumMod val="90000"/>
-            </a:schemeClr>
-          </a:solidFill>
-        </p:spPr>
-        <p:style>
-          <a:lnRef idx="1">
-            <a:schemeClr val="accent1"/>
-          </a:lnRef>
-          <a:fillRef idx="3">
-            <a:schemeClr val="accent1"/>
-          </a:fillRef>
-          <a:effectRef idx="2">
-            <a:schemeClr val="accent1"/>
-          </a:effectRef>
-          <a:fontRef idx="minor">
-            <a:schemeClr val="lt1"/>
-          </a:fontRef>
-        </p:style>
-        <p:txBody>
-          <a:bodyPr rtlCol="0" anchor="ctr"/>
-          <a:lstStyle/>
-          <a:p>
-            <a:pPr algn="ctr"/>
-            <a:r>
-              <a:rPr lang="fr-FR" sz="1200" dirty="0" err="1" smtClean="0">
-                <a:solidFill>
-                  <a:srgbClr val="000000"/>
-                </a:solidFill>
-                <a:latin typeface="Consolas"/>
-                <a:cs typeface="Consolas"/>
-              </a:rPr>
-              <a:t>Integrate</a:t>
-            </a:r>
-            <a:endParaRPr lang="fr-FR" sz="1200" dirty="0" smtClean="0">
-              <a:solidFill>
-                <a:srgbClr val="000000"/>
-              </a:solidFill>
-              <a:latin typeface="Consolas"/>
-              <a:cs typeface="Consolas"/>
-            </a:endParaRPr>
-          </a:p>
-          <a:p>
-            <a:pPr algn="ctr"/>
-            <a:r>
-              <a:rPr lang="fr-FR" sz="1200" dirty="0" smtClean="0">
-                <a:solidFill>
-                  <a:srgbClr val="000000"/>
-                </a:solidFill>
-                <a:latin typeface="Consolas"/>
-                <a:cs typeface="Consolas"/>
-              </a:rPr>
-              <a:t>SLA</a:t>
-            </a:r>
-            <a:endParaRPr lang="fr-FR" sz="1200" dirty="0">
-              <a:solidFill>
-                <a:srgbClr val="000000"/>
-              </a:solidFill>
-              <a:latin typeface="Consolas"/>
-              <a:cs typeface="Consolas"/>
-            </a:endParaRPr>
-          </a:p>
-        </p:txBody>
-      </p:sp>
-      <p:cxnSp>
-        <p:nvCxnSpPr>
-          <p:cNvPr id="11" name="Connecteur en angle 10"/>
-          <p:cNvCxnSpPr>
-            <a:stCxn id="4" idx="2"/>
-            <a:endCxn id="7" idx="1"/>
-          </p:cNvCxnSpPr>
-          <p:nvPr/>
-        </p:nvCxnSpPr>
-        <p:spPr>
-          <a:xfrm rot="16200000" flipH="1">
-            <a:off x="1592789" y="2569152"/>
-            <a:ext cx="660400" cy="170296"/>
-          </a:xfrm>
-          <a:prstGeom prst="bentConnector2">
-            <a:avLst/>
-          </a:prstGeom>
-          <a:ln>
-            <a:tailEnd type="arrow"/>
-          </a:ln>
-        </p:spPr>
-        <p:style>
-          <a:lnRef idx="2">
-            <a:schemeClr val="accent1"/>
-          </a:lnRef>
-          <a:fillRef idx="0">
-            <a:schemeClr val="accent1"/>
-          </a:fillRef>
-          <a:effectRef idx="1">
-            <a:schemeClr val="accent1"/>
-          </a:effectRef>
-          <a:fontRef idx="minor">
-            <a:schemeClr val="tx1"/>
-          </a:fontRef>
-        </p:style>
-      </p:cxnSp>
-      <p:cxnSp>
-        <p:nvCxnSpPr>
-          <p:cNvPr id="13" name="Connecteur en angle 12"/>
-          <p:cNvCxnSpPr>
-            <a:stCxn id="4" idx="2"/>
-            <a:endCxn id="9" idx="1"/>
-          </p:cNvCxnSpPr>
-          <p:nvPr/>
-        </p:nvCxnSpPr>
-        <p:spPr>
-          <a:xfrm rot="16200000" flipH="1">
-            <a:off x="1167339" y="2994602"/>
-            <a:ext cx="1485900" cy="144896"/>
-          </a:xfrm>
-          <a:prstGeom prst="bentConnector2">
-            <a:avLst/>
-          </a:prstGeom>
-          <a:ln>
-            <a:tailEnd type="arrow"/>
-          </a:ln>
-        </p:spPr>
-        <p:style>
-          <a:lnRef idx="2">
-            <a:schemeClr val="accent1"/>
-          </a:lnRef>
-          <a:fillRef idx="0">
-            <a:schemeClr val="accent1"/>
-          </a:fillRef>
-          <a:effectRef idx="1">
-            <a:schemeClr val="accent1"/>
-          </a:effectRef>
-          <a:fontRef idx="minor">
-            <a:schemeClr val="tx1"/>
-          </a:fontRef>
-        </p:style>
-      </p:cxnSp>
-      <p:sp>
-        <p:nvSpPr>
-          <p:cNvPr id="15" name="ZoneTexte 14"/>
-          <p:cNvSpPr txBox="1"/>
-          <p:nvPr/>
-        </p:nvSpPr>
-        <p:spPr>
-          <a:xfrm>
-            <a:off x="1349697" y="3073400"/>
-            <a:ext cx="403989" cy="276999"/>
-          </a:xfrm>
-          <a:prstGeom prst="rect">
-            <a:avLst/>
-          </a:prstGeom>
-          <a:noFill/>
-          <a:ln>
-            <a:solidFill>
-              <a:srgbClr val="18579B"/>
-            </a:solidFill>
-          </a:ln>
-        </p:spPr>
-        <p:txBody>
-          <a:bodyPr wrap="square" rtlCol="0">
-            <a:spAutoFit/>
-          </a:bodyPr>
-          <a:lstStyle/>
-          <a:p>
-            <a:r>
-              <a:rPr lang="fr-FR" sz="1200" dirty="0" smtClean="0">
-                <a:latin typeface="Consolas"/>
-                <a:cs typeface="Consolas"/>
-              </a:rPr>
-              <a:t>OR</a:t>
-            </a:r>
-            <a:endParaRPr lang="fr-FR" sz="1200" dirty="0">
-              <a:latin typeface="Consolas"/>
-              <a:cs typeface="Consolas"/>
-            </a:endParaRPr>
-          </a:p>
-        </p:txBody>
-      </p:sp>
-      <p:sp>
-        <p:nvSpPr>
-          <p:cNvPr id="16" name="Signalisation droite 15"/>
-          <p:cNvSpPr/>
-          <p:nvPr/>
-        </p:nvSpPr>
-        <p:spPr>
-          <a:xfrm>
-            <a:off x="4408437" y="2667000"/>
-            <a:ext cx="1611363" cy="584200"/>
-          </a:xfrm>
-          <a:prstGeom prst="homePlate">
-            <a:avLst/>
-          </a:prstGeom>
-          <a:solidFill>
-            <a:schemeClr val="bg2">
-              <a:lumMod val="90000"/>
-            </a:schemeClr>
-          </a:solidFill>
-        </p:spPr>
-        <p:style>
-          <a:lnRef idx="1">
-            <a:schemeClr val="accent1"/>
-          </a:lnRef>
-          <a:fillRef idx="3">
-            <a:schemeClr val="accent1"/>
-          </a:fillRef>
-          <a:effectRef idx="2">
-            <a:schemeClr val="accent1"/>
-          </a:effectRef>
-          <a:fontRef idx="minor">
-            <a:schemeClr val="lt1"/>
-          </a:fontRef>
-        </p:style>
-        <p:txBody>
-          <a:bodyPr rtlCol="0" anchor="ctr"/>
-          <a:lstStyle/>
-          <a:p>
-            <a:pPr algn="ctr"/>
-            <a:r>
-              <a:rPr lang="fr-FR" sz="1200" dirty="0" smtClean="0">
-                <a:solidFill>
-                  <a:srgbClr val="000000"/>
-                </a:solidFill>
-                <a:latin typeface="Consolas"/>
-                <a:cs typeface="Consolas"/>
-              </a:rPr>
-              <a:t>Rewrite </a:t>
-            </a:r>
-            <a:r>
-              <a:rPr lang="fr-FR" sz="1200" dirty="0" err="1" smtClean="0">
-                <a:solidFill>
-                  <a:srgbClr val="000000"/>
-                </a:solidFill>
-                <a:latin typeface="Consolas"/>
-                <a:cs typeface="Consolas"/>
-              </a:rPr>
-              <a:t>query</a:t>
-            </a:r>
-            <a:r>
-              <a:rPr lang="fr-FR" sz="1200" dirty="0" smtClean="0">
-                <a:solidFill>
-                  <a:srgbClr val="000000"/>
-                </a:solidFill>
-                <a:latin typeface="Consolas"/>
-                <a:cs typeface="Consolas"/>
-              </a:rPr>
-              <a:t> </a:t>
-            </a:r>
-            <a:r>
-              <a:rPr lang="fr-FR" sz="1200" dirty="0" err="1" smtClean="0">
-                <a:solidFill>
-                  <a:srgbClr val="000000"/>
-                </a:solidFill>
-                <a:latin typeface="Consolas"/>
-                <a:cs typeface="Consolas"/>
-              </a:rPr>
-              <a:t>with</a:t>
-            </a:r>
-            <a:r>
-              <a:rPr lang="fr-FR" sz="1200" dirty="0" smtClean="0">
-                <a:solidFill>
-                  <a:srgbClr val="000000"/>
-                </a:solidFill>
-                <a:latin typeface="Consolas"/>
-                <a:cs typeface="Consolas"/>
-              </a:rPr>
-              <a:t> SLA </a:t>
-            </a:r>
-            <a:r>
-              <a:rPr lang="fr-FR" sz="1200" dirty="0" err="1" smtClean="0">
-                <a:solidFill>
-                  <a:srgbClr val="000000"/>
-                </a:solidFill>
-                <a:latin typeface="Consolas"/>
-                <a:cs typeface="Consolas"/>
-              </a:rPr>
-              <a:t>constraints</a:t>
-            </a:r>
-            <a:endParaRPr lang="fr-FR" sz="1200" dirty="0">
-              <a:solidFill>
-                <a:srgbClr val="000000"/>
-              </a:solidFill>
-              <a:latin typeface="Consolas"/>
-              <a:cs typeface="Consolas"/>
-            </a:endParaRPr>
-          </a:p>
-        </p:txBody>
-      </p:sp>
-      <p:cxnSp>
-        <p:nvCxnSpPr>
-          <p:cNvPr id="20" name="Connecteur en angle 19"/>
-          <p:cNvCxnSpPr>
-            <a:stCxn id="5" idx="2"/>
-            <a:endCxn id="16" idx="1"/>
-          </p:cNvCxnSpPr>
-          <p:nvPr/>
-        </p:nvCxnSpPr>
-        <p:spPr>
-          <a:xfrm rot="16200000" flipH="1">
-            <a:off x="4027184" y="2577847"/>
-            <a:ext cx="622300" cy="140206"/>
-          </a:xfrm>
-          <a:prstGeom prst="bentConnector2">
-            <a:avLst/>
-          </a:prstGeom>
-          <a:ln>
-            <a:tailEnd type="arrow"/>
-          </a:ln>
-        </p:spPr>
-        <p:style>
-          <a:lnRef idx="2">
-            <a:schemeClr val="accent1"/>
-          </a:lnRef>
-          <a:fillRef idx="0">
-            <a:schemeClr val="accent1"/>
-          </a:fillRef>
-          <a:effectRef idx="1">
-            <a:schemeClr val="accent1"/>
-          </a:effectRef>
-          <a:fontRef idx="minor">
-            <a:schemeClr val="tx1"/>
-          </a:fontRef>
-        </p:style>
-      </p:cxnSp>
-      <p:sp>
-        <p:nvSpPr>
-          <p:cNvPr id="21" name="Signalisation droite 20"/>
-          <p:cNvSpPr/>
-          <p:nvPr/>
-        </p:nvSpPr>
-        <p:spPr>
-          <a:xfrm>
-            <a:off x="4421137" y="3479800"/>
-            <a:ext cx="1611363" cy="584200"/>
-          </a:xfrm>
-          <a:prstGeom prst="homePlate">
-            <a:avLst/>
-          </a:prstGeom>
-          <a:solidFill>
-            <a:schemeClr val="bg2">
-              <a:lumMod val="90000"/>
-            </a:schemeClr>
-          </a:solidFill>
-        </p:spPr>
-        <p:style>
-          <a:lnRef idx="1">
-            <a:schemeClr val="accent1"/>
-          </a:lnRef>
-          <a:fillRef idx="3">
-            <a:schemeClr val="accent1"/>
-          </a:fillRef>
-          <a:effectRef idx="2">
-            <a:schemeClr val="accent1"/>
-          </a:effectRef>
-          <a:fontRef idx="minor">
-            <a:schemeClr val="lt1"/>
-          </a:fontRef>
-        </p:style>
-        <p:txBody>
-          <a:bodyPr rtlCol="0" anchor="ctr"/>
-          <a:lstStyle/>
-          <a:p>
-            <a:pPr algn="ctr"/>
-            <a:r>
-              <a:rPr lang="fr-FR" sz="1200" dirty="0" smtClean="0">
-                <a:solidFill>
-                  <a:srgbClr val="000000"/>
-                </a:solidFill>
-                <a:latin typeface="Consolas"/>
-                <a:cs typeface="Consolas"/>
-              </a:rPr>
-              <a:t>Store </a:t>
-            </a:r>
-            <a:r>
-              <a:rPr lang="fr-FR" sz="1200" dirty="0" err="1" smtClean="0">
-                <a:solidFill>
-                  <a:srgbClr val="000000"/>
-                </a:solidFill>
-                <a:latin typeface="Consolas"/>
-                <a:cs typeface="Consolas"/>
-              </a:rPr>
-              <a:t>rewriten</a:t>
-            </a:r>
-            <a:r>
-              <a:rPr lang="fr-FR" sz="1200" dirty="0" smtClean="0">
-                <a:solidFill>
-                  <a:srgbClr val="000000"/>
-                </a:solidFill>
-                <a:latin typeface="Consolas"/>
-                <a:cs typeface="Consolas"/>
-              </a:rPr>
-              <a:t> </a:t>
-            </a:r>
-            <a:r>
-              <a:rPr lang="fr-FR" sz="1200" dirty="0" err="1" smtClean="0">
-                <a:solidFill>
-                  <a:srgbClr val="000000"/>
-                </a:solidFill>
-                <a:latin typeface="Consolas"/>
-                <a:cs typeface="Consolas"/>
-              </a:rPr>
-              <a:t>queries</a:t>
-            </a:r>
-            <a:endParaRPr lang="fr-FR" sz="1200" dirty="0">
-              <a:solidFill>
-                <a:srgbClr val="000000"/>
-              </a:solidFill>
-              <a:latin typeface="Consolas"/>
-              <a:cs typeface="Consolas"/>
-            </a:endParaRPr>
-          </a:p>
-        </p:txBody>
-      </p:sp>
-      <p:sp>
-        <p:nvSpPr>
-          <p:cNvPr id="22" name="ZoneTexte 21"/>
-          <p:cNvSpPr txBox="1"/>
-          <p:nvPr/>
-        </p:nvSpPr>
-        <p:spPr>
-          <a:xfrm>
-            <a:off x="3181138" y="1524000"/>
-            <a:ext cx="1760778" cy="307777"/>
-          </a:xfrm>
-          <a:prstGeom prst="rect">
-            <a:avLst/>
-          </a:prstGeom>
-          <a:noFill/>
-        </p:spPr>
-        <p:txBody>
-          <a:bodyPr wrap="square" rtlCol="0">
-            <a:spAutoFit/>
-          </a:bodyPr>
-          <a:lstStyle/>
-          <a:p>
-            <a:r>
-              <a:rPr lang="fr-FR" dirty="0" err="1" smtClean="0">
-                <a:latin typeface="Consolas"/>
-                <a:cs typeface="Consolas"/>
-              </a:rPr>
-              <a:t>Query</a:t>
-            </a:r>
-            <a:r>
-              <a:rPr lang="fr-FR" dirty="0" smtClean="0">
-                <a:latin typeface="Consolas"/>
-                <a:cs typeface="Consolas"/>
-              </a:rPr>
-              <a:t> rewriting</a:t>
-            </a:r>
-            <a:endParaRPr lang="fr-FR" dirty="0">
-              <a:latin typeface="Consolas"/>
-              <a:cs typeface="Consolas"/>
-            </a:endParaRPr>
-          </a:p>
-        </p:txBody>
-      </p:sp>
-      <p:cxnSp>
-        <p:nvCxnSpPr>
-          <p:cNvPr id="23" name="Connecteur en angle 22"/>
-          <p:cNvCxnSpPr>
-            <a:stCxn id="5" idx="2"/>
-            <a:endCxn id="21" idx="1"/>
-          </p:cNvCxnSpPr>
-          <p:nvPr/>
-        </p:nvCxnSpPr>
-        <p:spPr>
-          <a:xfrm rot="16200000" flipH="1">
-            <a:off x="3627134" y="2977897"/>
-            <a:ext cx="1435100" cy="152906"/>
-          </a:xfrm>
-          <a:prstGeom prst="bentConnector2">
-            <a:avLst/>
-          </a:prstGeom>
-          <a:ln>
-            <a:tailEnd type="arrow"/>
-          </a:ln>
-        </p:spPr>
-        <p:style>
-          <a:lnRef idx="2">
-            <a:schemeClr val="accent1"/>
-          </a:lnRef>
-          <a:fillRef idx="0">
-            <a:schemeClr val="accent1"/>
-          </a:fillRef>
-          <a:effectRef idx="1">
-            <a:schemeClr val="accent1"/>
-          </a:effectRef>
-          <a:fontRef idx="minor">
-            <a:schemeClr val="tx1"/>
-          </a:fontRef>
-        </p:style>
-      </p:cxnSp>
-      <p:sp>
-        <p:nvSpPr>
-          <p:cNvPr id="26" name="ZoneTexte 25"/>
-          <p:cNvSpPr txBox="1"/>
-          <p:nvPr/>
-        </p:nvSpPr>
-        <p:spPr>
-          <a:xfrm>
-            <a:off x="3693539" y="3048000"/>
-            <a:ext cx="508357" cy="276999"/>
-          </a:xfrm>
-          <a:prstGeom prst="rect">
-            <a:avLst/>
-          </a:prstGeom>
-          <a:noFill/>
-          <a:ln>
-            <a:solidFill>
-              <a:srgbClr val="18579B"/>
-            </a:solidFill>
-          </a:ln>
-        </p:spPr>
-        <p:txBody>
-          <a:bodyPr wrap="square" rtlCol="0">
-            <a:spAutoFit/>
-          </a:bodyPr>
-          <a:lstStyle/>
-          <a:p>
-            <a:r>
-              <a:rPr lang="fr-FR" sz="1200" dirty="0" smtClean="0">
-                <a:latin typeface="Consolas"/>
-                <a:cs typeface="Consolas"/>
-              </a:rPr>
-              <a:t>SEQ</a:t>
-            </a:r>
-            <a:endParaRPr lang="fr-FR" sz="1200" dirty="0">
-              <a:latin typeface="Consolas"/>
-              <a:cs typeface="Consolas"/>
-            </a:endParaRPr>
-          </a:p>
-        </p:txBody>
-      </p:sp>
-      <p:sp>
-        <p:nvSpPr>
-          <p:cNvPr id="27" name="Signalisation droite 26"/>
-          <p:cNvSpPr/>
-          <p:nvPr/>
-        </p:nvSpPr>
-        <p:spPr>
-          <a:xfrm>
-            <a:off x="6808737" y="2692400"/>
-            <a:ext cx="1611363" cy="584200"/>
-          </a:xfrm>
-          <a:prstGeom prst="homePlate">
-            <a:avLst/>
-          </a:prstGeom>
-          <a:solidFill>
-            <a:schemeClr val="bg2">
-              <a:lumMod val="90000"/>
-            </a:schemeClr>
-          </a:solidFill>
-        </p:spPr>
-        <p:style>
-          <a:lnRef idx="1">
-            <a:schemeClr val="accent1"/>
-          </a:lnRef>
-          <a:fillRef idx="3">
-            <a:schemeClr val="accent1"/>
-          </a:fillRef>
-          <a:effectRef idx="2">
-            <a:schemeClr val="accent1"/>
-          </a:effectRef>
-          <a:fontRef idx="minor">
-            <a:schemeClr val="lt1"/>
-          </a:fontRef>
-        </p:style>
-        <p:txBody>
-          <a:bodyPr rtlCol="0" anchor="ctr"/>
-          <a:lstStyle/>
-          <a:p>
-            <a:pPr algn="ctr"/>
-            <a:r>
-              <a:rPr lang="fr-FR" sz="1200" dirty="0" smtClean="0">
-                <a:solidFill>
-                  <a:srgbClr val="000000"/>
-                </a:solidFill>
-                <a:latin typeface="Consolas"/>
-                <a:cs typeface="Consolas"/>
-              </a:rPr>
-              <a:t>SLA </a:t>
-            </a:r>
-            <a:r>
-              <a:rPr lang="fr-FR" sz="1200" dirty="0" err="1" smtClean="0">
-                <a:solidFill>
-                  <a:srgbClr val="000000"/>
-                </a:solidFill>
-                <a:latin typeface="Consolas"/>
-                <a:cs typeface="Consolas"/>
-              </a:rPr>
-              <a:t>guided</a:t>
-            </a:r>
-            <a:endParaRPr lang="fr-FR" sz="1200" dirty="0" smtClean="0">
-              <a:solidFill>
-                <a:srgbClr val="000000"/>
-              </a:solidFill>
-              <a:latin typeface="Consolas"/>
-              <a:cs typeface="Consolas"/>
-            </a:endParaRPr>
-          </a:p>
-          <a:p>
-            <a:pPr algn="ctr"/>
-            <a:r>
-              <a:rPr lang="fr-FR" sz="1200" dirty="0" err="1">
-                <a:solidFill>
-                  <a:srgbClr val="000000"/>
-                </a:solidFill>
-                <a:latin typeface="Consolas"/>
-                <a:cs typeface="Consolas"/>
-              </a:rPr>
-              <a:t>o</a:t>
-            </a:r>
-            <a:r>
-              <a:rPr lang="fr-FR" sz="1200" dirty="0" err="1" smtClean="0">
-                <a:solidFill>
-                  <a:srgbClr val="000000"/>
-                </a:solidFill>
-                <a:latin typeface="Consolas"/>
-                <a:cs typeface="Consolas"/>
-              </a:rPr>
-              <a:t>ptimization</a:t>
-            </a:r>
-            <a:endParaRPr lang="fr-FR" sz="1200" dirty="0">
-              <a:solidFill>
-                <a:srgbClr val="000000"/>
-              </a:solidFill>
-              <a:latin typeface="Consolas"/>
-              <a:cs typeface="Consolas"/>
-            </a:endParaRPr>
-          </a:p>
-        </p:txBody>
-      </p:sp>
-      <p:sp>
-        <p:nvSpPr>
-          <p:cNvPr id="28" name="Signalisation droite 27"/>
-          <p:cNvSpPr/>
-          <p:nvPr/>
-        </p:nvSpPr>
-        <p:spPr>
-          <a:xfrm>
-            <a:off x="6846837" y="3505200"/>
-            <a:ext cx="1611363" cy="584200"/>
-          </a:xfrm>
-          <a:prstGeom prst="homePlate">
-            <a:avLst/>
-          </a:prstGeom>
-          <a:solidFill>
-            <a:schemeClr val="bg2">
-              <a:lumMod val="90000"/>
-            </a:schemeClr>
-          </a:solidFill>
-        </p:spPr>
-        <p:style>
-          <a:lnRef idx="1">
-            <a:schemeClr val="accent1"/>
-          </a:lnRef>
-          <a:fillRef idx="3">
-            <a:schemeClr val="accent1"/>
-          </a:fillRef>
-          <a:effectRef idx="2">
-            <a:schemeClr val="accent1"/>
-          </a:effectRef>
-          <a:fontRef idx="minor">
-            <a:schemeClr val="lt1"/>
-          </a:fontRef>
-        </p:style>
-        <p:txBody>
-          <a:bodyPr rtlCol="0" anchor="ctr"/>
-          <a:lstStyle/>
-          <a:p>
-            <a:pPr algn="ctr"/>
-            <a:r>
-              <a:rPr lang="fr-FR" sz="1200" dirty="0" err="1" smtClean="0">
-                <a:solidFill>
-                  <a:srgbClr val="000000"/>
-                </a:solidFill>
-                <a:latin typeface="Consolas"/>
-                <a:cs typeface="Consolas"/>
-              </a:rPr>
-              <a:t>Execution</a:t>
-            </a:r>
-            <a:endParaRPr lang="fr-FR" sz="1200" dirty="0">
-              <a:solidFill>
-                <a:srgbClr val="000000"/>
-              </a:solidFill>
-              <a:latin typeface="Consolas"/>
-              <a:cs typeface="Consolas"/>
-            </a:endParaRPr>
-          </a:p>
-        </p:txBody>
-      </p:sp>
-      <p:cxnSp>
-        <p:nvCxnSpPr>
-          <p:cNvPr id="29" name="Connecteur en angle 28"/>
-          <p:cNvCxnSpPr>
-            <a:stCxn id="6" idx="2"/>
-            <a:endCxn id="27" idx="1"/>
-          </p:cNvCxnSpPr>
-          <p:nvPr/>
-        </p:nvCxnSpPr>
-        <p:spPr>
-          <a:xfrm rot="16200000" flipH="1">
-            <a:off x="6446534" y="2622297"/>
-            <a:ext cx="635000" cy="89406"/>
-          </a:xfrm>
-          <a:prstGeom prst="bentConnector2">
-            <a:avLst/>
-          </a:prstGeom>
-          <a:ln>
-            <a:tailEnd type="arrow"/>
-          </a:ln>
-        </p:spPr>
-        <p:style>
-          <a:lnRef idx="2">
-            <a:schemeClr val="accent1"/>
-          </a:lnRef>
-          <a:fillRef idx="0">
-            <a:schemeClr val="accent1"/>
-          </a:fillRef>
-          <a:effectRef idx="1">
-            <a:schemeClr val="accent1"/>
-          </a:effectRef>
-          <a:fontRef idx="minor">
-            <a:schemeClr val="tx1"/>
-          </a:fontRef>
-        </p:style>
-      </p:cxnSp>
-      <p:cxnSp>
-        <p:nvCxnSpPr>
-          <p:cNvPr id="33" name="Connecteur en angle 32"/>
-          <p:cNvCxnSpPr>
-            <a:stCxn id="6" idx="2"/>
-            <a:endCxn id="28" idx="1"/>
-          </p:cNvCxnSpPr>
-          <p:nvPr/>
-        </p:nvCxnSpPr>
-        <p:spPr>
-          <a:xfrm rot="16200000" flipH="1">
-            <a:off x="6059184" y="3009647"/>
-            <a:ext cx="1447800" cy="127506"/>
-          </a:xfrm>
-          <a:prstGeom prst="bentConnector2">
-            <a:avLst/>
-          </a:prstGeom>
-          <a:ln>
-            <a:tailEnd type="arrow"/>
-          </a:ln>
-        </p:spPr>
-        <p:style>
-          <a:lnRef idx="2">
-            <a:schemeClr val="accent1"/>
-          </a:lnRef>
-          <a:fillRef idx="0">
-            <a:schemeClr val="accent1"/>
-          </a:fillRef>
-          <a:effectRef idx="1">
-            <a:schemeClr val="accent1"/>
-          </a:effectRef>
-          <a:fontRef idx="minor">
-            <a:schemeClr val="tx1"/>
-          </a:fontRef>
-        </p:style>
-      </p:cxnSp>
-      <p:sp>
-        <p:nvSpPr>
-          <p:cNvPr id="36" name="ZoneTexte 35"/>
-          <p:cNvSpPr txBox="1"/>
-          <p:nvPr/>
-        </p:nvSpPr>
-        <p:spPr>
-          <a:xfrm>
-            <a:off x="6157339" y="3048000"/>
-            <a:ext cx="508357" cy="276999"/>
-          </a:xfrm>
-          <a:prstGeom prst="rect">
-            <a:avLst/>
-          </a:prstGeom>
-          <a:noFill/>
-          <a:ln>
-            <a:solidFill>
-              <a:srgbClr val="18579B"/>
-            </a:solidFill>
-          </a:ln>
-        </p:spPr>
-        <p:txBody>
-          <a:bodyPr wrap="square" rtlCol="0">
-            <a:spAutoFit/>
-          </a:bodyPr>
-          <a:lstStyle/>
-          <a:p>
-            <a:r>
-              <a:rPr lang="fr-FR" sz="1200" dirty="0" smtClean="0">
-                <a:latin typeface="Consolas"/>
-                <a:cs typeface="Consolas"/>
-              </a:rPr>
-              <a:t>SEQ</a:t>
-            </a:r>
-            <a:endParaRPr lang="fr-FR" sz="1200" dirty="0">
-              <a:latin typeface="Consolas"/>
-              <a:cs typeface="Consolas"/>
-            </a:endParaRPr>
-          </a:p>
-        </p:txBody>
-      </p:sp>
-      <p:sp>
-        <p:nvSpPr>
-          <p:cNvPr id="37" name="Signalisation droite 36"/>
-          <p:cNvSpPr/>
-          <p:nvPr/>
-        </p:nvSpPr>
-        <p:spPr>
-          <a:xfrm>
-            <a:off x="330200" y="4445000"/>
-            <a:ext cx="8432800" cy="444500"/>
-          </a:xfrm>
-          <a:prstGeom prst="homePlate">
-            <a:avLst/>
-          </a:prstGeom>
-          <a:noFill/>
-          <a:ln>
-            <a:solidFill>
-              <a:schemeClr val="tx1">
-                <a:lumMod val="65000"/>
-                <a:lumOff val="35000"/>
-              </a:schemeClr>
-            </a:solidFill>
-            <a:prstDash val="solid"/>
-          </a:ln>
-          <a:effectLst/>
-        </p:spPr>
-        <p:style>
-          <a:lnRef idx="1">
-            <a:schemeClr val="accent1"/>
-          </a:lnRef>
-          <a:fillRef idx="3">
-            <a:schemeClr val="accent1"/>
-          </a:fillRef>
-          <a:effectRef idx="2">
-            <a:schemeClr val="accent1"/>
-          </a:effectRef>
-          <a:fontRef idx="minor">
-            <a:schemeClr val="lt1"/>
-          </a:fontRef>
-        </p:style>
-        <p:txBody>
-          <a:bodyPr rtlCol="0" anchor="ctr"/>
-          <a:lstStyle/>
-          <a:p>
-            <a:pPr algn="ctr"/>
-            <a:r>
-              <a:rPr lang="fr-FR" dirty="0" smtClean="0">
-                <a:solidFill>
-                  <a:srgbClr val="000000"/>
-                </a:solidFill>
-                <a:latin typeface="Consolas"/>
-                <a:cs typeface="Consolas"/>
-              </a:rPr>
-              <a:t>Monitoring</a:t>
-            </a:r>
-            <a:endParaRPr lang="fr-FR" dirty="0">
-              <a:solidFill>
-                <a:srgbClr val="000000"/>
-              </a:solidFill>
-              <a:latin typeface="Consolas"/>
-              <a:cs typeface="Consolas"/>
-            </a:endParaRPr>
-          </a:p>
-        </p:txBody>
-      </p:sp>
-      <p:sp>
-        <p:nvSpPr>
-          <p:cNvPr id="38" name="Signalisation droite 37"/>
-          <p:cNvSpPr/>
-          <p:nvPr/>
-        </p:nvSpPr>
-        <p:spPr>
-          <a:xfrm>
-            <a:off x="325912" y="3949700"/>
-            <a:ext cx="1401288" cy="419100"/>
-          </a:xfrm>
-          <a:prstGeom prst="homePlate">
-            <a:avLst/>
-          </a:prstGeom>
-          <a:solidFill>
-            <a:schemeClr val="bg1">
-              <a:lumMod val="85000"/>
-            </a:schemeClr>
-          </a:solidFill>
-          <a:ln>
-            <a:solidFill>
-              <a:schemeClr val="bg1">
-                <a:lumMod val="75000"/>
-              </a:schemeClr>
-            </a:solidFill>
-          </a:ln>
-        </p:spPr>
-        <p:style>
-          <a:lnRef idx="1">
-            <a:schemeClr val="accent1"/>
-          </a:lnRef>
-          <a:fillRef idx="3">
-            <a:schemeClr val="accent1"/>
-          </a:fillRef>
-          <a:effectRef idx="2">
-            <a:schemeClr val="accent1"/>
-          </a:effectRef>
-          <a:fontRef idx="minor">
-            <a:schemeClr val="lt1"/>
-          </a:fontRef>
-        </p:style>
-        <p:txBody>
-          <a:bodyPr rtlCol="0" anchor="ctr"/>
-          <a:lstStyle/>
-          <a:p>
-            <a:pPr algn="ctr"/>
-            <a:r>
-              <a:rPr lang="fr-FR" dirty="0" smtClean="0">
-                <a:solidFill>
-                  <a:srgbClr val="000000"/>
-                </a:solidFill>
-                <a:latin typeface="Consolas"/>
-                <a:cs typeface="Consolas"/>
-              </a:rPr>
-              <a:t>SLA</a:t>
-            </a:r>
-          </a:p>
-          <a:p>
-            <a:pPr algn="ctr"/>
-            <a:r>
-              <a:rPr lang="fr-FR" dirty="0" smtClean="0">
-                <a:solidFill>
-                  <a:srgbClr val="000000"/>
-                </a:solidFill>
-                <a:latin typeface="Consolas"/>
-                <a:cs typeface="Consolas"/>
-              </a:rPr>
-              <a:t>management</a:t>
-            </a:r>
+            <a:endParaRPr lang="es-MX"/>
           </a:p>
         </p:txBody>
       </p:sp>
     </p:spTree>
     <p:extLst>
       <p:ext uri="{BB962C8B-B14F-4D97-AF65-F5344CB8AC3E}">
-        <p14:creationId xmlns:p14="http://schemas.microsoft.com/office/powerpoint/2010/main" val="107349690"/>
+        <p14:creationId xmlns:p14="http://schemas.microsoft.com/office/powerpoint/2010/main" val="2473982592"/>
       </p:ext>
     </p:extLst>
   </p:cSld>
   <p:clrMapOvr>
     <a:masterClrMapping/>
   </p:clrMapOvr>
+  <p:transition xmlns:p14="http://schemas.microsoft.com/office/powerpoint/2010/main" spd="slow">
+    <p:wipe/>
+  </p:transition>
   <p:timing>
     <p:tnLst>
       <p:par>
@@ -27459,256 +31334,6 @@
       </p:grpSpPr>
       <p:sp>
         <p:nvSpPr>
-          <p:cNvPr id="5" name="Document 4"/>
-          <p:cNvSpPr/>
-          <p:nvPr/>
-        </p:nvSpPr>
-        <p:spPr>
-          <a:xfrm>
-            <a:off x="330199" y="1696164"/>
-            <a:ext cx="3111500" cy="1133831"/>
-          </a:xfrm>
-          <a:prstGeom prst="flowChartDocument">
-            <a:avLst/>
-          </a:prstGeom>
-          <a:ln w="38100" cmpd="sng">
-            <a:solidFill>
-              <a:schemeClr val="accent5">
-                <a:lumMod val="75000"/>
-              </a:schemeClr>
-            </a:solidFill>
-          </a:ln>
-        </p:spPr>
-        <p:txBody>
-          <a:bodyPr wrap="square">
-            <a:spAutoFit/>
-          </a:bodyPr>
-          <a:lstStyle/>
-          <a:p>
-            <a:pPr marL="285750" indent="-285750">
-              <a:buFont typeface="Arial"/>
-              <a:buChar char="•"/>
-            </a:pPr>
-            <a:r>
-              <a:rPr lang="fr-FR" sz="1600" baseline="30000" dirty="0" err="1">
-                <a:latin typeface="Consolas"/>
-                <a:cs typeface="Consolas"/>
-              </a:rPr>
-              <a:t>C</a:t>
-            </a:r>
-            <a:r>
-              <a:rPr lang="fr-FR" sz="1600" baseline="30000" dirty="0" err="1" smtClean="0">
-                <a:latin typeface="Consolas"/>
-                <a:cs typeface="Consolas"/>
-              </a:rPr>
-              <a:t>ost</a:t>
-            </a:r>
-            <a:r>
-              <a:rPr lang="fr-FR" sz="1600" baseline="30000" dirty="0" smtClean="0">
-                <a:latin typeface="Consolas"/>
-                <a:cs typeface="Consolas"/>
-              </a:rPr>
-              <a:t> </a:t>
-            </a:r>
-            <a:r>
-              <a:rPr lang="fr-FR" sz="1600" baseline="30000" dirty="0">
-                <a:latin typeface="Consolas"/>
-                <a:cs typeface="Consolas"/>
-              </a:rPr>
-              <a:t>of $0,05 cents per </a:t>
-            </a:r>
-            <a:r>
-              <a:rPr lang="fr-FR" sz="1600" baseline="30000" dirty="0" smtClean="0">
-                <a:latin typeface="Consolas"/>
-                <a:cs typeface="Consolas"/>
-              </a:rPr>
-              <a:t>call </a:t>
-            </a:r>
-          </a:p>
-          <a:p>
-            <a:pPr marL="285750" indent="-285750">
-              <a:buFont typeface="Arial"/>
-              <a:buChar char="•"/>
-            </a:pPr>
-            <a:r>
-              <a:rPr lang="fr-FR" sz="1600" baseline="30000" dirty="0" smtClean="0">
-                <a:latin typeface="Consolas"/>
-                <a:cs typeface="Consolas"/>
-              </a:rPr>
-              <a:t>8 </a:t>
-            </a:r>
-            <a:r>
-              <a:rPr lang="fr-FR" sz="1600" baseline="30000" dirty="0">
-                <a:latin typeface="Consolas"/>
-                <a:cs typeface="Consolas"/>
-              </a:rPr>
-              <a:t>GB of I/O volume/</a:t>
-            </a:r>
-            <a:r>
-              <a:rPr lang="fr-FR" sz="1600" baseline="30000" dirty="0" err="1" smtClean="0">
-                <a:latin typeface="Consolas"/>
-                <a:cs typeface="Consolas"/>
-              </a:rPr>
-              <a:t>month</a:t>
-            </a:r>
-            <a:endParaRPr lang="fr-FR" sz="1600" baseline="30000" dirty="0" smtClean="0">
-              <a:latin typeface="Consolas"/>
-              <a:cs typeface="Consolas"/>
-            </a:endParaRPr>
-          </a:p>
-          <a:p>
-            <a:pPr marL="285750" indent="-285750">
-              <a:buFont typeface="Arial"/>
-              <a:buChar char="•"/>
-            </a:pPr>
-            <a:r>
-              <a:rPr lang="fr-FR" sz="1600" baseline="30000" dirty="0">
-                <a:latin typeface="Consolas"/>
-                <a:cs typeface="Consolas"/>
-              </a:rPr>
-              <a:t>F</a:t>
-            </a:r>
-            <a:r>
-              <a:rPr lang="fr-FR" sz="1600" baseline="30000" dirty="0" smtClean="0">
-                <a:latin typeface="Consolas"/>
-                <a:cs typeface="Consolas"/>
-              </a:rPr>
-              <a:t>ree </a:t>
-            </a:r>
-            <a:r>
-              <a:rPr lang="fr-FR" sz="1600" baseline="30000" dirty="0">
-                <a:latin typeface="Consolas"/>
-                <a:cs typeface="Consolas"/>
-              </a:rPr>
-              <a:t>data </a:t>
-            </a:r>
-            <a:r>
-              <a:rPr lang="fr-FR" sz="1600" baseline="30000" dirty="0" err="1">
-                <a:latin typeface="Consolas"/>
-                <a:cs typeface="Consolas"/>
-              </a:rPr>
-              <a:t>transfer</a:t>
-            </a:r>
-            <a:r>
-              <a:rPr lang="fr-FR" sz="1600" baseline="30000" dirty="0">
-                <a:latin typeface="Consolas"/>
-                <a:cs typeface="Consolas"/>
-              </a:rPr>
-              <a:t> </a:t>
-            </a:r>
-            <a:r>
-              <a:rPr lang="fr-FR" sz="1600" baseline="30000" dirty="0" err="1">
-                <a:latin typeface="Consolas"/>
-                <a:cs typeface="Consolas"/>
-              </a:rPr>
-              <a:t>cost</a:t>
-            </a:r>
-            <a:r>
-              <a:rPr lang="fr-FR" sz="1600" baseline="30000" dirty="0">
-                <a:latin typeface="Consolas"/>
-                <a:cs typeface="Consolas"/>
-              </a:rPr>
-              <a:t> </a:t>
-            </a:r>
-            <a:r>
-              <a:rPr lang="fr-FR" sz="1600" baseline="30000" dirty="0" err="1">
-                <a:latin typeface="Consolas"/>
-                <a:cs typeface="Consolas"/>
-              </a:rPr>
-              <a:t>within</a:t>
-            </a:r>
-            <a:r>
-              <a:rPr lang="fr-FR" sz="1600" baseline="30000" dirty="0">
-                <a:latin typeface="Consolas"/>
-                <a:cs typeface="Consolas"/>
-              </a:rPr>
-              <a:t> the </a:t>
-            </a:r>
-            <a:r>
-              <a:rPr lang="fr-FR" sz="1600" baseline="30000" dirty="0" err="1">
-                <a:latin typeface="Consolas"/>
-                <a:cs typeface="Consolas"/>
-              </a:rPr>
-              <a:t>same</a:t>
-            </a:r>
-            <a:r>
-              <a:rPr lang="fr-FR" sz="1600" baseline="30000" dirty="0">
-                <a:latin typeface="Consolas"/>
-                <a:cs typeface="Consolas"/>
-              </a:rPr>
-              <a:t> </a:t>
-            </a:r>
-            <a:r>
-              <a:rPr lang="fr-FR" sz="1600" baseline="30000" dirty="0" err="1" smtClean="0">
-                <a:latin typeface="Consolas"/>
-                <a:cs typeface="Consolas"/>
-              </a:rPr>
-              <a:t>region</a:t>
-            </a:r>
-            <a:endParaRPr lang="fr-FR" sz="1600" baseline="30000" dirty="0" smtClean="0">
-              <a:latin typeface="Consolas"/>
-              <a:cs typeface="Consolas"/>
-            </a:endParaRPr>
-          </a:p>
-          <a:p>
-            <a:pPr marL="285750" indent="-285750">
-              <a:buFont typeface="Arial"/>
-              <a:buChar char="•"/>
-            </a:pPr>
-            <a:r>
-              <a:rPr lang="fr-FR" sz="1600" baseline="30000" dirty="0" smtClean="0">
-                <a:latin typeface="Consolas"/>
-                <a:cs typeface="Consolas"/>
-              </a:rPr>
-              <a:t>1 </a:t>
-            </a:r>
-            <a:r>
-              <a:rPr lang="fr-FR" sz="1600" baseline="30000" dirty="0">
-                <a:latin typeface="Consolas"/>
-                <a:cs typeface="Consolas"/>
-              </a:rPr>
-              <a:t>GB of </a:t>
-            </a:r>
-            <a:r>
-              <a:rPr lang="fr-FR" sz="1600" baseline="30000" dirty="0" err="1">
-                <a:latin typeface="Consolas"/>
-                <a:cs typeface="Consolas"/>
-              </a:rPr>
-              <a:t>storage</a:t>
-            </a:r>
-            <a:endParaRPr lang="fr-FR" sz="1600" dirty="0">
-              <a:latin typeface="Consolas"/>
-              <a:cs typeface="Consolas"/>
-            </a:endParaRPr>
-          </a:p>
-        </p:txBody>
-      </p:sp>
-      <p:pic>
-        <p:nvPicPr>
-          <p:cNvPr id="6" name="Image 5"/>
-          <p:cNvPicPr>
-            <a:picLocks noChangeAspect="1"/>
-          </p:cNvPicPr>
-          <p:nvPr/>
-        </p:nvPicPr>
-        <p:blipFill>
-          <a:blip r:embed="rId2"/>
-          <a:stretch>
-            <a:fillRect/>
-          </a:stretch>
-        </p:blipFill>
-        <p:spPr>
-          <a:xfrm>
-            <a:off x="2548462" y="2357972"/>
-            <a:ext cx="1051885" cy="463701"/>
-          </a:xfrm>
-          <a:prstGeom prst="rect">
-            <a:avLst/>
-          </a:prstGeom>
-        </p:spPr>
-      </p:pic>
-      <p:sp>
-        <p:nvSpPr>
           <p:cNvPr id="2" name="Titre 1"/>
           <p:cNvSpPr>
             <a:spLocks noGrp="1"/>
@@ -27723,12 +31348,8 @@
           <a:lstStyle/>
           <a:p>
             <a:r>
-              <a:rPr lang="fr-FR" dirty="0" smtClean="0"/>
-              <a:t>SLA </a:t>
-            </a:r>
-            <a:r>
               <a:rPr lang="fr-FR" dirty="0" err="1" smtClean="0"/>
-              <a:t>Integration</a:t>
+              <a:t>Roadmap</a:t>
             </a:r>
             <a:endParaRPr lang="fr-FR" dirty="0"/>
           </a:p>
@@ -27736,7 +31357,103 @@
       </p:sp>
       <p:sp>
         <p:nvSpPr>
-          <p:cNvPr id="3" name="Espace réservé du numéro de diapositive 2"/>
+          <p:cNvPr id="3" name="Espace réservé du contenu 2"/>
+          <p:cNvSpPr>
+            <a:spLocks noGrp="1"/>
+          </p:cNvSpPr>
+          <p:nvPr>
+            <p:ph idx="1"/>
+          </p:nvPr>
+        </p:nvSpPr>
+        <p:spPr/>
+        <p:txBody>
+          <a:bodyPr>
+            <a:normAutofit/>
+          </a:bodyPr>
+          <a:lstStyle/>
+          <a:p>
+            <a:r>
+              <a:rPr lang="fr-FR" sz="2000" dirty="0" smtClean="0"/>
+              <a:t>New challenges of data </a:t>
+            </a:r>
+            <a:r>
+              <a:rPr lang="fr-FR" sz="2000" dirty="0" err="1" smtClean="0"/>
+              <a:t>integration</a:t>
+            </a:r>
+            <a:r>
+              <a:rPr lang="fr-FR" sz="2000" dirty="0" smtClean="0"/>
+              <a:t> in the </a:t>
+            </a:r>
+            <a:r>
+              <a:rPr lang="fr-FR" sz="2000" dirty="0" err="1" smtClean="0"/>
+              <a:t>era</a:t>
+            </a:r>
+            <a:r>
+              <a:rPr lang="fr-FR" sz="2000" dirty="0" smtClean="0"/>
+              <a:t> of the </a:t>
+            </a:r>
+            <a:r>
+              <a:rPr lang="fr-FR" sz="2000" dirty="0" err="1" smtClean="0"/>
+              <a:t>clouds</a:t>
+            </a:r>
+            <a:endParaRPr lang="fr-FR" sz="2000" dirty="0" smtClean="0"/>
+          </a:p>
+          <a:p>
+            <a:r>
+              <a:rPr lang="fr-FR" sz="2000" dirty="0" smtClean="0"/>
+              <a:t>SLA </a:t>
+            </a:r>
+            <a:r>
+              <a:rPr lang="fr-FR" sz="2000" dirty="0" err="1" smtClean="0"/>
+              <a:t>guided</a:t>
+            </a:r>
+            <a:r>
+              <a:rPr lang="fr-FR" sz="2000" dirty="0" smtClean="0"/>
+              <a:t> data </a:t>
+            </a:r>
+            <a:r>
+              <a:rPr lang="fr-FR" sz="2000" dirty="0" err="1" smtClean="0"/>
+              <a:t>integration</a:t>
+            </a:r>
+            <a:r>
+              <a:rPr lang="fr-FR" sz="2000" dirty="0"/>
+              <a:t> </a:t>
+            </a:r>
+            <a:r>
+              <a:rPr lang="fr-FR" sz="2000" dirty="0" smtClean="0"/>
+              <a:t>as a service</a:t>
+            </a:r>
+          </a:p>
+          <a:p>
+            <a:pPr lvl="1"/>
+            <a:r>
+              <a:rPr lang="fr-FR" sz="1800" dirty="0" smtClean="0"/>
+              <a:t>SLA model</a:t>
+            </a:r>
+          </a:p>
+          <a:p>
+            <a:pPr lvl="1"/>
+            <a:r>
+              <a:rPr lang="fr-FR" sz="1800" dirty="0" err="1" smtClean="0"/>
+              <a:t>Query</a:t>
+            </a:r>
+            <a:r>
+              <a:rPr lang="fr-FR" sz="1800" dirty="0" smtClean="0"/>
+              <a:t> rewriting</a:t>
+            </a:r>
+          </a:p>
+          <a:p>
+            <a:r>
+              <a:rPr lang="fr-FR" sz="2000" dirty="0" smtClean="0"/>
+              <a:t>Conclusions and perspectives</a:t>
+            </a:r>
+            <a:endParaRPr lang="fr-FR" sz="2000" dirty="0"/>
+          </a:p>
+        </p:txBody>
+      </p:sp>
+      <p:sp>
+        <p:nvSpPr>
+          <p:cNvPr id="4" name="Espace réservé du numéro de diapositive 3"/>
           <p:cNvSpPr>
             <a:spLocks noGrp="1"/>
           </p:cNvSpPr>
@@ -27757,1098 +31474,10 @@
           </a:p>
         </p:txBody>
       </p:sp>
-      <p:pic>
-        <p:nvPicPr>
-          <p:cNvPr id="4" name="Image 3" descr="SLAextension.jpg"/>
-          <p:cNvPicPr>
-            <a:picLocks noChangeAspect="1"/>
-          </p:cNvPicPr>
-          <p:nvPr/>
-        </p:nvPicPr>
-        <p:blipFill>
-          <a:blip r:embed="rId3">
-            <a:extLst>
-              <a:ext uri="{28A0092B-C50C-407E-A947-70E740481C1C}">
-                <a14:useLocalDpi xmlns:a14="http://schemas.microsoft.com/office/drawing/2010/main" val="0"/>
-              </a:ext>
-            </a:extLst>
-          </a:blip>
-          <a:stretch>
-            <a:fillRect/>
-          </a:stretch>
-        </p:blipFill>
-        <p:spPr>
-          <a:xfrm>
-            <a:off x="4749815" y="1079501"/>
-            <a:ext cx="4064000" cy="2380986"/>
-          </a:xfrm>
-          <a:prstGeom prst="rect">
-            <a:avLst/>
-          </a:prstGeom>
-        </p:spPr>
-      </p:pic>
-      <p:grpSp>
-        <p:nvGrpSpPr>
-          <p:cNvPr id="7" name="Grouper 6"/>
-          <p:cNvGrpSpPr/>
-          <p:nvPr/>
-        </p:nvGrpSpPr>
-        <p:grpSpPr>
-          <a:xfrm>
-            <a:off x="2424437" y="2216012"/>
-            <a:ext cx="1199213" cy="772726"/>
-            <a:chOff x="1857254" y="1775741"/>
-            <a:chExt cx="2985679" cy="1700064"/>
-          </a:xfrm>
-        </p:grpSpPr>
-        <p:sp>
-          <p:nvSpPr>
-            <p:cNvPr id="8" name="Arc 7"/>
-            <p:cNvSpPr/>
-            <p:nvPr/>
-          </p:nvSpPr>
-          <p:spPr>
-            <a:xfrm rot="16492063">
-              <a:off x="2064987" y="2209791"/>
-              <a:ext cx="919931" cy="1335398"/>
-            </a:xfrm>
-            <a:prstGeom prst="arc">
-              <a:avLst>
-                <a:gd name="adj1" fmla="val 10488337"/>
-                <a:gd name="adj2" fmla="val 984161"/>
-              </a:avLst>
-            </a:prstGeom>
-            <a:ln w="28575" cmpd="sng"/>
-          </p:spPr>
-          <p:style>
-            <a:lnRef idx="2">
-              <a:schemeClr val="accent1"/>
-            </a:lnRef>
-            <a:fillRef idx="0">
-              <a:schemeClr val="accent1"/>
-            </a:fillRef>
-            <a:effectRef idx="1">
-              <a:schemeClr val="accent1"/>
-            </a:effectRef>
-            <a:fontRef idx="minor">
-              <a:schemeClr val="tx1"/>
-            </a:fontRef>
-          </p:style>
-          <p:txBody>
-            <a:bodyPr rtlCol="0" anchor="ctr"/>
-            <a:lstStyle/>
-            <a:p>
-              <a:pPr algn="ctr"/>
-              <a:endParaRPr lang="fr-FR"/>
-            </a:p>
-          </p:txBody>
-        </p:sp>
-        <p:sp>
-          <p:nvSpPr>
-            <p:cNvPr id="9" name="Arc 8"/>
-            <p:cNvSpPr/>
-            <p:nvPr/>
-          </p:nvSpPr>
-          <p:spPr>
-            <a:xfrm rot="656295">
-              <a:off x="2698111" y="1775741"/>
-              <a:ext cx="1571555" cy="1700064"/>
-            </a:xfrm>
-            <a:prstGeom prst="arc">
-              <a:avLst>
-                <a:gd name="adj1" fmla="val 10430236"/>
-                <a:gd name="adj2" fmla="val 20928275"/>
-              </a:avLst>
-            </a:prstGeom>
-            <a:ln w="28575" cmpd="sng"/>
-          </p:spPr>
-          <p:style>
-            <a:lnRef idx="2">
-              <a:schemeClr val="accent1"/>
-            </a:lnRef>
-            <a:fillRef idx="0">
-              <a:schemeClr val="accent1"/>
-            </a:fillRef>
-            <a:effectRef idx="1">
-              <a:schemeClr val="accent1"/>
-            </a:effectRef>
-            <a:fontRef idx="minor">
-              <a:schemeClr val="tx1"/>
-            </a:fontRef>
-          </p:style>
-          <p:txBody>
-            <a:bodyPr rtlCol="0" anchor="ctr"/>
-            <a:lstStyle/>
-            <a:p>
-              <a:pPr algn="ctr"/>
-              <a:endParaRPr lang="fr-FR"/>
-            </a:p>
-          </p:txBody>
-        </p:sp>
-        <p:sp>
-          <p:nvSpPr>
-            <p:cNvPr id="10" name="Arc 9"/>
-            <p:cNvSpPr/>
-            <p:nvPr/>
-          </p:nvSpPr>
-          <p:spPr>
-            <a:xfrm rot="5400000">
-              <a:off x="3907366" y="2374901"/>
-              <a:ext cx="905933" cy="965200"/>
-            </a:xfrm>
-            <a:prstGeom prst="arc">
-              <a:avLst>
-                <a:gd name="adj1" fmla="val 9926378"/>
-                <a:gd name="adj2" fmla="val 0"/>
-              </a:avLst>
-            </a:prstGeom>
-            <a:ln w="28575" cmpd="sng"/>
-          </p:spPr>
-          <p:style>
-            <a:lnRef idx="2">
-              <a:schemeClr val="accent1"/>
-            </a:lnRef>
-            <a:fillRef idx="0">
-              <a:schemeClr val="accent1"/>
-            </a:fillRef>
-            <a:effectRef idx="1">
-              <a:schemeClr val="accent1"/>
-            </a:effectRef>
-            <a:fontRef idx="minor">
-              <a:schemeClr val="tx1"/>
-            </a:fontRef>
-          </p:style>
-          <p:txBody>
-            <a:bodyPr rtlCol="0" anchor="ctr"/>
-            <a:lstStyle/>
-            <a:p>
-              <a:pPr algn="ctr"/>
-              <a:endParaRPr lang="fr-FR"/>
-            </a:p>
-          </p:txBody>
-        </p:sp>
-        <p:cxnSp>
-          <p:nvCxnSpPr>
-            <p:cNvPr id="11" name="Connecteur droit 10"/>
-            <p:cNvCxnSpPr>
-              <a:stCxn id="8" idx="0"/>
-              <a:endCxn id="10" idx="2"/>
-            </p:cNvCxnSpPr>
-            <p:nvPr/>
-          </p:nvCxnSpPr>
-          <p:spPr>
-            <a:xfrm flipV="1">
-              <a:off x="2527581" y="3310468"/>
-              <a:ext cx="1832752" cy="27974"/>
-            </a:xfrm>
-            <a:prstGeom prst="line">
-              <a:avLst/>
-            </a:prstGeom>
-            <a:ln w="28575" cmpd="sng"/>
-          </p:spPr>
-          <p:style>
-            <a:lnRef idx="2">
-              <a:schemeClr val="accent1"/>
-            </a:lnRef>
-            <a:fillRef idx="0">
-              <a:schemeClr val="accent1"/>
-            </a:fillRef>
-            <a:effectRef idx="1">
-              <a:schemeClr val="accent1"/>
-            </a:effectRef>
-            <a:fontRef idx="minor">
-              <a:schemeClr val="tx1"/>
-            </a:fontRef>
-          </p:style>
-        </p:cxnSp>
-      </p:grpSp>
-      <p:sp>
-        <p:nvSpPr>
-          <p:cNvPr id="12" name="Document 11"/>
-          <p:cNvSpPr/>
-          <p:nvPr/>
-        </p:nvSpPr>
-        <p:spPr>
-          <a:xfrm>
-            <a:off x="5118099" y="3427741"/>
-            <a:ext cx="3352800" cy="1643418"/>
-          </a:xfrm>
-          <a:prstGeom prst="flowChartDocument">
-            <a:avLst/>
-          </a:prstGeom>
-          <a:ln w="28575" cmpd="sng">
-            <a:solidFill>
-              <a:srgbClr val="091E24"/>
-            </a:solidFill>
-          </a:ln>
-        </p:spPr>
-        <p:txBody>
-          <a:bodyPr wrap="square">
-            <a:spAutoFit/>
-          </a:bodyPr>
-          <a:lstStyle/>
-          <a:p>
-            <a:pPr marL="285750" indent="-285750">
-              <a:buFont typeface="Arial"/>
-              <a:buChar char="•"/>
-            </a:pPr>
-            <a:r>
-              <a:rPr lang="fr-FR" sz="1600" baseline="30000" dirty="0" smtClean="0">
-                <a:latin typeface="Consolas"/>
-                <a:cs typeface="Consolas"/>
-              </a:rPr>
-              <a:t>Maximum </a:t>
-            </a:r>
-            <a:r>
-              <a:rPr lang="fr-FR" sz="1600" baseline="30000" dirty="0">
-                <a:latin typeface="Consolas"/>
-                <a:cs typeface="Consolas"/>
-              </a:rPr>
-              <a:t>of $5 as total </a:t>
-            </a:r>
-            <a:r>
-              <a:rPr lang="fr-FR" sz="1600" baseline="30000" dirty="0" err="1">
-                <a:latin typeface="Consolas"/>
-                <a:cs typeface="Consolas"/>
-              </a:rPr>
-              <a:t>query</a:t>
-            </a:r>
-            <a:r>
-              <a:rPr lang="fr-FR" sz="1600" baseline="30000" dirty="0">
-                <a:latin typeface="Consolas"/>
-                <a:cs typeface="Consolas"/>
-              </a:rPr>
-              <a:t> </a:t>
-            </a:r>
-            <a:r>
-              <a:rPr lang="fr-FR" sz="1600" baseline="30000" dirty="0" err="1" smtClean="0">
-                <a:latin typeface="Consolas"/>
-                <a:cs typeface="Consolas"/>
-              </a:rPr>
-              <a:t>cost</a:t>
-            </a:r>
-            <a:endParaRPr lang="fr-FR" sz="1600" baseline="30000" dirty="0" smtClean="0">
-              <a:latin typeface="Consolas"/>
-              <a:cs typeface="Consolas"/>
-            </a:endParaRPr>
-          </a:p>
-          <a:p>
-            <a:pPr marL="285750" indent="-285750">
-              <a:buFont typeface="Arial"/>
-              <a:buChar char="•"/>
-            </a:pPr>
-            <a:r>
-              <a:rPr lang="fr-FR" sz="1600" baseline="30000" dirty="0" err="1">
-                <a:latin typeface="Consolas"/>
-                <a:cs typeface="Consolas"/>
-              </a:rPr>
-              <a:t>O</a:t>
-            </a:r>
-            <a:r>
-              <a:rPr lang="fr-FR" sz="1600" baseline="30000" dirty="0" err="1" smtClean="0">
-                <a:latin typeface="Consolas"/>
-                <a:cs typeface="Consolas"/>
-              </a:rPr>
-              <a:t>nly</a:t>
-            </a:r>
-            <a:r>
-              <a:rPr lang="fr-FR" sz="1600" baseline="30000" dirty="0" smtClean="0">
-                <a:latin typeface="Consolas"/>
-                <a:cs typeface="Consolas"/>
-              </a:rPr>
-              <a:t> </a:t>
-            </a:r>
-            <a:r>
-              <a:rPr lang="fr-FR" sz="1600" baseline="30000" dirty="0">
-                <a:latin typeface="Consolas"/>
-                <a:cs typeface="Consolas"/>
-              </a:rPr>
-              <a:t>green </a:t>
-            </a:r>
-            <a:r>
-              <a:rPr lang="fr-FR" sz="1600" baseline="30000" dirty="0" err="1">
-                <a:latin typeface="Consolas"/>
-                <a:cs typeface="Consolas"/>
-              </a:rPr>
-              <a:t>energy</a:t>
-            </a:r>
-            <a:r>
-              <a:rPr lang="fr-FR" sz="1600" baseline="30000" dirty="0">
-                <a:latin typeface="Consolas"/>
-                <a:cs typeface="Consolas"/>
-              </a:rPr>
-              <a:t> </a:t>
-            </a:r>
-            <a:r>
-              <a:rPr lang="fr-FR" sz="1600" baseline="30000" dirty="0" smtClean="0">
-                <a:latin typeface="Consolas"/>
-                <a:cs typeface="Consolas"/>
-              </a:rPr>
-              <a:t>providers (</a:t>
-            </a:r>
-            <a:r>
-              <a:rPr lang="fr-FR" sz="1600" baseline="30000" dirty="0">
-                <a:latin typeface="Consolas"/>
-                <a:cs typeface="Consolas"/>
-              </a:rPr>
-              <a:t>provenance</a:t>
-            </a:r>
-            <a:r>
-              <a:rPr lang="fr-FR" sz="1600" baseline="30000" dirty="0" smtClean="0">
-                <a:latin typeface="Consolas"/>
-                <a:cs typeface="Consolas"/>
-              </a:rPr>
-              <a:t>) </a:t>
-            </a:r>
-          </a:p>
-          <a:p>
-            <a:pPr marL="285750" indent="-285750">
-              <a:buFont typeface="Arial"/>
-              <a:buChar char="•"/>
-            </a:pPr>
-            <a:r>
-              <a:rPr lang="fr-FR" sz="1600" baseline="30000" dirty="0" err="1">
-                <a:latin typeface="Consolas"/>
-                <a:cs typeface="Consolas"/>
-              </a:rPr>
-              <a:t>A</a:t>
-            </a:r>
-            <a:r>
-              <a:rPr lang="fr-FR" sz="1600" baseline="30000" dirty="0" err="1" smtClean="0">
-                <a:latin typeface="Consolas"/>
-                <a:cs typeface="Consolas"/>
-              </a:rPr>
-              <a:t>t</a:t>
-            </a:r>
-            <a:r>
-              <a:rPr lang="fr-FR" sz="1600" baseline="30000" dirty="0" smtClean="0">
-                <a:latin typeface="Consolas"/>
-                <a:cs typeface="Consolas"/>
-              </a:rPr>
-              <a:t> </a:t>
-            </a:r>
-            <a:r>
-              <a:rPr lang="fr-FR" sz="1600" baseline="30000" dirty="0">
-                <a:latin typeface="Consolas"/>
-                <a:cs typeface="Consolas"/>
-              </a:rPr>
-              <a:t>least 85% of </a:t>
-            </a:r>
-            <a:r>
-              <a:rPr lang="fr-FR" sz="1600" baseline="30000" dirty="0" err="1">
-                <a:latin typeface="Consolas"/>
-                <a:cs typeface="Consolas"/>
-              </a:rPr>
-              <a:t>precision</a:t>
-            </a:r>
-            <a:r>
-              <a:rPr lang="fr-FR" sz="1600" baseline="30000" dirty="0">
-                <a:latin typeface="Consolas"/>
-                <a:cs typeface="Consolas"/>
-              </a:rPr>
-              <a:t> of </a:t>
-            </a:r>
-            <a:r>
-              <a:rPr lang="fr-FR" sz="1600" baseline="30000" dirty="0" err="1">
-                <a:latin typeface="Consolas"/>
-                <a:cs typeface="Consolas"/>
-              </a:rPr>
-              <a:t>provided</a:t>
-            </a:r>
-            <a:r>
-              <a:rPr lang="fr-FR" sz="1600" baseline="30000" dirty="0">
-                <a:latin typeface="Consolas"/>
-                <a:cs typeface="Consolas"/>
-              </a:rPr>
-              <a:t> data</a:t>
-            </a:r>
-            <a:r>
-              <a:rPr lang="fr-FR" sz="1600" baseline="30000" dirty="0" smtClean="0">
-                <a:latin typeface="Consolas"/>
-                <a:cs typeface="Consolas"/>
-              </a:rPr>
-              <a:t>,</a:t>
-            </a:r>
-            <a:r>
-              <a:rPr lang="fr-FR" sz="1600" dirty="0" smtClean="0">
-                <a:latin typeface="Consolas"/>
-                <a:cs typeface="Consolas"/>
-              </a:rPr>
-              <a:t> </a:t>
-            </a:r>
-            <a:r>
-              <a:rPr lang="fr-FR" sz="1600" baseline="30000" dirty="0" err="1" smtClean="0">
-                <a:latin typeface="Consolas"/>
-                <a:cs typeface="Consolas"/>
-              </a:rPr>
-              <a:t>even</a:t>
-            </a:r>
-            <a:r>
-              <a:rPr lang="fr-FR" sz="1600" baseline="30000" dirty="0" smtClean="0">
-                <a:latin typeface="Consolas"/>
-                <a:cs typeface="Consolas"/>
-              </a:rPr>
-              <a:t> </a:t>
-            </a:r>
-            <a:r>
-              <a:rPr lang="fr-FR" sz="1600" baseline="30000" dirty="0">
-                <a:latin typeface="Consolas"/>
-                <a:cs typeface="Consolas"/>
-              </a:rPr>
-              <a:t>if </a:t>
-            </a:r>
-            <a:r>
-              <a:rPr lang="fr-FR" sz="1600" baseline="30000" dirty="0" err="1">
-                <a:latin typeface="Consolas"/>
-                <a:cs typeface="Consolas"/>
-              </a:rPr>
-              <a:t>they</a:t>
-            </a:r>
-            <a:r>
-              <a:rPr lang="fr-FR" sz="1600" baseline="30000" dirty="0">
-                <a:latin typeface="Consolas"/>
-                <a:cs typeface="Consolas"/>
-              </a:rPr>
-              <a:t> are not </a:t>
-            </a:r>
-            <a:r>
-              <a:rPr lang="fr-FR" sz="1600" baseline="30000" dirty="0" err="1" smtClean="0">
-                <a:latin typeface="Consolas"/>
-                <a:cs typeface="Consolas"/>
-              </a:rPr>
-              <a:t>fresh</a:t>
-            </a:r>
-            <a:r>
-              <a:rPr lang="fr-FR" sz="1600" baseline="30000" dirty="0" smtClean="0">
-                <a:latin typeface="Consolas"/>
-                <a:cs typeface="Consolas"/>
-              </a:rPr>
-              <a:t> </a:t>
-            </a:r>
-            <a:endParaRPr lang="fr-FR" sz="1600" baseline="30000" dirty="0">
-              <a:latin typeface="Consolas"/>
-              <a:cs typeface="Consolas"/>
-            </a:endParaRPr>
-          </a:p>
-          <a:p>
-            <a:pPr marL="285750" indent="-285750">
-              <a:buFont typeface="Arial"/>
-              <a:buChar char="•"/>
-            </a:pPr>
-            <a:r>
-              <a:rPr lang="fr-FR" sz="1600" baseline="30000" dirty="0" err="1">
-                <a:latin typeface="Consolas"/>
-                <a:cs typeface="Consolas"/>
-              </a:rPr>
-              <a:t>A</a:t>
-            </a:r>
-            <a:r>
-              <a:rPr lang="fr-FR" sz="1600" baseline="30000" dirty="0" err="1" smtClean="0">
-                <a:latin typeface="Consolas"/>
-                <a:cs typeface="Consolas"/>
-              </a:rPr>
-              <a:t>vailability</a:t>
-            </a:r>
-            <a:r>
-              <a:rPr lang="fr-FR" sz="1600" baseline="30000" dirty="0" smtClean="0">
-                <a:latin typeface="Consolas"/>
-                <a:cs typeface="Consolas"/>
-              </a:rPr>
-              <a:t> </a:t>
-            </a:r>
-            <a:r>
-              <a:rPr lang="fr-FR" sz="1600" baseline="30000" dirty="0">
-                <a:latin typeface="Consolas"/>
-                <a:cs typeface="Consolas"/>
-              </a:rPr>
-              <a:t>rate of </a:t>
-            </a:r>
-            <a:r>
-              <a:rPr lang="fr-FR" sz="1600" baseline="30000" dirty="0" err="1">
-                <a:latin typeface="Consolas"/>
-                <a:cs typeface="Consolas"/>
-              </a:rPr>
-              <a:t>at</a:t>
-            </a:r>
-            <a:r>
-              <a:rPr lang="fr-FR" sz="1600" baseline="30000" dirty="0">
-                <a:latin typeface="Consolas"/>
-                <a:cs typeface="Consolas"/>
-              </a:rPr>
-              <a:t> least 90</a:t>
-            </a:r>
-            <a:r>
-              <a:rPr lang="fr-FR" sz="1600" baseline="30000" dirty="0" smtClean="0">
-                <a:latin typeface="Consolas"/>
-                <a:cs typeface="Consolas"/>
-              </a:rPr>
-              <a:t>%</a:t>
-            </a:r>
-          </a:p>
-          <a:p>
-            <a:pPr marL="285750" indent="-285750">
-              <a:buFont typeface="Arial"/>
-              <a:buChar char="•"/>
-            </a:pPr>
-            <a:r>
-              <a:rPr lang="fr-FR" sz="1600" baseline="30000" dirty="0" err="1">
-                <a:latin typeface="Consolas"/>
-                <a:cs typeface="Consolas"/>
-              </a:rPr>
-              <a:t>R</a:t>
-            </a:r>
-            <a:r>
-              <a:rPr lang="fr-FR" sz="1600" baseline="30000" dirty="0" err="1" smtClean="0">
-                <a:latin typeface="Consolas"/>
-                <a:cs typeface="Consolas"/>
-              </a:rPr>
-              <a:t>esponse</a:t>
-            </a:r>
-            <a:r>
-              <a:rPr lang="fr-FR" sz="1600" baseline="30000" dirty="0" smtClean="0">
-                <a:latin typeface="Consolas"/>
-                <a:cs typeface="Consolas"/>
-              </a:rPr>
-              <a:t> </a:t>
-            </a:r>
-            <a:r>
-              <a:rPr lang="fr-FR" sz="1600" baseline="30000" dirty="0">
-                <a:latin typeface="Consolas"/>
-                <a:cs typeface="Consolas"/>
-              </a:rPr>
-              <a:t>time of 0,01 </a:t>
-            </a:r>
-            <a:r>
-              <a:rPr lang="fr-FR" sz="1600" baseline="30000" dirty="0" smtClean="0">
-                <a:latin typeface="Consolas"/>
-                <a:cs typeface="Consolas"/>
-              </a:rPr>
-              <a:t>sec.</a:t>
-            </a:r>
-            <a:endParaRPr lang="fr-FR" sz="1600" dirty="0">
-              <a:latin typeface="Consolas"/>
-              <a:cs typeface="Consolas"/>
-            </a:endParaRPr>
-          </a:p>
-        </p:txBody>
-      </p:sp>
-      <p:pic>
-        <p:nvPicPr>
-          <p:cNvPr id="13" name="Image 12" descr="user-icon.png"/>
-          <p:cNvPicPr>
-            <a:picLocks noChangeAspect="1"/>
-          </p:cNvPicPr>
-          <p:nvPr/>
-        </p:nvPicPr>
-        <p:blipFill>
-          <a:blip r:embed="rId4">
-            <a:extLst>
-              <a:ext uri="{28A0092B-C50C-407E-A947-70E740481C1C}">
-                <a14:useLocalDpi xmlns:a14="http://schemas.microsoft.com/office/drawing/2010/main" val="0"/>
-              </a:ext>
-            </a:extLst>
-          </a:blip>
-          <a:stretch>
-            <a:fillRect/>
-          </a:stretch>
-        </p:blipFill>
-        <p:spPr>
-          <a:xfrm>
-            <a:off x="8043332" y="4258732"/>
-            <a:ext cx="560369" cy="580542"/>
-          </a:xfrm>
-          <a:prstGeom prst="rect">
-            <a:avLst/>
-          </a:prstGeom>
-        </p:spPr>
-      </p:pic>
-      <p:sp>
-        <p:nvSpPr>
-          <p:cNvPr id="14" name="Document 13"/>
-          <p:cNvSpPr/>
-          <p:nvPr/>
-        </p:nvSpPr>
-        <p:spPr>
-          <a:xfrm>
-            <a:off x="618057" y="3035395"/>
-            <a:ext cx="4064010" cy="2097749"/>
-          </a:xfrm>
-          <a:prstGeom prst="flowChartDocument">
-            <a:avLst/>
-          </a:prstGeom>
-          <a:ln w="38100" cmpd="sng">
-            <a:solidFill>
-              <a:schemeClr val="accent4"/>
-            </a:solidFill>
-          </a:ln>
-        </p:spPr>
-        <p:txBody>
-          <a:bodyPr wrap="square">
-            <a:spAutoFit/>
-          </a:bodyPr>
-          <a:lstStyle/>
-          <a:p>
-            <a:pPr marL="171450" indent="-171450">
-              <a:lnSpc>
-                <a:spcPct val="110000"/>
-              </a:lnSpc>
-              <a:buFont typeface="Arial"/>
-              <a:buChar char="•"/>
-            </a:pPr>
-            <a:r>
-              <a:rPr lang="fr-FR" sz="1050" b="1" dirty="0" smtClean="0">
-                <a:latin typeface="Consolas"/>
-                <a:cs typeface="Consolas"/>
-              </a:rPr>
-              <a:t>Q total </a:t>
-            </a:r>
-            <a:r>
-              <a:rPr lang="fr-FR" sz="1050" b="1" dirty="0" err="1" smtClean="0">
-                <a:latin typeface="Consolas"/>
-                <a:cs typeface="Consolas"/>
-              </a:rPr>
-              <a:t>cost</a:t>
-            </a:r>
-            <a:r>
-              <a:rPr lang="fr-FR" sz="1050" dirty="0" err="1" smtClean="0">
-                <a:latin typeface="Consolas"/>
-                <a:cs typeface="Consolas"/>
-              </a:rPr>
-              <a:t>:</a:t>
-            </a:r>
-            <a:r>
-              <a:rPr lang="fr-FR" sz="1050" dirty="0" err="1" smtClean="0">
-                <a:latin typeface="Symbol" charset="2"/>
-                <a:cs typeface="Symbol" charset="2"/>
-              </a:rPr>
-              <a:t>S</a:t>
-            </a:r>
-            <a:r>
-              <a:rPr lang="fr-FR" sz="1050" baseline="-25000" dirty="0" err="1" smtClean="0">
-                <a:latin typeface="Consolas"/>
-                <a:cs typeface="Consolas"/>
-              </a:rPr>
-              <a:t>i</a:t>
-            </a:r>
-            <a:r>
-              <a:rPr lang="fr-FR" sz="1050" baseline="-25000" dirty="0" smtClean="0">
-                <a:latin typeface="Consolas"/>
-                <a:cs typeface="Consolas"/>
-              </a:rPr>
-              <a:t>=1…n</a:t>
-            </a:r>
-            <a:r>
-              <a:rPr lang="fr-FR" sz="1050" dirty="0" smtClean="0">
-                <a:latin typeface="Consolas"/>
-                <a:cs typeface="Consolas"/>
-              </a:rPr>
-              <a:t> </a:t>
-            </a:r>
-            <a:r>
-              <a:rPr lang="fr-FR" sz="1050" dirty="0" err="1" smtClean="0">
-                <a:latin typeface="Consolas"/>
-                <a:cs typeface="Consolas"/>
-              </a:rPr>
-              <a:t>cost</a:t>
-            </a:r>
-            <a:r>
-              <a:rPr lang="fr-FR" sz="1050" dirty="0" smtClean="0">
-                <a:latin typeface="Consolas"/>
-                <a:cs typeface="Consolas"/>
-              </a:rPr>
-              <a:t>(s</a:t>
-            </a:r>
-            <a:r>
-              <a:rPr lang="fr-FR" sz="1050" baseline="-25000" dirty="0" smtClean="0">
-                <a:latin typeface="Consolas"/>
-                <a:cs typeface="Consolas"/>
-              </a:rPr>
-              <a:t>i</a:t>
-            </a:r>
-            <a:r>
-              <a:rPr lang="fr-FR" sz="1050" dirty="0" smtClean="0">
-                <a:latin typeface="Consolas"/>
-                <a:cs typeface="Consolas"/>
-              </a:rPr>
-              <a:t>) + </a:t>
-            </a:r>
-            <a:r>
-              <a:rPr lang="fr-FR" sz="1050" dirty="0">
-                <a:latin typeface="Consolas"/>
-                <a:cs typeface="Consolas"/>
-              </a:rPr>
-              <a:t>data </a:t>
-            </a:r>
-            <a:r>
-              <a:rPr lang="fr-FR" sz="1050" dirty="0" err="1" smtClean="0">
-                <a:latin typeface="Consolas"/>
-                <a:cs typeface="Consolas"/>
-              </a:rPr>
-              <a:t>transfer</a:t>
-            </a:r>
-            <a:r>
-              <a:rPr lang="fr-FR" sz="1050" dirty="0" smtClean="0">
-                <a:latin typeface="Consolas"/>
-                <a:cs typeface="Consolas"/>
-              </a:rPr>
-              <a:t> ≦ </a:t>
-            </a:r>
-            <a:r>
-              <a:rPr lang="fr-FR" sz="1050" dirty="0">
-                <a:latin typeface="Consolas"/>
-                <a:cs typeface="Consolas"/>
-              </a:rPr>
-              <a:t>$5</a:t>
-            </a:r>
-            <a:endParaRPr lang="fr-FR" sz="1050" dirty="0" smtClean="0">
-              <a:latin typeface="Consolas"/>
-              <a:cs typeface="Consolas"/>
-            </a:endParaRPr>
-          </a:p>
-          <a:p>
-            <a:pPr marL="171450" indent="-171450">
-              <a:lnSpc>
-                <a:spcPct val="110000"/>
-              </a:lnSpc>
-              <a:buFont typeface="Arial"/>
-              <a:buChar char="•"/>
-            </a:pPr>
-            <a:r>
-              <a:rPr lang="fr-FR" sz="1050" b="1" dirty="0" smtClean="0">
-                <a:latin typeface="Consolas"/>
-                <a:cs typeface="Consolas"/>
-              </a:rPr>
-              <a:t>Total </a:t>
-            </a:r>
-            <a:r>
-              <a:rPr lang="fr-FR" sz="1050" b="1" dirty="0" err="1" smtClean="0">
-                <a:latin typeface="Consolas"/>
-                <a:cs typeface="Consolas"/>
-              </a:rPr>
-              <a:t>response</a:t>
-            </a:r>
-            <a:r>
-              <a:rPr lang="fr-FR" sz="1050" b="1" dirty="0" smtClean="0">
-                <a:latin typeface="Consolas"/>
-                <a:cs typeface="Consolas"/>
-              </a:rPr>
-              <a:t> time</a:t>
-            </a:r>
-            <a:r>
-              <a:rPr lang="fr-FR" sz="1050" dirty="0" smtClean="0">
-                <a:latin typeface="Consolas"/>
-                <a:cs typeface="Consolas"/>
-              </a:rPr>
-              <a:t>: </a:t>
-            </a:r>
-            <a:r>
-              <a:rPr lang="fr-FR" sz="1050" dirty="0" smtClean="0">
-                <a:latin typeface="Symbol" charset="2"/>
-                <a:cs typeface="Symbol" charset="2"/>
-              </a:rPr>
-              <a:t>S</a:t>
-            </a:r>
-            <a:r>
-              <a:rPr lang="fr-FR" sz="1050" baseline="-25000" dirty="0" smtClean="0">
-                <a:latin typeface="Consolas"/>
-                <a:cs typeface="Consolas"/>
-              </a:rPr>
-              <a:t>i</a:t>
-            </a:r>
-            <a:r>
-              <a:rPr lang="fr-FR" sz="1050" baseline="-25000" dirty="0">
-                <a:latin typeface="Consolas"/>
-                <a:cs typeface="Consolas"/>
-              </a:rPr>
-              <a:t>=1…n</a:t>
-            </a:r>
-            <a:r>
-              <a:rPr lang="fr-FR" sz="1050" dirty="0">
-                <a:latin typeface="Consolas"/>
-                <a:cs typeface="Consolas"/>
-              </a:rPr>
-              <a:t> </a:t>
-            </a:r>
-            <a:r>
-              <a:rPr lang="fr-FR" sz="1050" dirty="0" err="1" smtClean="0">
-                <a:latin typeface="Consolas"/>
-                <a:cs typeface="Consolas"/>
-              </a:rPr>
-              <a:t>respTime</a:t>
-            </a:r>
-            <a:r>
-              <a:rPr lang="fr-FR" sz="1050" dirty="0" smtClean="0">
-                <a:latin typeface="Consolas"/>
-                <a:cs typeface="Consolas"/>
-              </a:rPr>
-              <a:t>(</a:t>
-            </a:r>
-            <a:r>
-              <a:rPr lang="fr-FR" sz="1050" dirty="0">
-                <a:latin typeface="Consolas"/>
-                <a:cs typeface="Consolas"/>
-              </a:rPr>
-              <a:t>s</a:t>
-            </a:r>
-            <a:r>
-              <a:rPr lang="fr-FR" sz="1050" baseline="-25000" dirty="0">
-                <a:latin typeface="Consolas"/>
-                <a:cs typeface="Consolas"/>
-              </a:rPr>
-              <a:t>i</a:t>
-            </a:r>
-            <a:r>
-              <a:rPr lang="fr-FR" sz="1050" dirty="0">
-                <a:latin typeface="Consolas"/>
-                <a:cs typeface="Consolas"/>
-              </a:rPr>
-              <a:t>) + data </a:t>
-            </a:r>
-            <a:r>
-              <a:rPr lang="fr-FR" sz="1050" dirty="0" err="1">
-                <a:latin typeface="Consolas"/>
-                <a:cs typeface="Consolas"/>
-              </a:rPr>
-              <a:t>transfer</a:t>
-            </a:r>
-            <a:r>
-              <a:rPr lang="fr-FR" sz="1050" dirty="0">
-                <a:latin typeface="Consolas"/>
-                <a:cs typeface="Consolas"/>
-              </a:rPr>
-              <a:t> ≦ $</a:t>
-            </a:r>
-            <a:r>
-              <a:rPr lang="fr-FR" sz="1050" dirty="0" smtClean="0">
-                <a:latin typeface="Consolas"/>
-                <a:cs typeface="Consolas"/>
-              </a:rPr>
-              <a:t>5 0,01 sec.</a:t>
-            </a:r>
-          </a:p>
-          <a:p>
-            <a:pPr marL="171450" indent="-171450">
-              <a:lnSpc>
-                <a:spcPct val="110000"/>
-              </a:lnSpc>
-              <a:buFont typeface="Arial"/>
-              <a:buChar char="•"/>
-            </a:pPr>
-            <a:r>
-              <a:rPr lang="fr-FR" sz="1050" b="1" dirty="0" err="1" smtClean="0">
-                <a:latin typeface="Consolas"/>
-                <a:cs typeface="Consolas"/>
-              </a:rPr>
-              <a:t>Availability</a:t>
-            </a:r>
-            <a:r>
-              <a:rPr lang="fr-FR" sz="1050" dirty="0" smtClean="0">
-                <a:latin typeface="Consolas"/>
-                <a:cs typeface="Consolas"/>
-              </a:rPr>
-              <a:t>: (of services </a:t>
-            </a:r>
-            <a:r>
-              <a:rPr lang="fr-FR" sz="1050" dirty="0" err="1" smtClean="0">
-                <a:latin typeface="Consolas"/>
-                <a:cs typeface="Consolas"/>
-              </a:rPr>
-              <a:t>involved</a:t>
-            </a:r>
-            <a:r>
-              <a:rPr lang="fr-FR" sz="1050" dirty="0">
-                <a:latin typeface="Consolas"/>
-                <a:cs typeface="Consolas"/>
-              </a:rPr>
-              <a:t>) ≦ </a:t>
-            </a:r>
-            <a:r>
-              <a:rPr lang="fr-FR" sz="1050" dirty="0" smtClean="0">
-                <a:latin typeface="Consolas"/>
-                <a:cs typeface="Consolas"/>
-              </a:rPr>
-              <a:t>90%</a:t>
-            </a:r>
-          </a:p>
-          <a:p>
-            <a:pPr marL="171450" indent="-171450">
-              <a:lnSpc>
-                <a:spcPct val="110000"/>
-              </a:lnSpc>
-              <a:buFont typeface="Arial"/>
-              <a:buChar char="•"/>
-            </a:pPr>
-            <a:r>
-              <a:rPr lang="fr-FR" sz="1050" b="1" dirty="0" err="1" smtClean="0">
-                <a:latin typeface="Consolas"/>
-                <a:cs typeface="Consolas"/>
-              </a:rPr>
-              <a:t>Freshness</a:t>
-            </a:r>
-            <a:r>
-              <a:rPr lang="fr-FR" sz="1050" dirty="0" smtClean="0">
-                <a:latin typeface="Consolas"/>
-                <a:cs typeface="Consolas"/>
-              </a:rPr>
-              <a:t>: non</a:t>
-            </a:r>
-          </a:p>
-          <a:p>
-            <a:pPr marL="171450" indent="-171450">
-              <a:lnSpc>
-                <a:spcPct val="110000"/>
-              </a:lnSpc>
-              <a:buFont typeface="Arial"/>
-              <a:buChar char="•"/>
-            </a:pPr>
-            <a:r>
-              <a:rPr lang="fr-FR" sz="1050" b="1" dirty="0" err="1" smtClean="0">
-                <a:latin typeface="Consolas"/>
-                <a:cs typeface="Consolas"/>
-              </a:rPr>
-              <a:t>Precision</a:t>
-            </a:r>
-            <a:r>
-              <a:rPr lang="fr-FR" sz="1050" dirty="0" smtClean="0">
-                <a:latin typeface="Consolas"/>
-                <a:cs typeface="Consolas"/>
-              </a:rPr>
-              <a:t>: </a:t>
-            </a:r>
-            <a:r>
-              <a:rPr lang="fr-FR" sz="1050" dirty="0" err="1" smtClean="0">
-                <a:latin typeface="Consolas"/>
-                <a:cs typeface="Consolas"/>
-              </a:rPr>
-              <a:t>avg</a:t>
-            </a:r>
-            <a:r>
-              <a:rPr lang="fr-FR" sz="1050" dirty="0" smtClean="0">
-                <a:latin typeface="Consolas"/>
-                <a:cs typeface="Consolas"/>
-              </a:rPr>
-              <a:t> </a:t>
-            </a:r>
-            <a:r>
-              <a:rPr lang="fr-FR" sz="1050" dirty="0" err="1" smtClean="0">
-                <a:latin typeface="Consolas"/>
-                <a:cs typeface="Consolas"/>
-              </a:rPr>
-              <a:t>precision</a:t>
-            </a:r>
-            <a:r>
-              <a:rPr lang="fr-FR" sz="1050" dirty="0" smtClean="0">
-                <a:latin typeface="Consolas"/>
-                <a:cs typeface="Consolas"/>
-              </a:rPr>
-              <a:t> of services </a:t>
-            </a:r>
-            <a:r>
-              <a:rPr lang="fr-FR" sz="1050" dirty="0" err="1" smtClean="0">
-                <a:latin typeface="Consolas"/>
-                <a:cs typeface="Consolas"/>
-              </a:rPr>
-              <a:t>involved</a:t>
-            </a:r>
-            <a:r>
-              <a:rPr lang="fr-FR" sz="1050" dirty="0">
-                <a:latin typeface="Consolas"/>
-                <a:cs typeface="Consolas"/>
-              </a:rPr>
-              <a:t> ≦ </a:t>
-            </a:r>
-            <a:r>
-              <a:rPr lang="fr-FR" sz="1050" dirty="0" smtClean="0">
-                <a:latin typeface="Consolas"/>
-                <a:cs typeface="Consolas"/>
-              </a:rPr>
-              <a:t>85%</a:t>
-            </a:r>
-          </a:p>
-          <a:p>
-            <a:pPr marL="171450" indent="-171450">
-              <a:lnSpc>
-                <a:spcPct val="110000"/>
-              </a:lnSpc>
-              <a:buFont typeface="Arial"/>
-              <a:buChar char="•"/>
-            </a:pPr>
-            <a:r>
-              <a:rPr lang="fr-FR" sz="1050" b="1" dirty="0" smtClean="0">
-                <a:latin typeface="Consolas"/>
-                <a:cs typeface="Consolas"/>
-              </a:rPr>
-              <a:t>Provenance</a:t>
-            </a:r>
-            <a:r>
-              <a:rPr lang="fr-FR" sz="1050" dirty="0" smtClean="0">
-                <a:latin typeface="Consolas"/>
-                <a:cs typeface="Consolas"/>
-              </a:rPr>
-              <a:t>: green services</a:t>
-            </a:r>
-          </a:p>
-          <a:p>
-            <a:pPr marL="171450" indent="-171450">
-              <a:lnSpc>
-                <a:spcPct val="110000"/>
-              </a:lnSpc>
-              <a:buFont typeface="Arial"/>
-              <a:buChar char="•"/>
-            </a:pPr>
-            <a:r>
-              <a:rPr lang="fr-FR" sz="1050" b="1" dirty="0" smtClean="0">
-                <a:latin typeface="Consolas"/>
-                <a:cs typeface="Consolas"/>
-              </a:rPr>
-              <a:t>Storage</a:t>
-            </a:r>
-            <a:r>
-              <a:rPr lang="fr-FR" sz="1050" dirty="0" smtClean="0">
-                <a:latin typeface="Consolas"/>
-                <a:cs typeface="Consolas"/>
-              </a:rPr>
-              <a:t>: partial </a:t>
-            </a:r>
-            <a:r>
-              <a:rPr lang="fr-FR" sz="1050" dirty="0" err="1" smtClean="0">
-                <a:latin typeface="Consolas"/>
-                <a:cs typeface="Consolas"/>
-              </a:rPr>
-              <a:t>results</a:t>
-            </a:r>
-            <a:r>
-              <a:rPr lang="fr-FR" sz="1050" dirty="0" smtClean="0">
-                <a:latin typeface="Consolas"/>
-                <a:cs typeface="Consolas"/>
-              </a:rPr>
-              <a:t> </a:t>
-            </a:r>
-            <a:r>
-              <a:rPr lang="fr-FR" sz="1050" dirty="0">
-                <a:latin typeface="Consolas"/>
-                <a:cs typeface="Consolas"/>
-              </a:rPr>
-              <a:t>size </a:t>
-            </a:r>
-            <a:r>
-              <a:rPr lang="fr-FR" sz="1050" dirty="0" smtClean="0">
-                <a:latin typeface="Consolas"/>
-                <a:cs typeface="Consolas"/>
-              </a:rPr>
-              <a:t>≦ 1 Giga</a:t>
-            </a:r>
-            <a:endParaRPr lang="fr-FR" sz="1050" dirty="0">
-              <a:latin typeface="Consolas"/>
-              <a:cs typeface="Consolas"/>
-            </a:endParaRPr>
-          </a:p>
-        </p:txBody>
-      </p:sp>
     </p:spTree>
     <p:extLst>
       <p:ext uri="{BB962C8B-B14F-4D97-AF65-F5344CB8AC3E}">
-        <p14:creationId xmlns:p14="http://schemas.microsoft.com/office/powerpoint/2010/main" val="2160535605"/>
+        <p14:creationId xmlns:p14="http://schemas.microsoft.com/office/powerpoint/2010/main" val="2648582231"/>
       </p:ext>
     </p:extLst>
   </p:cSld>
@@ -28858,133 +31487,9 @@
   <p:timing>
     <p:tnLst>
       <p:par>
-        <p:cTn xmlns:p14="http://schemas.microsoft.com/office/powerpoint/2010/main" id="1" dur="indefinite" restart="never" nodeType="tmRoot">
-          <p:childTnLst>
-            <p:seq concurrent="1" nextAc="seek">
-              <p:cTn id="2" dur="indefinite" nodeType="mainSeq">
-                <p:childTnLst>
-                  <p:par>
-                    <p:cTn id="3" fill="hold">
-                      <p:stCondLst>
-                        <p:cond delay="indefinite"/>
-                      </p:stCondLst>
-                      <p:childTnLst>
-                        <p:par>
-                          <p:cTn id="4" fill="hold">
-                            <p:stCondLst>
-                              <p:cond delay="0"/>
-                            </p:stCondLst>
-                            <p:childTnLst>
-                              <p:par>
-                                <p:cTn id="5" presetID="5" presetClass="entr" presetSubtype="10" fill="hold" nodeType="clickEffect">
-                                  <p:stCondLst>
-                                    <p:cond delay="0"/>
-                                  </p:stCondLst>
-                                  <p:childTnLst>
-                                    <p:set>
-                                      <p:cBhvr>
-                                        <p:cTn id="6" dur="1" fill="hold">
-                                          <p:stCondLst>
-                                            <p:cond delay="0"/>
-                                          </p:stCondLst>
-                                        </p:cTn>
-                                        <p:tgtEl>
-                                          <p:spTgt spid="4"/>
-                                        </p:tgtEl>
-                                        <p:attrNameLst>
-                                          <p:attrName>style.visibility</p:attrName>
-                                        </p:attrNameLst>
-                                      </p:cBhvr>
-                                      <p:to>
-                                        <p:strVal val="visible"/>
-                                      </p:to>
-                                    </p:set>
-                                    <p:animEffect transition="in" filter="checkerboard(across)">
-                                      <p:cBhvr>
-                                        <p:cTn id="7" dur="500"/>
-                                        <p:tgtEl>
-                                          <p:spTgt spid="4"/>
-                                        </p:tgtEl>
-                                      </p:cBhvr>
-                                    </p:animEffect>
-                                  </p:childTnLst>
-                                </p:cTn>
-                              </p:par>
-                            </p:childTnLst>
-                          </p:cTn>
-                        </p:par>
-                      </p:childTnLst>
-                    </p:cTn>
-                  </p:par>
-                  <p:par>
-                    <p:cTn id="8" fill="hold">
-                      <p:stCondLst>
-                        <p:cond delay="indefinite"/>
-                      </p:stCondLst>
-                      <p:childTnLst>
-                        <p:par>
-                          <p:cTn id="9" fill="hold">
-                            <p:stCondLst>
-                              <p:cond delay="0"/>
-                            </p:stCondLst>
-                            <p:childTnLst>
-                              <p:par>
-                                <p:cTn id="10" presetID="1" presetClass="entr" presetSubtype="0" fill="hold" grpId="0" nodeType="clickEffect">
-                                  <p:stCondLst>
-                                    <p:cond delay="0"/>
-                                  </p:stCondLst>
-                                  <p:childTnLst>
-                                    <p:set>
-                                      <p:cBhvr>
-                                        <p:cTn id="11" dur="1" fill="hold">
-                                          <p:stCondLst>
-                                            <p:cond delay="0"/>
-                                          </p:stCondLst>
-                                        </p:cTn>
-                                        <p:tgtEl>
-                                          <p:spTgt spid="14"/>
-                                        </p:tgtEl>
-                                        <p:attrNameLst>
-                                          <p:attrName>style.visibility</p:attrName>
-                                        </p:attrNameLst>
-                                      </p:cBhvr>
-                                      <p:to>
-                                        <p:strVal val="visible"/>
-                                      </p:to>
-                                    </p:set>
-                                  </p:childTnLst>
-                                </p:cTn>
-                              </p:par>
-                            </p:childTnLst>
-                          </p:cTn>
-                        </p:par>
-                      </p:childTnLst>
-                    </p:cTn>
-                  </p:par>
-                </p:childTnLst>
-              </p:cTn>
-              <p:prevCondLst>
-                <p:cond evt="onPrev" delay="0">
-                  <p:tgtEl>
-                    <p:sldTgt/>
-                  </p:tgtEl>
-                </p:cond>
-              </p:prevCondLst>
-              <p:nextCondLst>
-                <p:cond evt="onNext" delay="0">
-                  <p:tgtEl>
-                    <p:sldTgt/>
-                  </p:tgtEl>
-                </p:cond>
-              </p:nextCondLst>
-            </p:seq>
-          </p:childTnLst>
-        </p:cTn>
+        <p:cTn xmlns:p14="http://schemas.microsoft.com/office/powerpoint/2010/main" id="1" dur="indefinite" restart="never" nodeType="tmRoot"/>
       </p:par>
     </p:tnLst>
-    <p:bldLst>
-      <p:bldP spid="14" grpId="0" animBg="1"/>
-    </p:bldLst>
   </p:timing>
 </p:sld>
 </file>
@@ -29252,7 +31757,7 @@
   <a:extraClrSchemeLst/>
   <a:extLst>
     <a:ext uri="{05A4C25C-085E-4340-85A3-A5531E510DB2}">
-      <thm15:themeFamily xmlns:thm15="http://schemas.microsoft.com/office/thememl/2012/main" xmlns="" name="Dividend" id="{9697A71B-4AB7-4A1A-BD5B-BB2D22835B57}" vid="{C21699FF-00E4-43C8-BBCC-D7E5536C3717}"/>
+      <thm15:themeFamily xmlns="" xmlns:thm15="http://schemas.microsoft.com/office/thememl/2012/main" name="Dividend" id="{9697A71B-4AB7-4A1A-BD5B-BB2D22835B57}" vid="{C21699FF-00E4-43C8-BBCC-D7E5536C3717}"/>
     </a:ext>
   </a:extLst>
 </a:theme>

--- a/Journee-ARC6/benani-vargas-ghedira-musicante.pptx
+++ b/Journee-ARC6/benani-vargas-ghedira-musicante.pptx
@@ -127,7 +127,7 @@
   </p:defaultTextStyle>
   <p:extLst>
     <p:ext uri="{EFAFB233-063F-42B5-8137-9DF3F51BA10A}">
-      <p15:sldGuideLst xmlns="" xmlns:p15="http://schemas.microsoft.com/office/powerpoint/2012/main">
+      <p15:sldGuideLst xmlns:p15="http://schemas.microsoft.com/office/powerpoint/2012/main" xmlns="">
         <p15:guide id="1" orient="horz" pos="1620">
           <p15:clr>
             <a:srgbClr val="A4A3A4"/>
@@ -226,7 +226,7 @@
           <a:p>
             <a:fld id="{A77E57C5-5813-5747-A65D-14904BC3B28A}" type="datetimeFigureOut">
               <a:rPr lang="fr-FR" smtClean="0"/>
-              <a:t>24/03/2014</a:t>
+              <a:t>05/06/2014</a:t>
             </a:fld>
             <a:endParaRPr lang="es-ES_tradnl"/>
           </a:p>
@@ -392,7 +392,7 @@
           <a:p>
             <a:fld id="{80840C0A-9A0E-6F48-97E1-1968C32D5906}" type="datetimeFigureOut">
               <a:rPr lang="fr-FR" smtClean="0"/>
-              <a:t>24/03/2014</a:t>
+              <a:t>05/06/2014</a:t>
             </a:fld>
             <a:endParaRPr lang="es-ES_tradnl"/>
           </a:p>
@@ -1776,7 +1776,7 @@
           <a:p>
             <a:fld id="{08173A4C-CE70-0842-955E-7836C9977CD0}" type="datetime1">
               <a:rPr lang="fr-FR" smtClean="0"/>
-              <a:t>24/03/2014</a:t>
+              <a:t>05/06/2014</a:t>
             </a:fld>
             <a:endParaRPr lang="en-GB"/>
           </a:p>
@@ -2038,7 +2038,7 @@
           <a:p>
             <a:fld id="{FFCC69C8-B675-1649-A9BD-41EBD27C87D2}" type="datetime1">
               <a:rPr lang="fr-FR" smtClean="0"/>
-              <a:t>24/03/2014</a:t>
+              <a:t>05/06/2014</a:t>
             </a:fld>
             <a:endParaRPr lang="en-GB"/>
           </a:p>
@@ -2273,7 +2273,7 @@
           <a:p>
             <a:fld id="{4BAE475C-31E1-764F-AEF6-3694F06675D0}" type="datetime1">
               <a:rPr lang="fr-FR" smtClean="0"/>
-              <a:t>24/03/2014</a:t>
+              <a:t>05/06/2014</a:t>
             </a:fld>
             <a:endParaRPr lang="en-GB"/>
           </a:p>
@@ -2738,7 +2738,7 @@
             </a:pPr>
             <a:fld id="{D302CF7C-A13E-A345-84DA-F5AB6E7DF0E9}" type="datetime1">
               <a:rPr lang="fr-FR" smtClean="0"/>
-              <a:t>24/03/2014</a:t>
+              <a:t>05/06/2014</a:t>
             </a:fld>
             <a:endParaRPr lang="en-GB"/>
           </a:p>
@@ -2955,7 +2955,7 @@
           <a:p>
             <a:fld id="{825AAD87-5DB6-FD45-9B91-4F6BC3D3F595}" type="datetime1">
               <a:rPr lang="fr-FR" smtClean="0"/>
-              <a:t>24/03/2014</a:t>
+              <a:t>05/06/2014</a:t>
             </a:fld>
             <a:endParaRPr lang="en-US"/>
           </a:p>
@@ -3333,7 +3333,7 @@
           <a:p>
             <a:fld id="{A730A38C-46F8-1741-9A21-08C25CCF77B8}" type="datetime1">
               <a:rPr lang="fr-FR" smtClean="0"/>
-              <a:t>24/03/2014</a:t>
+              <a:t>05/06/2014</a:t>
             </a:fld>
             <a:endParaRPr lang="en-US"/>
           </a:p>
@@ -3916,7 +3916,7 @@
           <a:p>
             <a:fld id="{07A11159-4733-984B-82E6-F506241142AC}" type="datetime1">
               <a:rPr lang="fr-FR" smtClean="0"/>
-              <a:t>24/03/2014</a:t>
+              <a:t>05/06/2014</a:t>
             </a:fld>
             <a:endParaRPr lang="en-US"/>
           </a:p>
@@ -4135,7 +4135,7 @@
           <a:p>
             <a:fld id="{EDA3E0B9-CC88-8645-9C27-FEB189175B0D}" type="datetime1">
               <a:rPr lang="fr-FR" smtClean="0"/>
-              <a:t>24/03/2014</a:t>
+              <a:t>05/06/2014</a:t>
             </a:fld>
             <a:endParaRPr lang="en-GB"/>
           </a:p>
@@ -4442,7 +4442,7 @@
           <a:p>
             <a:fld id="{7DE04ABD-EA59-D340-8A4B-D382B3BF6F0B}" type="datetime1">
               <a:rPr lang="fr-FR" smtClean="0"/>
-              <a:t>24/03/2014</a:t>
+              <a:t>05/06/2014</a:t>
             </a:fld>
             <a:endParaRPr lang="en-GB"/>
           </a:p>
@@ -4744,7 +4744,7 @@
           <a:p>
             <a:fld id="{D5501940-797B-154C-B283-2D29903CC2BA}" type="datetime1">
               <a:rPr lang="fr-FR" smtClean="0"/>
-              <a:t>24/03/2014</a:t>
+              <a:t>05/06/2014</a:t>
             </a:fld>
             <a:endParaRPr lang="en-GB"/>
           </a:p>
@@ -5166,7 +5166,7 @@
           <a:p>
             <a:fld id="{2D40B61E-7161-8349-B1B0-1706419BC512}" type="datetime1">
               <a:rPr lang="fr-FR" smtClean="0"/>
-              <a:t>24/03/2014</a:t>
+              <a:t>05/06/2014</a:t>
             </a:fld>
             <a:endParaRPr lang="en-GB"/>
           </a:p>
@@ -5328,7 +5328,7 @@
           <a:p>
             <a:fld id="{F1F996EE-AEA5-7247-84F6-5653F10EA78E}" type="datetime1">
               <a:rPr lang="fr-FR" smtClean="0"/>
-              <a:t>24/03/2014</a:t>
+              <a:t>05/06/2014</a:t>
             </a:fld>
             <a:endParaRPr lang="en-GB"/>
           </a:p>
@@ -5423,7 +5423,7 @@
           <a:p>
             <a:fld id="{970A5426-907C-B84D-976B-85288A8ADDB1}" type="datetime1">
               <a:rPr lang="fr-FR" smtClean="0"/>
-              <a:t>24/03/2014</a:t>
+              <a:t>05/06/2014</a:t>
             </a:fld>
             <a:endParaRPr lang="en-GB"/>
           </a:p>
@@ -5801,7 +5801,7 @@
           <a:p>
             <a:fld id="{7C8B3765-6DE2-FF46-A407-C716D7CC1B8C}" type="datetime1">
               <a:rPr lang="fr-FR" smtClean="0"/>
-              <a:t>24/03/2014</a:t>
+              <a:t>05/06/2014</a:t>
             </a:fld>
             <a:endParaRPr lang="en-GB"/>
           </a:p>
@@ -6090,7 +6090,7 @@
           <a:p>
             <a:fld id="{44F34D2A-E81D-7F49-85D1-AFDCEF49289D}" type="datetime1">
               <a:rPr lang="fr-FR" smtClean="0"/>
-              <a:t>24/03/2014</a:t>
+              <a:t>05/06/2014</a:t>
             </a:fld>
             <a:endParaRPr lang="en-GB"/>
           </a:p>
@@ -6301,7 +6301,7 @@
           <a:p>
             <a:fld id="{A4430339-9F7B-9E4D-B5EF-3BC3BAD6E4FA}" type="datetime1">
               <a:rPr lang="fr-FR" smtClean="0"/>
-              <a:t>24/03/2014</a:t>
+              <a:t>05/06/2014</a:t>
             </a:fld>
             <a:endParaRPr lang="en-GB"/>
           </a:p>
@@ -7109,7 +7109,7 @@
 </file>
 
 <file path=ppt/slides/slide10.xml><?xml version="1.0" encoding="utf-8"?>
-<p:sld xmlns:a="http://schemas.openxmlformats.org/drawingml/2006/main" xmlns:r="http://schemas.openxmlformats.org/officeDocument/2006/relationships" xmlns:p="http://schemas.openxmlformats.org/presentationml/2006/main">
+<p:sld xmlns:a="http://schemas.openxmlformats.org/drawingml/2006/main" xmlns:r="http://schemas.openxmlformats.org/officeDocument/2006/relationships" xmlns:p="http://schemas.openxmlformats.org/presentationml/2006/main" show="0">
   <p:cSld>
     <p:spTree>
       <p:nvGrpSpPr>
@@ -8454,6 +8454,14 @@
   <p:clrMapOvr>
     <a:masterClrMapping/>
   </p:clrMapOvr>
+  <mc:AlternateContent xmlns:mc="http://schemas.openxmlformats.org/markup-compatibility/2006">
+    <mc:Choice xmlns:p14="http://schemas.microsoft.com/office/powerpoint/2010/main" Requires="p14">
+      <p:transition spd="slow" p14:dur="2000"/>
+    </mc:Choice>
+    <mc:Fallback>
+      <p:transition xmlns:p14="http://schemas.microsoft.com/office/powerpoint/2010/main" spd="slow"/>
+    </mc:Fallback>
+  </mc:AlternateContent>
   <p:timing>
     <p:tnLst>
       <p:par>
@@ -10014,7 +10022,7 @@
 </file>
 
 <file path=ppt/slides/slide12.xml><?xml version="1.0" encoding="utf-8"?>
-<p:sld xmlns:a="http://schemas.openxmlformats.org/drawingml/2006/main" xmlns:r="http://schemas.openxmlformats.org/officeDocument/2006/relationships" xmlns:p="http://schemas.openxmlformats.org/presentationml/2006/main">
+<p:sld xmlns:a="http://schemas.openxmlformats.org/drawingml/2006/main" xmlns:r="http://schemas.openxmlformats.org/officeDocument/2006/relationships" xmlns:p="http://schemas.openxmlformats.org/presentationml/2006/main" show="0">
   <p:cSld>
     <p:spTree>
       <p:nvGrpSpPr>
@@ -10633,6 +10641,14 @@
   <p:clrMapOvr>
     <a:masterClrMapping/>
   </p:clrMapOvr>
+  <mc:AlternateContent xmlns:mc="http://schemas.openxmlformats.org/markup-compatibility/2006">
+    <mc:Choice xmlns:p14="http://schemas.microsoft.com/office/powerpoint/2010/main" Requires="p14">
+      <p:transition spd="slow" p14:dur="2000"/>
+    </mc:Choice>
+    <mc:Fallback>
+      <p:transition xmlns:p14="http://schemas.microsoft.com/office/powerpoint/2010/main" spd="slow"/>
+    </mc:Fallback>
+  </mc:AlternateContent>
   <p:timing>
     <p:tnLst>
       <p:par>
@@ -28639,7 +28655,6 @@
               <a:rPr lang="en-GB" dirty="0" smtClean="0"/>
               <a:t>Energy provision </a:t>
             </a:r>
-            <a:endParaRPr lang="en-GB" dirty="0" smtClean="0"/>
           </a:p>
           <a:p>
             <a:r>
@@ -29918,7 +29933,6 @@
               <a:rPr lang="en-GB" smtClean="0"/>
               <a:t>Energy provision </a:t>
             </a:r>
-            <a:endParaRPr lang="en-GB" smtClean="0"/>
           </a:p>
           <a:p>
             <a:r>
@@ -31757,7 +31771,7 @@
   <a:extraClrSchemeLst/>
   <a:extLst>
     <a:ext uri="{05A4C25C-085E-4340-85A3-A5531E510DB2}">
-      <thm15:themeFamily xmlns="" xmlns:thm15="http://schemas.microsoft.com/office/thememl/2012/main" name="Dividend" id="{9697A71B-4AB7-4A1A-BD5B-BB2D22835B57}" vid="{C21699FF-00E4-43C8-BBCC-D7E5536C3717}"/>
+      <thm15:themeFamily xmlns:thm15="http://schemas.microsoft.com/office/thememl/2012/main" xmlns="" name="Dividend" id="{9697A71B-4AB7-4A1A-BD5B-BB2D22835B57}" vid="{C21699FF-00E4-43C8-BBCC-D7E5536C3717}"/>
     </a:ext>
   </a:extLst>
 </a:theme>
